--- a/games/animat-world/graphics/mock-objects.pptx
+++ b/games/animat-world/graphics/mock-objects.pptx
@@ -6,14 +6,23 @@
   </p:sldMasterIdLst>
   <p:sldIdLst>
     <p:sldId id="256" r:id="rId2"/>
-    <p:sldId id="257" r:id="rId3"/>
-    <p:sldId id="259" r:id="rId4"/>
-    <p:sldId id="260" r:id="rId5"/>
-    <p:sldId id="261" r:id="rId6"/>
-    <p:sldId id="262" r:id="rId7"/>
-    <p:sldId id="263" r:id="rId8"/>
-    <p:sldId id="264" r:id="rId9"/>
-    <p:sldId id="265" r:id="rId10"/>
+    <p:sldId id="266" r:id="rId3"/>
+    <p:sldId id="267" r:id="rId4"/>
+    <p:sldId id="268" r:id="rId5"/>
+    <p:sldId id="269" r:id="rId6"/>
+    <p:sldId id="270" r:id="rId7"/>
+    <p:sldId id="271" r:id="rId8"/>
+    <p:sldId id="272" r:id="rId9"/>
+    <p:sldId id="273" r:id="rId10"/>
+    <p:sldId id="274" r:id="rId11"/>
+    <p:sldId id="257" r:id="rId12"/>
+    <p:sldId id="259" r:id="rId13"/>
+    <p:sldId id="260" r:id="rId14"/>
+    <p:sldId id="261" r:id="rId15"/>
+    <p:sldId id="262" r:id="rId16"/>
+    <p:sldId id="263" r:id="rId17"/>
+    <p:sldId id="264" r:id="rId18"/>
+    <p:sldId id="265" r:id="rId19"/>
   </p:sldIdLst>
   <p:sldSz cx="12192000" cy="6858000"/>
   <p:notesSz cx="6858000" cy="9144000"/>
@@ -3738,7 +3747,758 @@
 </p:sld>
 </file>
 
-<file path=ppt/slides/slide2.xml><?xml version="1.0" encoding="utf-8"?>
+<file path=ppt/slides/slide10.xml><?xml version="1.0" encoding="utf-8"?>
+<p:sld xmlns:a="http://schemas.openxmlformats.org/drawingml/2006/main" xmlns:r="http://schemas.openxmlformats.org/officeDocument/2006/relationships" xmlns:p="http://schemas.openxmlformats.org/presentationml/2006/main">
+  <p:cSld>
+    <p:spTree>
+      <p:nvGrpSpPr>
+        <p:cNvPr id="1" name=""/>
+        <p:cNvGrpSpPr/>
+        <p:nvPr/>
+      </p:nvGrpSpPr>
+      <p:grpSpPr>
+        <a:xfrm>
+          <a:off x="0" y="0"/>
+          <a:ext cx="0" cy="0"/>
+          <a:chOff x="0" y="0"/>
+          <a:chExt cx="0" cy="0"/>
+        </a:xfrm>
+      </p:grpSpPr>
+      <p:grpSp>
+        <p:nvGrpSpPr>
+          <p:cNvPr id="2" name="Group 1">
+            <a:extLst>
+              <a:ext uri="{FF2B5EF4-FFF2-40B4-BE49-F238E27FC236}">
+                <a16:creationId xmlns:a16="http://schemas.microsoft.com/office/drawing/2014/main" id="{2808A418-3DF8-4665-86D7-70DF9EFC8C81}"/>
+              </a:ext>
+            </a:extLst>
+          </p:cNvPr>
+          <p:cNvGrpSpPr/>
+          <p:nvPr/>
+        </p:nvGrpSpPr>
+        <p:grpSpPr>
+          <a:xfrm>
+            <a:off x="69672" y="52254"/>
+            <a:ext cx="5647755" cy="5088942"/>
+            <a:chOff x="23720817" y="42921186"/>
+            <a:chExt cx="5647755" cy="5088942"/>
+          </a:xfrm>
+        </p:grpSpPr>
+        <p:sp>
+          <p:nvSpPr>
+            <p:cNvPr id="3" name="Pentagon 1141">
+              <a:extLst>
+                <a:ext uri="{FF2B5EF4-FFF2-40B4-BE49-F238E27FC236}">
+                  <a16:creationId xmlns:a16="http://schemas.microsoft.com/office/drawing/2014/main" id="{3A3779AB-B293-42F4-AD02-DB89D248C70C}"/>
+                </a:ext>
+              </a:extLst>
+            </p:cNvPr>
+            <p:cNvSpPr/>
+            <p:nvPr/>
+          </p:nvSpPr>
+          <p:spPr>
+            <a:xfrm>
+              <a:off x="23720817" y="42921186"/>
+              <a:ext cx="5647755" cy="5088942"/>
+            </a:xfrm>
+            <a:custGeom>
+              <a:avLst/>
+              <a:gdLst>
+                <a:gd name="connsiteX0" fmla="*/ 6 w 5692395"/>
+                <a:gd name="connsiteY0" fmla="*/ 1809081 h 4736247"/>
+                <a:gd name="connsiteX1" fmla="*/ 2846198 w 5692395"/>
+                <a:gd name="connsiteY1" fmla="*/ 0 h 4736247"/>
+                <a:gd name="connsiteX2" fmla="*/ 5692389 w 5692395"/>
+                <a:gd name="connsiteY2" fmla="*/ 1809081 h 4736247"/>
+                <a:gd name="connsiteX3" fmla="*/ 4605241 w 5692395"/>
+                <a:gd name="connsiteY3" fmla="*/ 4736235 h 4736247"/>
+                <a:gd name="connsiteX4" fmla="*/ 1087154 w 5692395"/>
+                <a:gd name="connsiteY4" fmla="*/ 4736235 h 4736247"/>
+                <a:gd name="connsiteX5" fmla="*/ 6 w 5692395"/>
+                <a:gd name="connsiteY5" fmla="*/ 1809081 h 4736247"/>
+                <a:gd name="connsiteX0" fmla="*/ 0 w 5692383"/>
+                <a:gd name="connsiteY0" fmla="*/ 1809081 h 5088935"/>
+                <a:gd name="connsiteX1" fmla="*/ 2846192 w 5692383"/>
+                <a:gd name="connsiteY1" fmla="*/ 0 h 5088935"/>
+                <a:gd name="connsiteX2" fmla="*/ 5692383 w 5692383"/>
+                <a:gd name="connsiteY2" fmla="*/ 1809081 h 5088935"/>
+                <a:gd name="connsiteX3" fmla="*/ 4605235 w 5692383"/>
+                <a:gd name="connsiteY3" fmla="*/ 4736235 h 5088935"/>
+                <a:gd name="connsiteX4" fmla="*/ 2794266 w 5692383"/>
+                <a:gd name="connsiteY4" fmla="*/ 5088935 h 5088935"/>
+                <a:gd name="connsiteX5" fmla="*/ 1087148 w 5692383"/>
+                <a:gd name="connsiteY5" fmla="*/ 4736235 h 5088935"/>
+                <a:gd name="connsiteX6" fmla="*/ 0 w 5692383"/>
+                <a:gd name="connsiteY6" fmla="*/ 1809081 h 5088935"/>
+                <a:gd name="connsiteX0" fmla="*/ 0 w 5692383"/>
+                <a:gd name="connsiteY0" fmla="*/ 1809081 h 5088935"/>
+                <a:gd name="connsiteX1" fmla="*/ 2846192 w 5692383"/>
+                <a:gd name="connsiteY1" fmla="*/ 0 h 5088935"/>
+                <a:gd name="connsiteX2" fmla="*/ 5692383 w 5692383"/>
+                <a:gd name="connsiteY2" fmla="*/ 1809081 h 5088935"/>
+                <a:gd name="connsiteX3" fmla="*/ 5393087 w 5692383"/>
+                <a:gd name="connsiteY3" fmla="*/ 3187945 h 5088935"/>
+                <a:gd name="connsiteX4" fmla="*/ 4605235 w 5692383"/>
+                <a:gd name="connsiteY4" fmla="*/ 4736235 h 5088935"/>
+                <a:gd name="connsiteX5" fmla="*/ 2794266 w 5692383"/>
+                <a:gd name="connsiteY5" fmla="*/ 5088935 h 5088935"/>
+                <a:gd name="connsiteX6" fmla="*/ 1087148 w 5692383"/>
+                <a:gd name="connsiteY6" fmla="*/ 4736235 h 5088935"/>
+                <a:gd name="connsiteX7" fmla="*/ 0 w 5692383"/>
+                <a:gd name="connsiteY7" fmla="*/ 1809081 h 5088935"/>
+                <a:gd name="connsiteX0" fmla="*/ 0 w 5692383"/>
+                <a:gd name="connsiteY0" fmla="*/ 1809081 h 5088935"/>
+                <a:gd name="connsiteX1" fmla="*/ 2846192 w 5692383"/>
+                <a:gd name="connsiteY1" fmla="*/ 0 h 5088935"/>
+                <a:gd name="connsiteX2" fmla="*/ 4021487 w 5692383"/>
+                <a:gd name="connsiteY2" fmla="*/ 372556 h 5088935"/>
+                <a:gd name="connsiteX3" fmla="*/ 5692383 w 5692383"/>
+                <a:gd name="connsiteY3" fmla="*/ 1809081 h 5088935"/>
+                <a:gd name="connsiteX4" fmla="*/ 5393087 w 5692383"/>
+                <a:gd name="connsiteY4" fmla="*/ 3187945 h 5088935"/>
+                <a:gd name="connsiteX5" fmla="*/ 4605235 w 5692383"/>
+                <a:gd name="connsiteY5" fmla="*/ 4736235 h 5088935"/>
+                <a:gd name="connsiteX6" fmla="*/ 2794266 w 5692383"/>
+                <a:gd name="connsiteY6" fmla="*/ 5088935 h 5088935"/>
+                <a:gd name="connsiteX7" fmla="*/ 1087148 w 5692383"/>
+                <a:gd name="connsiteY7" fmla="*/ 4736235 h 5088935"/>
+                <a:gd name="connsiteX8" fmla="*/ 0 w 5692383"/>
+                <a:gd name="connsiteY8" fmla="*/ 1809081 h 5088935"/>
+                <a:gd name="connsiteX0" fmla="*/ 0 w 5692383"/>
+                <a:gd name="connsiteY0" fmla="*/ 1809081 h 5088935"/>
+                <a:gd name="connsiteX1" fmla="*/ 748897 w 5692383"/>
+                <a:gd name="connsiteY1" fmla="*/ 757566 h 5088935"/>
+                <a:gd name="connsiteX2" fmla="*/ 2846192 w 5692383"/>
+                <a:gd name="connsiteY2" fmla="*/ 0 h 5088935"/>
+                <a:gd name="connsiteX3" fmla="*/ 4021487 w 5692383"/>
+                <a:gd name="connsiteY3" fmla="*/ 372556 h 5088935"/>
+                <a:gd name="connsiteX4" fmla="*/ 5692383 w 5692383"/>
+                <a:gd name="connsiteY4" fmla="*/ 1809081 h 5088935"/>
+                <a:gd name="connsiteX5" fmla="*/ 5393087 w 5692383"/>
+                <a:gd name="connsiteY5" fmla="*/ 3187945 h 5088935"/>
+                <a:gd name="connsiteX6" fmla="*/ 4605235 w 5692383"/>
+                <a:gd name="connsiteY6" fmla="*/ 4736235 h 5088935"/>
+                <a:gd name="connsiteX7" fmla="*/ 2794266 w 5692383"/>
+                <a:gd name="connsiteY7" fmla="*/ 5088935 h 5088935"/>
+                <a:gd name="connsiteX8" fmla="*/ 1087148 w 5692383"/>
+                <a:gd name="connsiteY8" fmla="*/ 4736235 h 5088935"/>
+                <a:gd name="connsiteX9" fmla="*/ 0 w 5692383"/>
+                <a:gd name="connsiteY9" fmla="*/ 1809081 h 5088935"/>
+                <a:gd name="connsiteX0" fmla="*/ 0 w 5692383"/>
+                <a:gd name="connsiteY0" fmla="*/ 1809081 h 5088935"/>
+                <a:gd name="connsiteX1" fmla="*/ 748897 w 5692383"/>
+                <a:gd name="connsiteY1" fmla="*/ 757566 h 5088935"/>
+                <a:gd name="connsiteX2" fmla="*/ 2846192 w 5692383"/>
+                <a:gd name="connsiteY2" fmla="*/ 0 h 5088935"/>
+                <a:gd name="connsiteX3" fmla="*/ 4021487 w 5692383"/>
+                <a:gd name="connsiteY3" fmla="*/ 372556 h 5088935"/>
+                <a:gd name="connsiteX4" fmla="*/ 5692383 w 5692383"/>
+                <a:gd name="connsiteY4" fmla="*/ 1809081 h 5088935"/>
+                <a:gd name="connsiteX5" fmla="*/ 5393087 w 5692383"/>
+                <a:gd name="connsiteY5" fmla="*/ 3187945 h 5088935"/>
+                <a:gd name="connsiteX6" fmla="*/ 4605235 w 5692383"/>
+                <a:gd name="connsiteY6" fmla="*/ 4736235 h 5088935"/>
+                <a:gd name="connsiteX7" fmla="*/ 2794266 w 5692383"/>
+                <a:gd name="connsiteY7" fmla="*/ 5088935 h 5088935"/>
+                <a:gd name="connsiteX8" fmla="*/ 1087148 w 5692383"/>
+                <a:gd name="connsiteY8" fmla="*/ 4736235 h 5088935"/>
+                <a:gd name="connsiteX9" fmla="*/ 219508 w 5692383"/>
+                <a:gd name="connsiteY9" fmla="*/ 3380450 h 5088935"/>
+                <a:gd name="connsiteX10" fmla="*/ 0 w 5692383"/>
+                <a:gd name="connsiteY10" fmla="*/ 1809081 h 5088935"/>
+              </a:gdLst>
+              <a:ahLst/>
+              <a:cxnLst>
+                <a:cxn ang="0">
+                  <a:pos x="connsiteX0" y="connsiteY0"/>
+                </a:cxn>
+                <a:cxn ang="0">
+                  <a:pos x="connsiteX1" y="connsiteY1"/>
+                </a:cxn>
+                <a:cxn ang="0">
+                  <a:pos x="connsiteX2" y="connsiteY2"/>
+                </a:cxn>
+                <a:cxn ang="0">
+                  <a:pos x="connsiteX3" y="connsiteY3"/>
+                </a:cxn>
+                <a:cxn ang="0">
+                  <a:pos x="connsiteX4" y="connsiteY4"/>
+                </a:cxn>
+                <a:cxn ang="0">
+                  <a:pos x="connsiteX5" y="connsiteY5"/>
+                </a:cxn>
+                <a:cxn ang="0">
+                  <a:pos x="connsiteX6" y="connsiteY6"/>
+                </a:cxn>
+                <a:cxn ang="0">
+                  <a:pos x="connsiteX7" y="connsiteY7"/>
+                </a:cxn>
+                <a:cxn ang="0">
+                  <a:pos x="connsiteX8" y="connsiteY8"/>
+                </a:cxn>
+                <a:cxn ang="0">
+                  <a:pos x="connsiteX9" y="connsiteY9"/>
+                </a:cxn>
+                <a:cxn ang="0">
+                  <a:pos x="connsiteX10" y="connsiteY10"/>
+                </a:cxn>
+              </a:cxnLst>
+              <a:rect l="l" t="t" r="r" b="b"/>
+              <a:pathLst>
+                <a:path w="5692383" h="5088935">
+                  <a:moveTo>
+                    <a:pt x="0" y="1809081"/>
+                  </a:moveTo>
+                  <a:cubicBezTo>
+                    <a:pt x="490264" y="1514723"/>
+                    <a:pt x="258633" y="1051924"/>
+                    <a:pt x="748897" y="757566"/>
+                  </a:cubicBezTo>
+                  <a:lnTo>
+                    <a:pt x="2846192" y="0"/>
+                  </a:lnTo>
+                  <a:cubicBezTo>
+                    <a:pt x="3350252" y="316691"/>
+                    <a:pt x="3517427" y="55865"/>
+                    <a:pt x="4021487" y="372556"/>
+                  </a:cubicBezTo>
+                  <a:lnTo>
+                    <a:pt x="5692383" y="1809081"/>
+                  </a:lnTo>
+                  <a:cubicBezTo>
+                    <a:pt x="5464281" y="2421102"/>
+                    <a:pt x="5621189" y="2575924"/>
+                    <a:pt x="5393087" y="3187945"/>
+                  </a:cubicBezTo>
+                  <a:lnTo>
+                    <a:pt x="4605235" y="4736235"/>
+                  </a:lnTo>
+                  <a:cubicBezTo>
+                    <a:pt x="4041684" y="4749528"/>
+                    <a:pt x="3357817" y="5075642"/>
+                    <a:pt x="2794266" y="5088935"/>
+                  </a:cubicBezTo>
+                  <a:lnTo>
+                    <a:pt x="1087148" y="4736235"/>
+                  </a:lnTo>
+                  <a:cubicBezTo>
+                    <a:pt x="918250" y="4268265"/>
+                    <a:pt x="388406" y="3848420"/>
+                    <a:pt x="219508" y="3380450"/>
+                  </a:cubicBezTo>
+                  <a:lnTo>
+                    <a:pt x="0" y="1809081"/>
+                  </a:lnTo>
+                  <a:close/>
+                </a:path>
+              </a:pathLst>
+            </a:custGeom>
+            <a:gradFill flip="none" rotWithShape="1">
+              <a:gsLst>
+                <a:gs pos="0">
+                  <a:schemeClr val="tx1">
+                    <a:lumMod val="65000"/>
+                    <a:lumOff val="35000"/>
+                  </a:schemeClr>
+                </a:gs>
+                <a:gs pos="80000">
+                  <a:schemeClr val="bg1">
+                    <a:lumMod val="75000"/>
+                  </a:schemeClr>
+                </a:gs>
+              </a:gsLst>
+              <a:path path="circle">
+                <a:fillToRect l="100000" t="100000"/>
+              </a:path>
+              <a:tileRect r="-100000" b="-100000"/>
+            </a:gradFill>
+            <a:ln>
+              <a:solidFill>
+                <a:schemeClr val="tx1"/>
+              </a:solidFill>
+            </a:ln>
+          </p:spPr>
+          <p:style>
+            <a:lnRef idx="2">
+              <a:schemeClr val="accent1">
+                <a:shade val="50000"/>
+              </a:schemeClr>
+            </a:lnRef>
+            <a:fillRef idx="1">
+              <a:schemeClr val="accent1"/>
+            </a:fillRef>
+            <a:effectRef idx="0">
+              <a:schemeClr val="accent1"/>
+            </a:effectRef>
+            <a:fontRef idx="minor">
+              <a:schemeClr val="lt1"/>
+            </a:fontRef>
+          </p:style>
+          <p:txBody>
+            <a:bodyPr rtlCol="0" anchor="ctr"/>
+            <a:lstStyle/>
+            <a:p>
+              <a:pPr algn="ctr"/>
+              <a:endParaRPr lang="en-US"/>
+            </a:p>
+          </p:txBody>
+        </p:sp>
+        <p:sp>
+          <p:nvSpPr>
+            <p:cNvPr id="4" name="Pentagon 1140">
+              <a:extLst>
+                <a:ext uri="{FF2B5EF4-FFF2-40B4-BE49-F238E27FC236}">
+                  <a16:creationId xmlns:a16="http://schemas.microsoft.com/office/drawing/2014/main" id="{DC03BD8A-8C41-49FA-BFA6-EEB04FB83B3D}"/>
+                </a:ext>
+              </a:extLst>
+            </p:cNvPr>
+            <p:cNvSpPr/>
+            <p:nvPr/>
+          </p:nvSpPr>
+          <p:spPr>
+            <a:xfrm>
+              <a:off x="24437371" y="44242032"/>
+              <a:ext cx="3801079" cy="2389982"/>
+            </a:xfrm>
+            <a:custGeom>
+              <a:avLst/>
+              <a:gdLst>
+                <a:gd name="connsiteX0" fmla="*/ 3 w 2704830"/>
+                <a:gd name="connsiteY0" fmla="*/ 1001467 h 2621880"/>
+                <a:gd name="connsiteX1" fmla="*/ 1352415 w 2704830"/>
+                <a:gd name="connsiteY1" fmla="*/ 0 h 2621880"/>
+                <a:gd name="connsiteX2" fmla="*/ 2704827 w 2704830"/>
+                <a:gd name="connsiteY2" fmla="*/ 1001467 h 2621880"/>
+                <a:gd name="connsiteX3" fmla="*/ 2188252 w 2704830"/>
+                <a:gd name="connsiteY3" fmla="*/ 2621873 h 2621880"/>
+                <a:gd name="connsiteX4" fmla="*/ 516578 w 2704830"/>
+                <a:gd name="connsiteY4" fmla="*/ 2621873 h 2621880"/>
+                <a:gd name="connsiteX5" fmla="*/ 3 w 2704830"/>
+                <a:gd name="connsiteY5" fmla="*/ 1001467 h 2621880"/>
+                <a:gd name="connsiteX0" fmla="*/ 0 w 3041708"/>
+                <a:gd name="connsiteY0" fmla="*/ 1001467 h 2621873"/>
+                <a:gd name="connsiteX1" fmla="*/ 1352412 w 3041708"/>
+                <a:gd name="connsiteY1" fmla="*/ 0 h 2621873"/>
+                <a:gd name="connsiteX2" fmla="*/ 3041708 w 3041708"/>
+                <a:gd name="connsiteY2" fmla="*/ 327698 h 2621873"/>
+                <a:gd name="connsiteX3" fmla="*/ 2188249 w 3041708"/>
+                <a:gd name="connsiteY3" fmla="*/ 2621873 h 2621873"/>
+                <a:gd name="connsiteX4" fmla="*/ 516575 w 3041708"/>
+                <a:gd name="connsiteY4" fmla="*/ 2621873 h 2621873"/>
+                <a:gd name="connsiteX5" fmla="*/ 0 w 3041708"/>
+                <a:gd name="connsiteY5" fmla="*/ 1001467 h 2621873"/>
+                <a:gd name="connsiteX0" fmla="*/ 0 w 3571097"/>
+                <a:gd name="connsiteY0" fmla="*/ 953340 h 2621873"/>
+                <a:gd name="connsiteX1" fmla="*/ 1881801 w 3571097"/>
+                <a:gd name="connsiteY1" fmla="*/ 0 h 2621873"/>
+                <a:gd name="connsiteX2" fmla="*/ 3571097 w 3571097"/>
+                <a:gd name="connsiteY2" fmla="*/ 327698 h 2621873"/>
+                <a:gd name="connsiteX3" fmla="*/ 2717638 w 3571097"/>
+                <a:gd name="connsiteY3" fmla="*/ 2621873 h 2621873"/>
+                <a:gd name="connsiteX4" fmla="*/ 1045964 w 3571097"/>
+                <a:gd name="connsiteY4" fmla="*/ 2621873 h 2621873"/>
+                <a:gd name="connsiteX5" fmla="*/ 0 w 3571097"/>
+                <a:gd name="connsiteY5" fmla="*/ 953340 h 2621873"/>
+                <a:gd name="connsiteX0" fmla="*/ 0 w 3571097"/>
+                <a:gd name="connsiteY0" fmla="*/ 953340 h 2621873"/>
+                <a:gd name="connsiteX1" fmla="*/ 1881801 w 3571097"/>
+                <a:gd name="connsiteY1" fmla="*/ 0 h 2621873"/>
+                <a:gd name="connsiteX2" fmla="*/ 3571097 w 3571097"/>
+                <a:gd name="connsiteY2" fmla="*/ 327698 h 2621873"/>
+                <a:gd name="connsiteX3" fmla="*/ 2717638 w 3571097"/>
+                <a:gd name="connsiteY3" fmla="*/ 2621873 h 2621873"/>
+                <a:gd name="connsiteX4" fmla="*/ 1406911 w 3571097"/>
+                <a:gd name="connsiteY4" fmla="*/ 2020294 h 2621873"/>
+                <a:gd name="connsiteX5" fmla="*/ 0 w 3571097"/>
+                <a:gd name="connsiteY5" fmla="*/ 953340 h 2621873"/>
+                <a:gd name="connsiteX0" fmla="*/ 0 w 3571097"/>
+                <a:gd name="connsiteY0" fmla="*/ 953340 h 2621873"/>
+                <a:gd name="connsiteX1" fmla="*/ 1881801 w 3571097"/>
+                <a:gd name="connsiteY1" fmla="*/ 0 h 2621873"/>
+                <a:gd name="connsiteX2" fmla="*/ 3571097 w 3571097"/>
+                <a:gd name="connsiteY2" fmla="*/ 327698 h 2621873"/>
+                <a:gd name="connsiteX3" fmla="*/ 2717638 w 3571097"/>
+                <a:gd name="connsiteY3" fmla="*/ 2621873 h 2621873"/>
+                <a:gd name="connsiteX4" fmla="*/ 1406911 w 3571097"/>
+                <a:gd name="connsiteY4" fmla="*/ 2020294 h 2621873"/>
+                <a:gd name="connsiteX5" fmla="*/ 0 w 3571097"/>
+                <a:gd name="connsiteY5" fmla="*/ 953340 h 2621873"/>
+                <a:gd name="connsiteX0" fmla="*/ 0 w 3571097"/>
+                <a:gd name="connsiteY0" fmla="*/ 953340 h 2621873"/>
+                <a:gd name="connsiteX1" fmla="*/ 1881801 w 3571097"/>
+                <a:gd name="connsiteY1" fmla="*/ 0 h 2621873"/>
+                <a:gd name="connsiteX2" fmla="*/ 3571097 w 3571097"/>
+                <a:gd name="connsiteY2" fmla="*/ 327698 h 2621873"/>
+                <a:gd name="connsiteX3" fmla="*/ 2717638 w 3571097"/>
+                <a:gd name="connsiteY3" fmla="*/ 2621873 h 2621873"/>
+                <a:gd name="connsiteX4" fmla="*/ 1406911 w 3571097"/>
+                <a:gd name="connsiteY4" fmla="*/ 2020294 h 2621873"/>
+                <a:gd name="connsiteX5" fmla="*/ 949261 w 3571097"/>
+                <a:gd name="connsiteY5" fmla="*/ 2055484 h 2621873"/>
+                <a:gd name="connsiteX6" fmla="*/ 0 w 3571097"/>
+                <a:gd name="connsiteY6" fmla="*/ 953340 h 2621873"/>
+                <a:gd name="connsiteX0" fmla="*/ 0 w 3571097"/>
+                <a:gd name="connsiteY0" fmla="*/ 953340 h 2140610"/>
+                <a:gd name="connsiteX1" fmla="*/ 1881801 w 3571097"/>
+                <a:gd name="connsiteY1" fmla="*/ 0 h 2140610"/>
+                <a:gd name="connsiteX2" fmla="*/ 3571097 w 3571097"/>
+                <a:gd name="connsiteY2" fmla="*/ 327698 h 2140610"/>
+                <a:gd name="connsiteX3" fmla="*/ 2693575 w 3571097"/>
+                <a:gd name="connsiteY3" fmla="*/ 2140610 h 2140610"/>
+                <a:gd name="connsiteX4" fmla="*/ 1406911 w 3571097"/>
+                <a:gd name="connsiteY4" fmla="*/ 2020294 h 2140610"/>
+                <a:gd name="connsiteX5" fmla="*/ 949261 w 3571097"/>
+                <a:gd name="connsiteY5" fmla="*/ 2055484 h 2140610"/>
+                <a:gd name="connsiteX6" fmla="*/ 0 w 3571097"/>
+                <a:gd name="connsiteY6" fmla="*/ 953340 h 2140610"/>
+              </a:gdLst>
+              <a:ahLst/>
+              <a:cxnLst>
+                <a:cxn ang="0">
+                  <a:pos x="connsiteX0" y="connsiteY0"/>
+                </a:cxn>
+                <a:cxn ang="0">
+                  <a:pos x="connsiteX1" y="connsiteY1"/>
+                </a:cxn>
+                <a:cxn ang="0">
+                  <a:pos x="connsiteX2" y="connsiteY2"/>
+                </a:cxn>
+                <a:cxn ang="0">
+                  <a:pos x="connsiteX3" y="connsiteY3"/>
+                </a:cxn>
+                <a:cxn ang="0">
+                  <a:pos x="connsiteX4" y="connsiteY4"/>
+                </a:cxn>
+                <a:cxn ang="0">
+                  <a:pos x="connsiteX5" y="connsiteY5"/>
+                </a:cxn>
+                <a:cxn ang="0">
+                  <a:pos x="connsiteX6" y="connsiteY6"/>
+                </a:cxn>
+              </a:cxnLst>
+              <a:rect l="l" t="t" r="r" b="b"/>
+              <a:pathLst>
+                <a:path w="3571097" h="2140610">
+                  <a:moveTo>
+                    <a:pt x="0" y="953340"/>
+                  </a:moveTo>
+                  <a:lnTo>
+                    <a:pt x="1881801" y="0"/>
+                  </a:lnTo>
+                  <a:lnTo>
+                    <a:pt x="3571097" y="327698"/>
+                  </a:lnTo>
+                  <a:lnTo>
+                    <a:pt x="2693575" y="2140610"/>
+                  </a:lnTo>
+                  <a:cubicBezTo>
+                    <a:pt x="2256666" y="1940084"/>
+                    <a:pt x="2060389" y="1932062"/>
+                    <a:pt x="1406911" y="2020294"/>
+                  </a:cubicBezTo>
+                  <a:cubicBezTo>
+                    <a:pt x="1318529" y="1959834"/>
+                    <a:pt x="1037643" y="2115944"/>
+                    <a:pt x="949261" y="2055484"/>
+                  </a:cubicBezTo>
+                  <a:lnTo>
+                    <a:pt x="0" y="953340"/>
+                  </a:lnTo>
+                  <a:close/>
+                </a:path>
+              </a:pathLst>
+            </a:custGeom>
+            <a:solidFill>
+              <a:schemeClr val="bg1">
+                <a:lumMod val="75000"/>
+              </a:schemeClr>
+            </a:solidFill>
+            <a:ln>
+              <a:solidFill>
+                <a:schemeClr val="tx1"/>
+              </a:solidFill>
+            </a:ln>
+          </p:spPr>
+          <p:style>
+            <a:lnRef idx="2">
+              <a:schemeClr val="accent1">
+                <a:shade val="50000"/>
+              </a:schemeClr>
+            </a:lnRef>
+            <a:fillRef idx="1">
+              <a:schemeClr val="accent1"/>
+            </a:fillRef>
+            <a:effectRef idx="0">
+              <a:schemeClr val="accent1"/>
+            </a:effectRef>
+            <a:fontRef idx="minor">
+              <a:schemeClr val="lt1"/>
+            </a:fontRef>
+          </p:style>
+          <p:txBody>
+            <a:bodyPr rtlCol="0" anchor="ctr"/>
+            <a:lstStyle/>
+            <a:p>
+              <a:pPr algn="ctr"/>
+              <a:endParaRPr lang="en-US"/>
+            </a:p>
+          </p:txBody>
+        </p:sp>
+        <p:cxnSp>
+          <p:nvCxnSpPr>
+            <p:cNvPr id="5" name="Straight Connector 4">
+              <a:extLst>
+                <a:ext uri="{FF2B5EF4-FFF2-40B4-BE49-F238E27FC236}">
+                  <a16:creationId xmlns:a16="http://schemas.microsoft.com/office/drawing/2014/main" id="{45419BFA-6ECC-4D9B-96FE-D3FDBB1D4B16}"/>
+                </a:ext>
+              </a:extLst>
+            </p:cNvPr>
+            <p:cNvCxnSpPr>
+              <a:cxnSpLocks/>
+              <a:stCxn id="3" idx="2"/>
+              <a:endCxn id="4" idx="1"/>
+            </p:cNvCxnSpPr>
+            <p:nvPr/>
+          </p:nvCxnSpPr>
+          <p:spPr>
+            <a:xfrm flipH="1">
+              <a:off x="26440362" y="42921186"/>
+              <a:ext cx="104333" cy="1320846"/>
+            </a:xfrm>
+            <a:prstGeom prst="line">
+              <a:avLst/>
+            </a:prstGeom>
+            <a:ln>
+              <a:solidFill>
+                <a:schemeClr val="tx1">
+                  <a:lumMod val="50000"/>
+                  <a:lumOff val="50000"/>
+                </a:schemeClr>
+              </a:solidFill>
+            </a:ln>
+          </p:spPr>
+          <p:style>
+            <a:lnRef idx="1">
+              <a:schemeClr val="accent1"/>
+            </a:lnRef>
+            <a:fillRef idx="0">
+              <a:schemeClr val="accent1"/>
+            </a:fillRef>
+            <a:effectRef idx="0">
+              <a:schemeClr val="accent1"/>
+            </a:effectRef>
+            <a:fontRef idx="minor">
+              <a:schemeClr val="tx1"/>
+            </a:fontRef>
+          </p:style>
+        </p:cxnSp>
+        <p:cxnSp>
+          <p:nvCxnSpPr>
+            <p:cNvPr id="6" name="Straight Connector 5">
+              <a:extLst>
+                <a:ext uri="{FF2B5EF4-FFF2-40B4-BE49-F238E27FC236}">
+                  <a16:creationId xmlns:a16="http://schemas.microsoft.com/office/drawing/2014/main" id="{185D2F9B-6283-4DB6-B9F5-63E36A2A6B1F}"/>
+                </a:ext>
+              </a:extLst>
+            </p:cNvPr>
+            <p:cNvCxnSpPr>
+              <a:cxnSpLocks/>
+              <a:stCxn id="3" idx="0"/>
+              <a:endCxn id="4" idx="0"/>
+            </p:cNvCxnSpPr>
+            <p:nvPr/>
+          </p:nvCxnSpPr>
+          <p:spPr>
+            <a:xfrm>
+              <a:off x="23720817" y="44730269"/>
+              <a:ext cx="716554" cy="576163"/>
+            </a:xfrm>
+            <a:prstGeom prst="line">
+              <a:avLst/>
+            </a:prstGeom>
+            <a:ln>
+              <a:solidFill>
+                <a:schemeClr val="tx1">
+                  <a:lumMod val="50000"/>
+                  <a:lumOff val="50000"/>
+                </a:schemeClr>
+              </a:solidFill>
+            </a:ln>
+          </p:spPr>
+          <p:style>
+            <a:lnRef idx="1">
+              <a:schemeClr val="accent1"/>
+            </a:lnRef>
+            <a:fillRef idx="0">
+              <a:schemeClr val="accent1"/>
+            </a:fillRef>
+            <a:effectRef idx="0">
+              <a:schemeClr val="accent1"/>
+            </a:effectRef>
+            <a:fontRef idx="minor">
+              <a:schemeClr val="tx1"/>
+            </a:fontRef>
+          </p:style>
+        </p:cxnSp>
+        <p:cxnSp>
+          <p:nvCxnSpPr>
+            <p:cNvPr id="7" name="Straight Connector 6">
+              <a:extLst>
+                <a:ext uri="{FF2B5EF4-FFF2-40B4-BE49-F238E27FC236}">
+                  <a16:creationId xmlns:a16="http://schemas.microsoft.com/office/drawing/2014/main" id="{11E403F7-5B42-4F4F-BEC5-32AD4F101F67}"/>
+                </a:ext>
+              </a:extLst>
+            </p:cNvPr>
+            <p:cNvCxnSpPr>
+              <a:cxnSpLocks/>
+              <a:stCxn id="3" idx="8"/>
+              <a:endCxn id="4" idx="5"/>
+            </p:cNvCxnSpPr>
+            <p:nvPr/>
+          </p:nvCxnSpPr>
+          <p:spPr>
+            <a:xfrm flipV="1">
+              <a:off x="24799442" y="46536971"/>
+              <a:ext cx="648323" cy="1120457"/>
+            </a:xfrm>
+            <a:prstGeom prst="line">
+              <a:avLst/>
+            </a:prstGeom>
+            <a:ln>
+              <a:solidFill>
+                <a:schemeClr val="tx1">
+                  <a:lumMod val="50000"/>
+                  <a:lumOff val="50000"/>
+                </a:schemeClr>
+              </a:solidFill>
+            </a:ln>
+          </p:spPr>
+          <p:style>
+            <a:lnRef idx="1">
+              <a:schemeClr val="accent1"/>
+            </a:lnRef>
+            <a:fillRef idx="0">
+              <a:schemeClr val="accent1"/>
+            </a:fillRef>
+            <a:effectRef idx="0">
+              <a:schemeClr val="accent1"/>
+            </a:effectRef>
+            <a:fontRef idx="minor">
+              <a:schemeClr val="tx1"/>
+            </a:fontRef>
+          </p:style>
+        </p:cxnSp>
+        <p:cxnSp>
+          <p:nvCxnSpPr>
+            <p:cNvPr id="8" name="Straight Connector 7">
+              <a:extLst>
+                <a:ext uri="{FF2B5EF4-FFF2-40B4-BE49-F238E27FC236}">
+                  <a16:creationId xmlns:a16="http://schemas.microsoft.com/office/drawing/2014/main" id="{F0D07992-3202-42A1-9273-5E8270175099}"/>
+                </a:ext>
+              </a:extLst>
+            </p:cNvPr>
+            <p:cNvCxnSpPr>
+              <a:cxnSpLocks/>
+              <a:stCxn id="3" idx="6"/>
+              <a:endCxn id="4" idx="3"/>
+            </p:cNvCxnSpPr>
+            <p:nvPr/>
+          </p:nvCxnSpPr>
+          <p:spPr>
+            <a:xfrm flipH="1" flipV="1">
+              <a:off x="27304415" y="46632014"/>
+              <a:ext cx="985532" cy="1025414"/>
+            </a:xfrm>
+            <a:prstGeom prst="line">
+              <a:avLst/>
+            </a:prstGeom>
+            <a:ln>
+              <a:solidFill>
+                <a:schemeClr val="tx1">
+                  <a:lumMod val="75000"/>
+                  <a:lumOff val="25000"/>
+                </a:schemeClr>
+              </a:solidFill>
+            </a:ln>
+          </p:spPr>
+          <p:style>
+            <a:lnRef idx="1">
+              <a:schemeClr val="accent1"/>
+            </a:lnRef>
+            <a:fillRef idx="0">
+              <a:schemeClr val="accent1"/>
+            </a:fillRef>
+            <a:effectRef idx="0">
+              <a:schemeClr val="accent1"/>
+            </a:effectRef>
+            <a:fontRef idx="minor">
+              <a:schemeClr val="tx1"/>
+            </a:fontRef>
+          </p:style>
+        </p:cxnSp>
+        <p:cxnSp>
+          <p:nvCxnSpPr>
+            <p:cNvPr id="9" name="Straight Connector 8">
+              <a:extLst>
+                <a:ext uri="{FF2B5EF4-FFF2-40B4-BE49-F238E27FC236}">
+                  <a16:creationId xmlns:a16="http://schemas.microsoft.com/office/drawing/2014/main" id="{F66CDAC4-3A1C-442B-BACE-7DAF75960D1C}"/>
+                </a:ext>
+              </a:extLst>
+            </p:cNvPr>
+            <p:cNvCxnSpPr>
+              <a:cxnSpLocks/>
+              <a:stCxn id="3" idx="4"/>
+              <a:endCxn id="4" idx="2"/>
+            </p:cNvCxnSpPr>
+            <p:nvPr/>
+          </p:nvCxnSpPr>
+          <p:spPr>
+            <a:xfrm flipH="1" flipV="1">
+              <a:off x="28238450" y="44607905"/>
+              <a:ext cx="1130122" cy="122364"/>
+            </a:xfrm>
+            <a:prstGeom prst="line">
+              <a:avLst/>
+            </a:prstGeom>
+            <a:ln>
+              <a:solidFill>
+                <a:schemeClr val="tx1">
+                  <a:lumMod val="75000"/>
+                  <a:lumOff val="25000"/>
+                </a:schemeClr>
+              </a:solidFill>
+            </a:ln>
+          </p:spPr>
+          <p:style>
+            <a:lnRef idx="1">
+              <a:schemeClr val="accent1"/>
+            </a:lnRef>
+            <a:fillRef idx="0">
+              <a:schemeClr val="accent1"/>
+            </a:fillRef>
+            <a:effectRef idx="0">
+              <a:schemeClr val="accent1"/>
+            </a:effectRef>
+            <a:fontRef idx="minor">
+              <a:schemeClr val="tx1"/>
+            </a:fontRef>
+          </p:style>
+        </p:cxnSp>
+      </p:grpSp>
+    </p:spTree>
+    <p:extLst>
+      <p:ext uri="{BB962C8B-B14F-4D97-AF65-F5344CB8AC3E}">
+        <p14:creationId xmlns:p14="http://schemas.microsoft.com/office/powerpoint/2010/main" val="242495905"/>
+      </p:ext>
+    </p:extLst>
+  </p:cSld>
+  <p:clrMapOvr>
+    <a:masterClrMapping/>
+  </p:clrMapOvr>
+</p:sld>
+</file>
+
+<file path=ppt/slides/slide11.xml><?xml version="1.0" encoding="utf-8"?>
 <p:sld xmlns:a="http://schemas.openxmlformats.org/drawingml/2006/main" xmlns:r="http://schemas.openxmlformats.org/officeDocument/2006/relationships" xmlns:p="http://schemas.openxmlformats.org/presentationml/2006/main">
   <p:cSld>
     <p:spTree>
@@ -4472,7 +5232,7 @@
 </p:sld>
 </file>
 
-<file path=ppt/slides/slide3.xml><?xml version="1.0" encoding="utf-8"?>
+<file path=ppt/slides/slide12.xml><?xml version="1.0" encoding="utf-8"?>
 <p:sld xmlns:a="http://schemas.openxmlformats.org/drawingml/2006/main" xmlns:r="http://schemas.openxmlformats.org/officeDocument/2006/relationships" xmlns:p="http://schemas.openxmlformats.org/presentationml/2006/main">
   <p:cSld>
     <p:spTree>
@@ -4559,7 +5319,7 @@
 </p:sld>
 </file>
 
-<file path=ppt/slides/slide4.xml><?xml version="1.0" encoding="utf-8"?>
+<file path=ppt/slides/slide13.xml><?xml version="1.0" encoding="utf-8"?>
 <p:sld xmlns:a="http://schemas.openxmlformats.org/drawingml/2006/main" xmlns:r="http://schemas.openxmlformats.org/officeDocument/2006/relationships" xmlns:p="http://schemas.openxmlformats.org/presentationml/2006/main">
   <p:cSld>
     <p:spTree>
@@ -4643,7 +5403,7 @@
 </p:sld>
 </file>
 
-<file path=ppt/slides/slide5.xml><?xml version="1.0" encoding="utf-8"?>
+<file path=ppt/slides/slide14.xml><?xml version="1.0" encoding="utf-8"?>
 <p:sld xmlns:a="http://schemas.openxmlformats.org/drawingml/2006/main" xmlns:r="http://schemas.openxmlformats.org/officeDocument/2006/relationships" xmlns:p="http://schemas.openxmlformats.org/presentationml/2006/main">
   <p:cSld>
     <p:spTree>
@@ -4716,7 +5476,7 @@
 </p:sld>
 </file>
 
-<file path=ppt/slides/slide6.xml><?xml version="1.0" encoding="utf-8"?>
+<file path=ppt/slides/slide15.xml><?xml version="1.0" encoding="utf-8"?>
 <p:sld xmlns:a="http://schemas.openxmlformats.org/drawingml/2006/main" xmlns:r="http://schemas.openxmlformats.org/officeDocument/2006/relationships" xmlns:p="http://schemas.openxmlformats.org/presentationml/2006/main">
   <p:cSld>
     <p:spTree>
@@ -4972,7 +5732,7 @@
 </p:sld>
 </file>
 
-<file path=ppt/slides/slide7.xml><?xml version="1.0" encoding="utf-8"?>
+<file path=ppt/slides/slide16.xml><?xml version="1.0" encoding="utf-8"?>
 <p:sld xmlns:a="http://schemas.openxmlformats.org/drawingml/2006/main" xmlns:r="http://schemas.openxmlformats.org/officeDocument/2006/relationships" xmlns:p="http://schemas.openxmlformats.org/presentationml/2006/main">
   <p:cSld>
     <p:spTree>
@@ -5228,7 +5988,7 @@
 </p:sld>
 </file>
 
-<file path=ppt/slides/slide8.xml><?xml version="1.0" encoding="utf-8"?>
+<file path=ppt/slides/slide17.xml><?xml version="1.0" encoding="utf-8"?>
 <p:sld xmlns:a="http://schemas.openxmlformats.org/drawingml/2006/main" xmlns:r="http://schemas.openxmlformats.org/officeDocument/2006/relationships" xmlns:p="http://schemas.openxmlformats.org/presentationml/2006/main">
   <p:cSld>
     <p:spTree>
@@ -5307,7 +6067,7 @@
 </p:sld>
 </file>
 
-<file path=ppt/slides/slide9.xml><?xml version="1.0" encoding="utf-8"?>
+<file path=ppt/slides/slide18.xml><?xml version="1.0" encoding="utf-8"?>
 <p:sld xmlns:a="http://schemas.openxmlformats.org/drawingml/2006/main" xmlns:r="http://schemas.openxmlformats.org/officeDocument/2006/relationships" xmlns:p="http://schemas.openxmlformats.org/presentationml/2006/main">
   <p:cSld>
     <p:spTree>
@@ -5377,6 +6137,5997 @@
     <p:extLst>
       <p:ext uri="{BB962C8B-B14F-4D97-AF65-F5344CB8AC3E}">
         <p14:creationId xmlns:p14="http://schemas.microsoft.com/office/powerpoint/2010/main" val="3791992518"/>
+      </p:ext>
+    </p:extLst>
+  </p:cSld>
+  <p:clrMapOvr>
+    <a:masterClrMapping/>
+  </p:clrMapOvr>
+</p:sld>
+</file>
+
+<file path=ppt/slides/slide2.xml><?xml version="1.0" encoding="utf-8"?>
+<p:sld xmlns:a="http://schemas.openxmlformats.org/drawingml/2006/main" xmlns:r="http://schemas.openxmlformats.org/officeDocument/2006/relationships" xmlns:p="http://schemas.openxmlformats.org/presentationml/2006/main">
+  <p:cSld>
+    <p:spTree>
+      <p:nvGrpSpPr>
+        <p:cNvPr id="1" name=""/>
+        <p:cNvGrpSpPr/>
+        <p:nvPr/>
+      </p:nvGrpSpPr>
+      <p:grpSpPr>
+        <a:xfrm>
+          <a:off x="0" y="0"/>
+          <a:ext cx="0" cy="0"/>
+          <a:chOff x="0" y="0"/>
+          <a:chExt cx="0" cy="0"/>
+        </a:xfrm>
+      </p:grpSpPr>
+      <p:grpSp>
+        <p:nvGrpSpPr>
+          <p:cNvPr id="15" name="Group 14">
+            <a:extLst>
+              <a:ext uri="{FF2B5EF4-FFF2-40B4-BE49-F238E27FC236}">
+                <a16:creationId xmlns:a16="http://schemas.microsoft.com/office/drawing/2014/main" id="{284EFD20-4740-45C0-B9F7-F3420B9715BF}"/>
+              </a:ext>
+            </a:extLst>
+          </p:cNvPr>
+          <p:cNvGrpSpPr/>
+          <p:nvPr/>
+        </p:nvGrpSpPr>
+        <p:grpSpPr>
+          <a:xfrm>
+            <a:off x="88015" y="167639"/>
+            <a:ext cx="798743" cy="1021443"/>
+            <a:chOff x="14497048" y="11499098"/>
+            <a:chExt cx="798743" cy="1021443"/>
+          </a:xfrm>
+        </p:grpSpPr>
+        <p:sp>
+          <p:nvSpPr>
+            <p:cNvPr id="16" name="Oval 15">
+              <a:extLst>
+                <a:ext uri="{FF2B5EF4-FFF2-40B4-BE49-F238E27FC236}">
+                  <a16:creationId xmlns:a16="http://schemas.microsoft.com/office/drawing/2014/main" id="{F66B1BE4-7785-473E-B42B-CEE93330F36E}"/>
+                </a:ext>
+              </a:extLst>
+            </p:cNvPr>
+            <p:cNvSpPr/>
+            <p:nvPr/>
+          </p:nvSpPr>
+          <p:spPr>
+            <a:xfrm>
+              <a:off x="14554200" y="11542642"/>
+              <a:ext cx="685800" cy="954157"/>
+            </a:xfrm>
+            <a:prstGeom prst="ellipse">
+              <a:avLst/>
+            </a:prstGeom>
+            <a:solidFill>
+              <a:srgbClr val="C0504D">
+                <a:lumMod val="75000"/>
+              </a:srgbClr>
+            </a:solidFill>
+            <a:ln w="25400" cap="flat" cmpd="sng" algn="ctr">
+              <a:solidFill>
+                <a:sysClr val="windowText" lastClr="000000"/>
+              </a:solidFill>
+              <a:prstDash val="solid"/>
+            </a:ln>
+            <a:effectLst/>
+          </p:spPr>
+          <p:txBody>
+            <a:bodyPr rtlCol="0" anchor="ctr"/>
+            <a:lstStyle/>
+            <a:p>
+              <a:pPr marL="0" marR="0" lvl="0" indent="0" algn="ctr" defTabSz="5852160" eaLnBrk="1" fontAlgn="auto" latinLnBrk="0" hangingPunct="1">
+                <a:lnSpc>
+                  <a:spcPct val="100000"/>
+                </a:lnSpc>
+                <a:spcBef>
+                  <a:spcPts val="0"/>
+                </a:spcBef>
+                <a:spcAft>
+                  <a:spcPts val="0"/>
+                </a:spcAft>
+                <a:buClrTx/>
+                <a:buSzTx/>
+                <a:buFontTx/>
+                <a:buNone/>
+                <a:tabLst/>
+                <a:defRPr/>
+              </a:pPr>
+              <a:endParaRPr kumimoji="0" lang="en-US" sz="11520" b="0" i="0" u="none" strike="noStrike" kern="0" cap="none" spc="0" normalizeH="0" baseline="0" noProof="0">
+                <a:ln>
+                  <a:noFill/>
+                </a:ln>
+                <a:solidFill>
+                  <a:prstClr val="white"/>
+                </a:solidFill>
+                <a:effectLst/>
+                <a:uLnTx/>
+                <a:uFillTx/>
+                <a:latin typeface="Calibri"/>
+                <a:ea typeface="+mn-ea"/>
+                <a:cs typeface="+mn-cs"/>
+              </a:endParaRPr>
+            </a:p>
+          </p:txBody>
+        </p:sp>
+        <p:sp>
+          <p:nvSpPr>
+            <p:cNvPr id="17" name="Oval 16">
+              <a:extLst>
+                <a:ext uri="{FF2B5EF4-FFF2-40B4-BE49-F238E27FC236}">
+                  <a16:creationId xmlns:a16="http://schemas.microsoft.com/office/drawing/2014/main" id="{C1891052-0A48-4412-8A09-B9EFBBC2EE65}"/>
+                </a:ext>
+              </a:extLst>
+            </p:cNvPr>
+            <p:cNvSpPr/>
+            <p:nvPr/>
+          </p:nvSpPr>
+          <p:spPr>
+            <a:xfrm>
+              <a:off x="14543312" y="11658600"/>
+              <a:ext cx="196850" cy="196850"/>
+            </a:xfrm>
+            <a:prstGeom prst="ellipse">
+              <a:avLst/>
+            </a:prstGeom>
+            <a:solidFill>
+              <a:srgbClr val="C0504D"/>
+            </a:solidFill>
+            <a:ln w="25400" cap="flat" cmpd="sng" algn="ctr">
+              <a:solidFill>
+                <a:sysClr val="windowText" lastClr="000000">
+                  <a:lumMod val="65000"/>
+                  <a:lumOff val="35000"/>
+                </a:sysClr>
+              </a:solidFill>
+              <a:prstDash val="solid"/>
+            </a:ln>
+            <a:effectLst/>
+          </p:spPr>
+          <p:txBody>
+            <a:bodyPr rtlCol="0" anchor="ctr"/>
+            <a:lstStyle/>
+            <a:p>
+              <a:pPr marL="0" marR="0" lvl="0" indent="0" algn="ctr" defTabSz="5852160" eaLnBrk="1" fontAlgn="auto" latinLnBrk="0" hangingPunct="1">
+                <a:lnSpc>
+                  <a:spcPct val="100000"/>
+                </a:lnSpc>
+                <a:spcBef>
+                  <a:spcPts val="0"/>
+                </a:spcBef>
+                <a:spcAft>
+                  <a:spcPts val="0"/>
+                </a:spcAft>
+                <a:buClrTx/>
+                <a:buSzTx/>
+                <a:buFontTx/>
+                <a:buNone/>
+                <a:tabLst/>
+                <a:defRPr/>
+              </a:pPr>
+              <a:endParaRPr kumimoji="0" lang="en-US" sz="11520" b="0" i="0" u="none" strike="noStrike" kern="0" cap="none" spc="0" normalizeH="0" baseline="0" noProof="0">
+                <a:ln>
+                  <a:noFill/>
+                </a:ln>
+                <a:solidFill>
+                  <a:prstClr val="white"/>
+                </a:solidFill>
+                <a:effectLst/>
+                <a:uLnTx/>
+                <a:uFillTx/>
+                <a:latin typeface="Calibri"/>
+                <a:ea typeface="+mn-ea"/>
+                <a:cs typeface="+mn-cs"/>
+              </a:endParaRPr>
+            </a:p>
+          </p:txBody>
+        </p:sp>
+        <p:sp>
+          <p:nvSpPr>
+            <p:cNvPr id="18" name="Oval 17">
+              <a:extLst>
+                <a:ext uri="{FF2B5EF4-FFF2-40B4-BE49-F238E27FC236}">
+                  <a16:creationId xmlns:a16="http://schemas.microsoft.com/office/drawing/2014/main" id="{1A38C267-30A9-4C93-BAAC-CD466652643C}"/>
+                </a:ext>
+              </a:extLst>
+            </p:cNvPr>
+            <p:cNvSpPr/>
+            <p:nvPr/>
+          </p:nvSpPr>
+          <p:spPr>
+            <a:xfrm>
+              <a:off x="14812283" y="11499098"/>
+              <a:ext cx="196850" cy="196850"/>
+            </a:xfrm>
+            <a:prstGeom prst="ellipse">
+              <a:avLst/>
+            </a:prstGeom>
+            <a:solidFill>
+              <a:srgbClr val="C0504D"/>
+            </a:solidFill>
+            <a:ln w="25400" cap="flat" cmpd="sng" algn="ctr">
+              <a:solidFill>
+                <a:sysClr val="windowText" lastClr="000000">
+                  <a:lumMod val="65000"/>
+                  <a:lumOff val="35000"/>
+                </a:sysClr>
+              </a:solidFill>
+              <a:prstDash val="solid"/>
+            </a:ln>
+            <a:effectLst/>
+          </p:spPr>
+          <p:txBody>
+            <a:bodyPr rtlCol="0" anchor="ctr"/>
+            <a:lstStyle/>
+            <a:p>
+              <a:pPr marL="0" marR="0" lvl="0" indent="0" algn="ctr" defTabSz="5852160" eaLnBrk="1" fontAlgn="auto" latinLnBrk="0" hangingPunct="1">
+                <a:lnSpc>
+                  <a:spcPct val="100000"/>
+                </a:lnSpc>
+                <a:spcBef>
+                  <a:spcPts val="0"/>
+                </a:spcBef>
+                <a:spcAft>
+                  <a:spcPts val="0"/>
+                </a:spcAft>
+                <a:buClrTx/>
+                <a:buSzTx/>
+                <a:buFontTx/>
+                <a:buNone/>
+                <a:tabLst/>
+                <a:defRPr/>
+              </a:pPr>
+              <a:endParaRPr kumimoji="0" lang="en-US" sz="11520" b="0" i="0" u="none" strike="noStrike" kern="0" cap="none" spc="0" normalizeH="0" baseline="0" noProof="0">
+                <a:ln>
+                  <a:noFill/>
+                </a:ln>
+                <a:solidFill>
+                  <a:prstClr val="white"/>
+                </a:solidFill>
+                <a:effectLst/>
+                <a:uLnTx/>
+                <a:uFillTx/>
+                <a:latin typeface="Calibri"/>
+                <a:ea typeface="+mn-ea"/>
+                <a:cs typeface="+mn-cs"/>
+              </a:endParaRPr>
+            </a:p>
+          </p:txBody>
+        </p:sp>
+        <p:sp>
+          <p:nvSpPr>
+            <p:cNvPr id="19" name="Oval 18">
+              <a:extLst>
+                <a:ext uri="{FF2B5EF4-FFF2-40B4-BE49-F238E27FC236}">
+                  <a16:creationId xmlns:a16="http://schemas.microsoft.com/office/drawing/2014/main" id="{07468348-E0BA-4BC2-BEA6-AAAB97444AD4}"/>
+                </a:ext>
+              </a:extLst>
+            </p:cNvPr>
+            <p:cNvSpPr/>
+            <p:nvPr/>
+          </p:nvSpPr>
+          <p:spPr>
+            <a:xfrm>
+              <a:off x="14497048" y="11898164"/>
+              <a:ext cx="196850" cy="196850"/>
+            </a:xfrm>
+            <a:prstGeom prst="ellipse">
+              <a:avLst/>
+            </a:prstGeom>
+            <a:solidFill>
+              <a:srgbClr val="C0504D"/>
+            </a:solidFill>
+            <a:ln w="25400" cap="flat" cmpd="sng" algn="ctr">
+              <a:solidFill>
+                <a:sysClr val="windowText" lastClr="000000">
+                  <a:lumMod val="65000"/>
+                  <a:lumOff val="35000"/>
+                </a:sysClr>
+              </a:solidFill>
+              <a:prstDash val="solid"/>
+            </a:ln>
+            <a:effectLst/>
+          </p:spPr>
+          <p:txBody>
+            <a:bodyPr rtlCol="0" anchor="ctr"/>
+            <a:lstStyle/>
+            <a:p>
+              <a:pPr marL="0" marR="0" lvl="0" indent="0" algn="ctr" defTabSz="5852160" eaLnBrk="1" fontAlgn="auto" latinLnBrk="0" hangingPunct="1">
+                <a:lnSpc>
+                  <a:spcPct val="100000"/>
+                </a:lnSpc>
+                <a:spcBef>
+                  <a:spcPts val="0"/>
+                </a:spcBef>
+                <a:spcAft>
+                  <a:spcPts val="0"/>
+                </a:spcAft>
+                <a:buClrTx/>
+                <a:buSzTx/>
+                <a:buFontTx/>
+                <a:buNone/>
+                <a:tabLst/>
+                <a:defRPr/>
+              </a:pPr>
+              <a:endParaRPr kumimoji="0" lang="en-US" sz="11520" b="0" i="0" u="none" strike="noStrike" kern="0" cap="none" spc="0" normalizeH="0" baseline="0" noProof="0">
+                <a:ln>
+                  <a:noFill/>
+                </a:ln>
+                <a:solidFill>
+                  <a:prstClr val="white"/>
+                </a:solidFill>
+                <a:effectLst/>
+                <a:uLnTx/>
+                <a:uFillTx/>
+                <a:latin typeface="Calibri"/>
+                <a:ea typeface="+mn-ea"/>
+                <a:cs typeface="+mn-cs"/>
+              </a:endParaRPr>
+            </a:p>
+          </p:txBody>
+        </p:sp>
+        <p:sp>
+          <p:nvSpPr>
+            <p:cNvPr id="20" name="Oval 19">
+              <a:extLst>
+                <a:ext uri="{FF2B5EF4-FFF2-40B4-BE49-F238E27FC236}">
+                  <a16:creationId xmlns:a16="http://schemas.microsoft.com/office/drawing/2014/main" id="{518F4888-DCC4-4DC2-BC51-6B23045BEE24}"/>
+                </a:ext>
+              </a:extLst>
+            </p:cNvPr>
+            <p:cNvSpPr/>
+            <p:nvPr/>
+          </p:nvSpPr>
+          <p:spPr>
+            <a:xfrm>
+              <a:off x="15030451" y="11643334"/>
+              <a:ext cx="196850" cy="196850"/>
+            </a:xfrm>
+            <a:prstGeom prst="ellipse">
+              <a:avLst/>
+            </a:prstGeom>
+            <a:solidFill>
+              <a:srgbClr val="C0504D"/>
+            </a:solidFill>
+            <a:ln w="25400" cap="flat" cmpd="sng" algn="ctr">
+              <a:solidFill>
+                <a:sysClr val="windowText" lastClr="000000">
+                  <a:lumMod val="65000"/>
+                  <a:lumOff val="35000"/>
+                </a:sysClr>
+              </a:solidFill>
+              <a:prstDash val="solid"/>
+            </a:ln>
+            <a:effectLst/>
+          </p:spPr>
+          <p:txBody>
+            <a:bodyPr rtlCol="0" anchor="ctr"/>
+            <a:lstStyle/>
+            <a:p>
+              <a:pPr marL="0" marR="0" lvl="0" indent="0" algn="ctr" defTabSz="5852160" eaLnBrk="1" fontAlgn="auto" latinLnBrk="0" hangingPunct="1">
+                <a:lnSpc>
+                  <a:spcPct val="100000"/>
+                </a:lnSpc>
+                <a:spcBef>
+                  <a:spcPts val="0"/>
+                </a:spcBef>
+                <a:spcAft>
+                  <a:spcPts val="0"/>
+                </a:spcAft>
+                <a:buClrTx/>
+                <a:buSzTx/>
+                <a:buFontTx/>
+                <a:buNone/>
+                <a:tabLst/>
+                <a:defRPr/>
+              </a:pPr>
+              <a:endParaRPr kumimoji="0" lang="en-US" sz="11520" b="0" i="0" u="none" strike="noStrike" kern="0" cap="none" spc="0" normalizeH="0" baseline="0" noProof="0">
+                <a:ln>
+                  <a:noFill/>
+                </a:ln>
+                <a:solidFill>
+                  <a:prstClr val="white"/>
+                </a:solidFill>
+                <a:effectLst/>
+                <a:uLnTx/>
+                <a:uFillTx/>
+                <a:latin typeface="Calibri"/>
+                <a:ea typeface="+mn-ea"/>
+                <a:cs typeface="+mn-cs"/>
+              </a:endParaRPr>
+            </a:p>
+          </p:txBody>
+        </p:sp>
+        <p:sp>
+          <p:nvSpPr>
+            <p:cNvPr id="21" name="Oval 20">
+              <a:extLst>
+                <a:ext uri="{FF2B5EF4-FFF2-40B4-BE49-F238E27FC236}">
+                  <a16:creationId xmlns:a16="http://schemas.microsoft.com/office/drawing/2014/main" id="{12565DBE-CCC9-42BA-A513-D8AFB4813B1D}"/>
+                </a:ext>
+              </a:extLst>
+            </p:cNvPr>
+            <p:cNvSpPr/>
+            <p:nvPr/>
+          </p:nvSpPr>
+          <p:spPr>
+            <a:xfrm>
+              <a:off x="14592300" y="12069003"/>
+              <a:ext cx="196850" cy="196850"/>
+            </a:xfrm>
+            <a:prstGeom prst="ellipse">
+              <a:avLst/>
+            </a:prstGeom>
+            <a:solidFill>
+              <a:srgbClr val="C0504D"/>
+            </a:solidFill>
+            <a:ln w="25400" cap="flat" cmpd="sng" algn="ctr">
+              <a:solidFill>
+                <a:sysClr val="windowText" lastClr="000000">
+                  <a:lumMod val="65000"/>
+                  <a:lumOff val="35000"/>
+                </a:sysClr>
+              </a:solidFill>
+              <a:prstDash val="solid"/>
+            </a:ln>
+            <a:effectLst/>
+          </p:spPr>
+          <p:txBody>
+            <a:bodyPr rtlCol="0" anchor="ctr"/>
+            <a:lstStyle/>
+            <a:p>
+              <a:pPr marL="0" marR="0" lvl="0" indent="0" algn="ctr" defTabSz="5852160" eaLnBrk="1" fontAlgn="auto" latinLnBrk="0" hangingPunct="1">
+                <a:lnSpc>
+                  <a:spcPct val="100000"/>
+                </a:lnSpc>
+                <a:spcBef>
+                  <a:spcPts val="0"/>
+                </a:spcBef>
+                <a:spcAft>
+                  <a:spcPts val="0"/>
+                </a:spcAft>
+                <a:buClrTx/>
+                <a:buSzTx/>
+                <a:buFontTx/>
+                <a:buNone/>
+                <a:tabLst/>
+                <a:defRPr/>
+              </a:pPr>
+              <a:endParaRPr kumimoji="0" lang="en-US" sz="11520" b="0" i="0" u="none" strike="noStrike" kern="0" cap="none" spc="0" normalizeH="0" baseline="0" noProof="0">
+                <a:ln>
+                  <a:noFill/>
+                </a:ln>
+                <a:solidFill>
+                  <a:prstClr val="white"/>
+                </a:solidFill>
+                <a:effectLst/>
+                <a:uLnTx/>
+                <a:uFillTx/>
+                <a:latin typeface="Calibri"/>
+                <a:ea typeface="+mn-ea"/>
+                <a:cs typeface="+mn-cs"/>
+              </a:endParaRPr>
+            </a:p>
+          </p:txBody>
+        </p:sp>
+        <p:sp>
+          <p:nvSpPr>
+            <p:cNvPr id="22" name="Oval 21">
+              <a:extLst>
+                <a:ext uri="{FF2B5EF4-FFF2-40B4-BE49-F238E27FC236}">
+                  <a16:creationId xmlns:a16="http://schemas.microsoft.com/office/drawing/2014/main" id="{1C09726F-A811-484B-A409-B708DCC40349}"/>
+                </a:ext>
+              </a:extLst>
+            </p:cNvPr>
+            <p:cNvSpPr/>
+            <p:nvPr/>
+          </p:nvSpPr>
+          <p:spPr>
+            <a:xfrm>
+              <a:off x="14694355" y="12323691"/>
+              <a:ext cx="196850" cy="196850"/>
+            </a:xfrm>
+            <a:prstGeom prst="ellipse">
+              <a:avLst/>
+            </a:prstGeom>
+            <a:solidFill>
+              <a:srgbClr val="C0504D"/>
+            </a:solidFill>
+            <a:ln w="25400" cap="flat" cmpd="sng" algn="ctr">
+              <a:solidFill>
+                <a:sysClr val="windowText" lastClr="000000">
+                  <a:lumMod val="65000"/>
+                  <a:lumOff val="35000"/>
+                </a:sysClr>
+              </a:solidFill>
+              <a:prstDash val="solid"/>
+            </a:ln>
+            <a:effectLst/>
+          </p:spPr>
+          <p:txBody>
+            <a:bodyPr rtlCol="0" anchor="ctr"/>
+            <a:lstStyle/>
+            <a:p>
+              <a:pPr marL="0" marR="0" lvl="0" indent="0" algn="ctr" defTabSz="5852160" eaLnBrk="1" fontAlgn="auto" latinLnBrk="0" hangingPunct="1">
+                <a:lnSpc>
+                  <a:spcPct val="100000"/>
+                </a:lnSpc>
+                <a:spcBef>
+                  <a:spcPts val="0"/>
+                </a:spcBef>
+                <a:spcAft>
+                  <a:spcPts val="0"/>
+                </a:spcAft>
+                <a:buClrTx/>
+                <a:buSzTx/>
+                <a:buFontTx/>
+                <a:buNone/>
+                <a:tabLst/>
+                <a:defRPr/>
+              </a:pPr>
+              <a:endParaRPr kumimoji="0" lang="en-US" sz="11520" b="0" i="0" u="none" strike="noStrike" kern="0" cap="none" spc="0" normalizeH="0" baseline="0" noProof="0">
+                <a:ln>
+                  <a:noFill/>
+                </a:ln>
+                <a:solidFill>
+                  <a:prstClr val="white"/>
+                </a:solidFill>
+                <a:effectLst/>
+                <a:uLnTx/>
+                <a:uFillTx/>
+                <a:latin typeface="Calibri"/>
+                <a:ea typeface="+mn-ea"/>
+                <a:cs typeface="+mn-cs"/>
+              </a:endParaRPr>
+            </a:p>
+          </p:txBody>
+        </p:sp>
+        <p:sp>
+          <p:nvSpPr>
+            <p:cNvPr id="23" name="Oval 22">
+              <a:extLst>
+                <a:ext uri="{FF2B5EF4-FFF2-40B4-BE49-F238E27FC236}">
+                  <a16:creationId xmlns:a16="http://schemas.microsoft.com/office/drawing/2014/main" id="{082B8E6C-FE75-4EAC-A155-49AD19F244D2}"/>
+                </a:ext>
+              </a:extLst>
+            </p:cNvPr>
+            <p:cNvSpPr/>
+            <p:nvPr/>
+          </p:nvSpPr>
+          <p:spPr>
+            <a:xfrm>
+              <a:off x="14971033" y="12312805"/>
+              <a:ext cx="196850" cy="196850"/>
+            </a:xfrm>
+            <a:prstGeom prst="ellipse">
+              <a:avLst/>
+            </a:prstGeom>
+            <a:solidFill>
+              <a:srgbClr val="C0504D"/>
+            </a:solidFill>
+            <a:ln w="25400" cap="flat" cmpd="sng" algn="ctr">
+              <a:solidFill>
+                <a:sysClr val="windowText" lastClr="000000">
+                  <a:lumMod val="65000"/>
+                  <a:lumOff val="35000"/>
+                </a:sysClr>
+              </a:solidFill>
+              <a:prstDash val="solid"/>
+            </a:ln>
+            <a:effectLst/>
+          </p:spPr>
+          <p:txBody>
+            <a:bodyPr rtlCol="0" anchor="ctr"/>
+            <a:lstStyle/>
+            <a:p>
+              <a:pPr marL="0" marR="0" lvl="0" indent="0" algn="ctr" defTabSz="5852160" eaLnBrk="1" fontAlgn="auto" latinLnBrk="0" hangingPunct="1">
+                <a:lnSpc>
+                  <a:spcPct val="100000"/>
+                </a:lnSpc>
+                <a:spcBef>
+                  <a:spcPts val="0"/>
+                </a:spcBef>
+                <a:spcAft>
+                  <a:spcPts val="0"/>
+                </a:spcAft>
+                <a:buClrTx/>
+                <a:buSzTx/>
+                <a:buFontTx/>
+                <a:buNone/>
+                <a:tabLst/>
+                <a:defRPr/>
+              </a:pPr>
+              <a:endParaRPr kumimoji="0" lang="en-US" sz="11520" b="0" i="0" u="none" strike="noStrike" kern="0" cap="none" spc="0" normalizeH="0" baseline="0" noProof="0">
+                <a:ln>
+                  <a:noFill/>
+                </a:ln>
+                <a:solidFill>
+                  <a:prstClr val="white"/>
+                </a:solidFill>
+                <a:effectLst/>
+                <a:uLnTx/>
+                <a:uFillTx/>
+                <a:latin typeface="Calibri"/>
+                <a:ea typeface="+mn-ea"/>
+                <a:cs typeface="+mn-cs"/>
+              </a:endParaRPr>
+            </a:p>
+          </p:txBody>
+        </p:sp>
+        <p:sp>
+          <p:nvSpPr>
+            <p:cNvPr id="24" name="Oval 23">
+              <a:extLst>
+                <a:ext uri="{FF2B5EF4-FFF2-40B4-BE49-F238E27FC236}">
+                  <a16:creationId xmlns:a16="http://schemas.microsoft.com/office/drawing/2014/main" id="{FCCD9458-E290-4DD8-ABE6-DAD15BD2004A}"/>
+                </a:ext>
+              </a:extLst>
+            </p:cNvPr>
+            <p:cNvSpPr/>
+            <p:nvPr/>
+          </p:nvSpPr>
+          <p:spPr>
+            <a:xfrm>
+              <a:off x="15080344" y="12115800"/>
+              <a:ext cx="196850" cy="196850"/>
+            </a:xfrm>
+            <a:prstGeom prst="ellipse">
+              <a:avLst/>
+            </a:prstGeom>
+            <a:solidFill>
+              <a:srgbClr val="C0504D"/>
+            </a:solidFill>
+            <a:ln w="25400" cap="flat" cmpd="sng" algn="ctr">
+              <a:solidFill>
+                <a:sysClr val="windowText" lastClr="000000">
+                  <a:lumMod val="65000"/>
+                  <a:lumOff val="35000"/>
+                </a:sysClr>
+              </a:solidFill>
+              <a:prstDash val="solid"/>
+            </a:ln>
+            <a:effectLst/>
+          </p:spPr>
+          <p:txBody>
+            <a:bodyPr rtlCol="0" anchor="ctr"/>
+            <a:lstStyle/>
+            <a:p>
+              <a:pPr marL="0" marR="0" lvl="0" indent="0" algn="ctr" defTabSz="5852160" eaLnBrk="1" fontAlgn="auto" latinLnBrk="0" hangingPunct="1">
+                <a:lnSpc>
+                  <a:spcPct val="100000"/>
+                </a:lnSpc>
+                <a:spcBef>
+                  <a:spcPts val="0"/>
+                </a:spcBef>
+                <a:spcAft>
+                  <a:spcPts val="0"/>
+                </a:spcAft>
+                <a:buClrTx/>
+                <a:buSzTx/>
+                <a:buFontTx/>
+                <a:buNone/>
+                <a:tabLst/>
+                <a:defRPr/>
+              </a:pPr>
+              <a:endParaRPr kumimoji="0" lang="en-US" sz="11520" b="0" i="0" u="none" strike="noStrike" kern="0" cap="none" spc="0" normalizeH="0" baseline="0" noProof="0">
+                <a:ln>
+                  <a:noFill/>
+                </a:ln>
+                <a:solidFill>
+                  <a:prstClr val="white"/>
+                </a:solidFill>
+                <a:effectLst/>
+                <a:uLnTx/>
+                <a:uFillTx/>
+                <a:latin typeface="Calibri"/>
+                <a:ea typeface="+mn-ea"/>
+                <a:cs typeface="+mn-cs"/>
+              </a:endParaRPr>
+            </a:p>
+          </p:txBody>
+        </p:sp>
+        <p:sp>
+          <p:nvSpPr>
+            <p:cNvPr id="25" name="Oval 24">
+              <a:extLst>
+                <a:ext uri="{FF2B5EF4-FFF2-40B4-BE49-F238E27FC236}">
+                  <a16:creationId xmlns:a16="http://schemas.microsoft.com/office/drawing/2014/main" id="{39BB9297-22B5-4F91-B552-29B7A5BC20F9}"/>
+                </a:ext>
+              </a:extLst>
+            </p:cNvPr>
+            <p:cNvSpPr/>
+            <p:nvPr/>
+          </p:nvSpPr>
+          <p:spPr>
+            <a:xfrm>
+              <a:off x="15098941" y="11861955"/>
+              <a:ext cx="196850" cy="196850"/>
+            </a:xfrm>
+            <a:prstGeom prst="ellipse">
+              <a:avLst/>
+            </a:prstGeom>
+            <a:solidFill>
+              <a:srgbClr val="C0504D"/>
+            </a:solidFill>
+            <a:ln w="25400" cap="flat" cmpd="sng" algn="ctr">
+              <a:solidFill>
+                <a:sysClr val="windowText" lastClr="000000">
+                  <a:lumMod val="65000"/>
+                  <a:lumOff val="35000"/>
+                </a:sysClr>
+              </a:solidFill>
+              <a:prstDash val="solid"/>
+            </a:ln>
+            <a:effectLst/>
+          </p:spPr>
+          <p:txBody>
+            <a:bodyPr rtlCol="0" anchor="ctr"/>
+            <a:lstStyle/>
+            <a:p>
+              <a:pPr marL="0" marR="0" lvl="0" indent="0" algn="ctr" defTabSz="5852160" eaLnBrk="1" fontAlgn="auto" latinLnBrk="0" hangingPunct="1">
+                <a:lnSpc>
+                  <a:spcPct val="100000"/>
+                </a:lnSpc>
+                <a:spcBef>
+                  <a:spcPts val="0"/>
+                </a:spcBef>
+                <a:spcAft>
+                  <a:spcPts val="0"/>
+                </a:spcAft>
+                <a:buClrTx/>
+                <a:buSzTx/>
+                <a:buFontTx/>
+                <a:buNone/>
+                <a:tabLst/>
+                <a:defRPr/>
+              </a:pPr>
+              <a:endParaRPr kumimoji="0" lang="en-US" sz="11520" b="0" i="0" u="none" strike="noStrike" kern="0" cap="none" spc="0" normalizeH="0" baseline="0" noProof="0">
+                <a:ln>
+                  <a:noFill/>
+                </a:ln>
+                <a:solidFill>
+                  <a:prstClr val="white"/>
+                </a:solidFill>
+                <a:effectLst/>
+                <a:uLnTx/>
+                <a:uFillTx/>
+                <a:latin typeface="Calibri"/>
+                <a:ea typeface="+mn-ea"/>
+                <a:cs typeface="+mn-cs"/>
+              </a:endParaRPr>
+            </a:p>
+          </p:txBody>
+        </p:sp>
+        <p:sp>
+          <p:nvSpPr>
+            <p:cNvPr id="26" name="Oval 25">
+              <a:extLst>
+                <a:ext uri="{FF2B5EF4-FFF2-40B4-BE49-F238E27FC236}">
+                  <a16:creationId xmlns:a16="http://schemas.microsoft.com/office/drawing/2014/main" id="{62D5960B-9EA6-4E90-ACB1-CF833AF01D2B}"/>
+                </a:ext>
+              </a:extLst>
+            </p:cNvPr>
+            <p:cNvSpPr/>
+            <p:nvPr/>
+          </p:nvSpPr>
+          <p:spPr>
+            <a:xfrm>
+              <a:off x="14805025" y="11772978"/>
+              <a:ext cx="196850" cy="196850"/>
+            </a:xfrm>
+            <a:prstGeom prst="ellipse">
+              <a:avLst/>
+            </a:prstGeom>
+            <a:solidFill>
+              <a:srgbClr val="C0504D"/>
+            </a:solidFill>
+            <a:ln w="25400" cap="flat" cmpd="sng" algn="ctr">
+              <a:solidFill>
+                <a:sysClr val="windowText" lastClr="000000">
+                  <a:lumMod val="65000"/>
+                  <a:lumOff val="35000"/>
+                </a:sysClr>
+              </a:solidFill>
+              <a:prstDash val="solid"/>
+            </a:ln>
+            <a:effectLst/>
+          </p:spPr>
+          <p:txBody>
+            <a:bodyPr rtlCol="0" anchor="ctr"/>
+            <a:lstStyle/>
+            <a:p>
+              <a:pPr marL="0" marR="0" lvl="0" indent="0" algn="ctr" defTabSz="5852160" eaLnBrk="1" fontAlgn="auto" latinLnBrk="0" hangingPunct="1">
+                <a:lnSpc>
+                  <a:spcPct val="100000"/>
+                </a:lnSpc>
+                <a:spcBef>
+                  <a:spcPts val="0"/>
+                </a:spcBef>
+                <a:spcAft>
+                  <a:spcPts val="0"/>
+                </a:spcAft>
+                <a:buClrTx/>
+                <a:buSzTx/>
+                <a:buFontTx/>
+                <a:buNone/>
+                <a:tabLst/>
+                <a:defRPr/>
+              </a:pPr>
+              <a:endParaRPr kumimoji="0" lang="en-US" sz="11520" b="0" i="0" u="none" strike="noStrike" kern="0" cap="none" spc="0" normalizeH="0" baseline="0" noProof="0">
+                <a:ln>
+                  <a:noFill/>
+                </a:ln>
+                <a:solidFill>
+                  <a:prstClr val="white"/>
+                </a:solidFill>
+                <a:effectLst/>
+                <a:uLnTx/>
+                <a:uFillTx/>
+                <a:latin typeface="Calibri"/>
+                <a:ea typeface="+mn-ea"/>
+                <a:cs typeface="+mn-cs"/>
+              </a:endParaRPr>
+            </a:p>
+          </p:txBody>
+        </p:sp>
+        <p:sp>
+          <p:nvSpPr>
+            <p:cNvPr id="27" name="Oval 26">
+              <a:extLst>
+                <a:ext uri="{FF2B5EF4-FFF2-40B4-BE49-F238E27FC236}">
+                  <a16:creationId xmlns:a16="http://schemas.microsoft.com/office/drawing/2014/main" id="{2F0CC016-3EDF-4C35-A910-D7627DC385EE}"/>
+                </a:ext>
+              </a:extLst>
+            </p:cNvPr>
+            <p:cNvSpPr/>
+            <p:nvPr/>
+          </p:nvSpPr>
+          <p:spPr>
+            <a:xfrm>
+              <a:off x="14832694" y="12050640"/>
+              <a:ext cx="196850" cy="196850"/>
+            </a:xfrm>
+            <a:prstGeom prst="ellipse">
+              <a:avLst/>
+            </a:prstGeom>
+            <a:solidFill>
+              <a:srgbClr val="C0504D"/>
+            </a:solidFill>
+            <a:ln w="25400" cap="flat" cmpd="sng" algn="ctr">
+              <a:solidFill>
+                <a:sysClr val="windowText" lastClr="000000">
+                  <a:lumMod val="65000"/>
+                  <a:lumOff val="35000"/>
+                </a:sysClr>
+              </a:solidFill>
+              <a:prstDash val="solid"/>
+            </a:ln>
+            <a:effectLst/>
+          </p:spPr>
+          <p:txBody>
+            <a:bodyPr rtlCol="0" anchor="ctr"/>
+            <a:lstStyle/>
+            <a:p>
+              <a:pPr marL="0" marR="0" lvl="0" indent="0" algn="ctr" defTabSz="5852160" eaLnBrk="1" fontAlgn="auto" latinLnBrk="0" hangingPunct="1">
+                <a:lnSpc>
+                  <a:spcPct val="100000"/>
+                </a:lnSpc>
+                <a:spcBef>
+                  <a:spcPts val="0"/>
+                </a:spcBef>
+                <a:spcAft>
+                  <a:spcPts val="0"/>
+                </a:spcAft>
+                <a:buClrTx/>
+                <a:buSzTx/>
+                <a:buFontTx/>
+                <a:buNone/>
+                <a:tabLst/>
+                <a:defRPr/>
+              </a:pPr>
+              <a:endParaRPr kumimoji="0" lang="en-US" sz="11520" b="0" i="0" u="none" strike="noStrike" kern="0" cap="none" spc="0" normalizeH="0" baseline="0" noProof="0">
+                <a:ln>
+                  <a:noFill/>
+                </a:ln>
+                <a:solidFill>
+                  <a:prstClr val="white"/>
+                </a:solidFill>
+                <a:effectLst/>
+                <a:uLnTx/>
+                <a:uFillTx/>
+                <a:latin typeface="Calibri"/>
+                <a:ea typeface="+mn-ea"/>
+                <a:cs typeface="+mn-cs"/>
+              </a:endParaRPr>
+            </a:p>
+          </p:txBody>
+        </p:sp>
+      </p:grpSp>
+    </p:spTree>
+    <p:extLst>
+      <p:ext uri="{BB962C8B-B14F-4D97-AF65-F5344CB8AC3E}">
+        <p14:creationId xmlns:p14="http://schemas.microsoft.com/office/powerpoint/2010/main" val="2189943997"/>
+      </p:ext>
+    </p:extLst>
+  </p:cSld>
+  <p:clrMapOvr>
+    <a:masterClrMapping/>
+  </p:clrMapOvr>
+</p:sld>
+</file>
+
+<file path=ppt/slides/slide3.xml><?xml version="1.0" encoding="utf-8"?>
+<p:sld xmlns:a="http://schemas.openxmlformats.org/drawingml/2006/main" xmlns:r="http://schemas.openxmlformats.org/officeDocument/2006/relationships" xmlns:p="http://schemas.openxmlformats.org/presentationml/2006/main">
+  <p:cSld>
+    <p:spTree>
+      <p:nvGrpSpPr>
+        <p:cNvPr id="1" name=""/>
+        <p:cNvGrpSpPr/>
+        <p:nvPr/>
+      </p:nvGrpSpPr>
+      <p:grpSpPr>
+        <a:xfrm>
+          <a:off x="0" y="0"/>
+          <a:ext cx="0" cy="0"/>
+          <a:chOff x="0" y="0"/>
+          <a:chExt cx="0" cy="0"/>
+        </a:xfrm>
+      </p:grpSpPr>
+      <p:grpSp>
+        <p:nvGrpSpPr>
+          <p:cNvPr id="2" name="Group 1">
+            <a:extLst>
+              <a:ext uri="{FF2B5EF4-FFF2-40B4-BE49-F238E27FC236}">
+                <a16:creationId xmlns:a16="http://schemas.microsoft.com/office/drawing/2014/main" id="{144D82BB-E343-411D-A02F-52638DC36F7E}"/>
+              </a:ext>
+            </a:extLst>
+          </p:cNvPr>
+          <p:cNvGrpSpPr/>
+          <p:nvPr/>
+        </p:nvGrpSpPr>
+        <p:grpSpPr>
+          <a:xfrm>
+            <a:off x="116967" y="150608"/>
+            <a:ext cx="798743" cy="1021443"/>
+            <a:chOff x="17204415" y="12280147"/>
+            <a:chExt cx="798743" cy="1021443"/>
+          </a:xfrm>
+        </p:grpSpPr>
+        <p:sp>
+          <p:nvSpPr>
+            <p:cNvPr id="3" name="Oval 2">
+              <a:extLst>
+                <a:ext uri="{FF2B5EF4-FFF2-40B4-BE49-F238E27FC236}">
+                  <a16:creationId xmlns:a16="http://schemas.microsoft.com/office/drawing/2014/main" id="{29B85384-748C-4BF7-80E4-943278D7FD63}"/>
+                </a:ext>
+              </a:extLst>
+            </p:cNvPr>
+            <p:cNvSpPr/>
+            <p:nvPr/>
+          </p:nvSpPr>
+          <p:spPr>
+            <a:xfrm>
+              <a:off x="17261567" y="12323691"/>
+              <a:ext cx="685800" cy="954157"/>
+            </a:xfrm>
+            <a:prstGeom prst="ellipse">
+              <a:avLst/>
+            </a:prstGeom>
+            <a:solidFill>
+              <a:srgbClr val="9BBB59">
+                <a:lumMod val="75000"/>
+              </a:srgbClr>
+            </a:solidFill>
+            <a:ln w="25400" cap="flat" cmpd="sng" algn="ctr">
+              <a:solidFill>
+                <a:sysClr val="windowText" lastClr="000000"/>
+              </a:solidFill>
+              <a:prstDash val="solid"/>
+            </a:ln>
+            <a:effectLst/>
+          </p:spPr>
+          <p:txBody>
+            <a:bodyPr rtlCol="0" anchor="ctr"/>
+            <a:lstStyle/>
+            <a:p>
+              <a:pPr marL="0" marR="0" lvl="0" indent="0" algn="ctr" defTabSz="5852160" eaLnBrk="1" fontAlgn="auto" latinLnBrk="0" hangingPunct="1">
+                <a:lnSpc>
+                  <a:spcPct val="100000"/>
+                </a:lnSpc>
+                <a:spcBef>
+                  <a:spcPts val="0"/>
+                </a:spcBef>
+                <a:spcAft>
+                  <a:spcPts val="0"/>
+                </a:spcAft>
+                <a:buClrTx/>
+                <a:buSzTx/>
+                <a:buFontTx/>
+                <a:buNone/>
+                <a:tabLst/>
+                <a:defRPr/>
+              </a:pPr>
+              <a:endParaRPr kumimoji="0" lang="en-US" sz="11520" b="0" i="0" u="none" strike="noStrike" kern="0" cap="none" spc="0" normalizeH="0" baseline="0" noProof="0">
+                <a:ln>
+                  <a:noFill/>
+                </a:ln>
+                <a:solidFill>
+                  <a:prstClr val="white"/>
+                </a:solidFill>
+                <a:effectLst/>
+                <a:uLnTx/>
+                <a:uFillTx/>
+                <a:latin typeface="Calibri"/>
+                <a:ea typeface="+mn-ea"/>
+                <a:cs typeface="+mn-cs"/>
+              </a:endParaRPr>
+            </a:p>
+          </p:txBody>
+        </p:sp>
+        <p:sp>
+          <p:nvSpPr>
+            <p:cNvPr id="4" name="Oval 3">
+              <a:extLst>
+                <a:ext uri="{FF2B5EF4-FFF2-40B4-BE49-F238E27FC236}">
+                  <a16:creationId xmlns:a16="http://schemas.microsoft.com/office/drawing/2014/main" id="{1C200373-9B6A-47A4-A689-7AA2F4501589}"/>
+                </a:ext>
+              </a:extLst>
+            </p:cNvPr>
+            <p:cNvSpPr/>
+            <p:nvPr/>
+          </p:nvSpPr>
+          <p:spPr>
+            <a:xfrm>
+              <a:off x="17250679" y="12439649"/>
+              <a:ext cx="196850" cy="196850"/>
+            </a:xfrm>
+            <a:prstGeom prst="ellipse">
+              <a:avLst/>
+            </a:prstGeom>
+            <a:solidFill>
+              <a:srgbClr val="9BBB59">
+                <a:lumMod val="60000"/>
+                <a:lumOff val="40000"/>
+              </a:srgbClr>
+            </a:solidFill>
+            <a:ln w="25400" cap="flat" cmpd="sng" algn="ctr">
+              <a:solidFill>
+                <a:sysClr val="windowText" lastClr="000000">
+                  <a:lumMod val="65000"/>
+                  <a:lumOff val="35000"/>
+                </a:sysClr>
+              </a:solidFill>
+              <a:prstDash val="solid"/>
+            </a:ln>
+            <a:effectLst/>
+          </p:spPr>
+          <p:txBody>
+            <a:bodyPr rtlCol="0" anchor="ctr"/>
+            <a:lstStyle/>
+            <a:p>
+              <a:pPr marL="0" marR="0" lvl="0" indent="0" algn="ctr" defTabSz="5852160" eaLnBrk="1" fontAlgn="auto" latinLnBrk="0" hangingPunct="1">
+                <a:lnSpc>
+                  <a:spcPct val="100000"/>
+                </a:lnSpc>
+                <a:spcBef>
+                  <a:spcPts val="0"/>
+                </a:spcBef>
+                <a:spcAft>
+                  <a:spcPts val="0"/>
+                </a:spcAft>
+                <a:buClrTx/>
+                <a:buSzTx/>
+                <a:buFontTx/>
+                <a:buNone/>
+                <a:tabLst/>
+                <a:defRPr/>
+              </a:pPr>
+              <a:endParaRPr kumimoji="0" lang="en-US" sz="11520" b="0" i="0" u="none" strike="noStrike" kern="0" cap="none" spc="0" normalizeH="0" baseline="0" noProof="0">
+                <a:ln>
+                  <a:noFill/>
+                </a:ln>
+                <a:solidFill>
+                  <a:prstClr val="white"/>
+                </a:solidFill>
+                <a:effectLst/>
+                <a:uLnTx/>
+                <a:uFillTx/>
+                <a:latin typeface="Calibri"/>
+                <a:ea typeface="+mn-ea"/>
+                <a:cs typeface="+mn-cs"/>
+              </a:endParaRPr>
+            </a:p>
+          </p:txBody>
+        </p:sp>
+        <p:sp>
+          <p:nvSpPr>
+            <p:cNvPr id="5" name="Oval 4">
+              <a:extLst>
+                <a:ext uri="{FF2B5EF4-FFF2-40B4-BE49-F238E27FC236}">
+                  <a16:creationId xmlns:a16="http://schemas.microsoft.com/office/drawing/2014/main" id="{4BA5CC96-A371-4A26-A123-A091320E93BC}"/>
+                </a:ext>
+              </a:extLst>
+            </p:cNvPr>
+            <p:cNvSpPr/>
+            <p:nvPr/>
+          </p:nvSpPr>
+          <p:spPr>
+            <a:xfrm>
+              <a:off x="17519650" y="12280147"/>
+              <a:ext cx="196850" cy="196850"/>
+            </a:xfrm>
+            <a:prstGeom prst="ellipse">
+              <a:avLst/>
+            </a:prstGeom>
+            <a:solidFill>
+              <a:srgbClr val="9BBB59">
+                <a:lumMod val="60000"/>
+                <a:lumOff val="40000"/>
+              </a:srgbClr>
+            </a:solidFill>
+            <a:ln w="25400" cap="flat" cmpd="sng" algn="ctr">
+              <a:solidFill>
+                <a:sysClr val="windowText" lastClr="000000">
+                  <a:lumMod val="65000"/>
+                  <a:lumOff val="35000"/>
+                </a:sysClr>
+              </a:solidFill>
+              <a:prstDash val="solid"/>
+            </a:ln>
+            <a:effectLst/>
+          </p:spPr>
+          <p:txBody>
+            <a:bodyPr rtlCol="0" anchor="ctr"/>
+            <a:lstStyle/>
+            <a:p>
+              <a:pPr marL="0" marR="0" lvl="0" indent="0" algn="ctr" defTabSz="5852160" eaLnBrk="1" fontAlgn="auto" latinLnBrk="0" hangingPunct="1">
+                <a:lnSpc>
+                  <a:spcPct val="100000"/>
+                </a:lnSpc>
+                <a:spcBef>
+                  <a:spcPts val="0"/>
+                </a:spcBef>
+                <a:spcAft>
+                  <a:spcPts val="0"/>
+                </a:spcAft>
+                <a:buClrTx/>
+                <a:buSzTx/>
+                <a:buFontTx/>
+                <a:buNone/>
+                <a:tabLst/>
+                <a:defRPr/>
+              </a:pPr>
+              <a:endParaRPr kumimoji="0" lang="en-US" sz="11520" b="0" i="0" u="none" strike="noStrike" kern="0" cap="none" spc="0" normalizeH="0" baseline="0" noProof="0">
+                <a:ln>
+                  <a:noFill/>
+                </a:ln>
+                <a:solidFill>
+                  <a:prstClr val="white"/>
+                </a:solidFill>
+                <a:effectLst/>
+                <a:uLnTx/>
+                <a:uFillTx/>
+                <a:latin typeface="Calibri"/>
+                <a:ea typeface="+mn-ea"/>
+                <a:cs typeface="+mn-cs"/>
+              </a:endParaRPr>
+            </a:p>
+          </p:txBody>
+        </p:sp>
+        <p:sp>
+          <p:nvSpPr>
+            <p:cNvPr id="6" name="Oval 5">
+              <a:extLst>
+                <a:ext uri="{FF2B5EF4-FFF2-40B4-BE49-F238E27FC236}">
+                  <a16:creationId xmlns:a16="http://schemas.microsoft.com/office/drawing/2014/main" id="{3E962AAD-EB4D-4F88-AC27-87A681935F6C}"/>
+                </a:ext>
+              </a:extLst>
+            </p:cNvPr>
+            <p:cNvSpPr/>
+            <p:nvPr/>
+          </p:nvSpPr>
+          <p:spPr>
+            <a:xfrm>
+              <a:off x="17204415" y="12679213"/>
+              <a:ext cx="196850" cy="196850"/>
+            </a:xfrm>
+            <a:prstGeom prst="ellipse">
+              <a:avLst/>
+            </a:prstGeom>
+            <a:solidFill>
+              <a:srgbClr val="9BBB59">
+                <a:lumMod val="60000"/>
+                <a:lumOff val="40000"/>
+              </a:srgbClr>
+            </a:solidFill>
+            <a:ln w="25400" cap="flat" cmpd="sng" algn="ctr">
+              <a:solidFill>
+                <a:sysClr val="windowText" lastClr="000000">
+                  <a:lumMod val="65000"/>
+                  <a:lumOff val="35000"/>
+                </a:sysClr>
+              </a:solidFill>
+              <a:prstDash val="solid"/>
+            </a:ln>
+            <a:effectLst/>
+          </p:spPr>
+          <p:txBody>
+            <a:bodyPr rtlCol="0" anchor="ctr"/>
+            <a:lstStyle/>
+            <a:p>
+              <a:pPr marL="0" marR="0" lvl="0" indent="0" algn="ctr" defTabSz="5852160" eaLnBrk="1" fontAlgn="auto" latinLnBrk="0" hangingPunct="1">
+                <a:lnSpc>
+                  <a:spcPct val="100000"/>
+                </a:lnSpc>
+                <a:spcBef>
+                  <a:spcPts val="0"/>
+                </a:spcBef>
+                <a:spcAft>
+                  <a:spcPts val="0"/>
+                </a:spcAft>
+                <a:buClrTx/>
+                <a:buSzTx/>
+                <a:buFontTx/>
+                <a:buNone/>
+                <a:tabLst/>
+                <a:defRPr/>
+              </a:pPr>
+              <a:endParaRPr kumimoji="0" lang="en-US" sz="11520" b="0" i="0" u="none" strike="noStrike" kern="0" cap="none" spc="0" normalizeH="0" baseline="0" noProof="0">
+                <a:ln>
+                  <a:noFill/>
+                </a:ln>
+                <a:solidFill>
+                  <a:prstClr val="white"/>
+                </a:solidFill>
+                <a:effectLst/>
+                <a:uLnTx/>
+                <a:uFillTx/>
+                <a:latin typeface="Calibri"/>
+                <a:ea typeface="+mn-ea"/>
+                <a:cs typeface="+mn-cs"/>
+              </a:endParaRPr>
+            </a:p>
+          </p:txBody>
+        </p:sp>
+        <p:sp>
+          <p:nvSpPr>
+            <p:cNvPr id="7" name="Oval 6">
+              <a:extLst>
+                <a:ext uri="{FF2B5EF4-FFF2-40B4-BE49-F238E27FC236}">
+                  <a16:creationId xmlns:a16="http://schemas.microsoft.com/office/drawing/2014/main" id="{483C821F-6E09-48EC-9DC1-BA704949C3B6}"/>
+                </a:ext>
+              </a:extLst>
+            </p:cNvPr>
+            <p:cNvSpPr/>
+            <p:nvPr/>
+          </p:nvSpPr>
+          <p:spPr>
+            <a:xfrm>
+              <a:off x="17737818" y="12424383"/>
+              <a:ext cx="196850" cy="196850"/>
+            </a:xfrm>
+            <a:prstGeom prst="ellipse">
+              <a:avLst/>
+            </a:prstGeom>
+            <a:solidFill>
+              <a:srgbClr val="9BBB59">
+                <a:lumMod val="60000"/>
+                <a:lumOff val="40000"/>
+              </a:srgbClr>
+            </a:solidFill>
+            <a:ln w="25400" cap="flat" cmpd="sng" algn="ctr">
+              <a:solidFill>
+                <a:sysClr val="windowText" lastClr="000000">
+                  <a:lumMod val="65000"/>
+                  <a:lumOff val="35000"/>
+                </a:sysClr>
+              </a:solidFill>
+              <a:prstDash val="solid"/>
+            </a:ln>
+            <a:effectLst/>
+          </p:spPr>
+          <p:txBody>
+            <a:bodyPr rtlCol="0" anchor="ctr"/>
+            <a:lstStyle/>
+            <a:p>
+              <a:pPr marL="0" marR="0" lvl="0" indent="0" algn="ctr" defTabSz="5852160" eaLnBrk="1" fontAlgn="auto" latinLnBrk="0" hangingPunct="1">
+                <a:lnSpc>
+                  <a:spcPct val="100000"/>
+                </a:lnSpc>
+                <a:spcBef>
+                  <a:spcPts val="0"/>
+                </a:spcBef>
+                <a:spcAft>
+                  <a:spcPts val="0"/>
+                </a:spcAft>
+                <a:buClrTx/>
+                <a:buSzTx/>
+                <a:buFontTx/>
+                <a:buNone/>
+                <a:tabLst/>
+                <a:defRPr/>
+              </a:pPr>
+              <a:endParaRPr kumimoji="0" lang="en-US" sz="11520" b="0" i="0" u="none" strike="noStrike" kern="0" cap="none" spc="0" normalizeH="0" baseline="0" noProof="0">
+                <a:ln>
+                  <a:noFill/>
+                </a:ln>
+                <a:solidFill>
+                  <a:prstClr val="white"/>
+                </a:solidFill>
+                <a:effectLst/>
+                <a:uLnTx/>
+                <a:uFillTx/>
+                <a:latin typeface="Calibri"/>
+                <a:ea typeface="+mn-ea"/>
+                <a:cs typeface="+mn-cs"/>
+              </a:endParaRPr>
+            </a:p>
+          </p:txBody>
+        </p:sp>
+        <p:sp>
+          <p:nvSpPr>
+            <p:cNvPr id="8" name="Oval 7">
+              <a:extLst>
+                <a:ext uri="{FF2B5EF4-FFF2-40B4-BE49-F238E27FC236}">
+                  <a16:creationId xmlns:a16="http://schemas.microsoft.com/office/drawing/2014/main" id="{D0DEE34F-8BDC-4214-97A3-535BC3BE90C5}"/>
+                </a:ext>
+              </a:extLst>
+            </p:cNvPr>
+            <p:cNvSpPr/>
+            <p:nvPr/>
+          </p:nvSpPr>
+          <p:spPr>
+            <a:xfrm>
+              <a:off x="17299667" y="12850052"/>
+              <a:ext cx="196850" cy="196850"/>
+            </a:xfrm>
+            <a:prstGeom prst="ellipse">
+              <a:avLst/>
+            </a:prstGeom>
+            <a:solidFill>
+              <a:srgbClr val="9BBB59">
+                <a:lumMod val="60000"/>
+                <a:lumOff val="40000"/>
+              </a:srgbClr>
+            </a:solidFill>
+            <a:ln w="25400" cap="flat" cmpd="sng" algn="ctr">
+              <a:solidFill>
+                <a:sysClr val="windowText" lastClr="000000">
+                  <a:lumMod val="65000"/>
+                  <a:lumOff val="35000"/>
+                </a:sysClr>
+              </a:solidFill>
+              <a:prstDash val="solid"/>
+            </a:ln>
+            <a:effectLst/>
+          </p:spPr>
+          <p:txBody>
+            <a:bodyPr rtlCol="0" anchor="ctr"/>
+            <a:lstStyle/>
+            <a:p>
+              <a:pPr marL="0" marR="0" lvl="0" indent="0" algn="ctr" defTabSz="5852160" eaLnBrk="1" fontAlgn="auto" latinLnBrk="0" hangingPunct="1">
+                <a:lnSpc>
+                  <a:spcPct val="100000"/>
+                </a:lnSpc>
+                <a:spcBef>
+                  <a:spcPts val="0"/>
+                </a:spcBef>
+                <a:spcAft>
+                  <a:spcPts val="0"/>
+                </a:spcAft>
+                <a:buClrTx/>
+                <a:buSzTx/>
+                <a:buFontTx/>
+                <a:buNone/>
+                <a:tabLst/>
+                <a:defRPr/>
+              </a:pPr>
+              <a:endParaRPr kumimoji="0" lang="en-US" sz="11520" b="0" i="0" u="none" strike="noStrike" kern="0" cap="none" spc="0" normalizeH="0" baseline="0" noProof="0">
+                <a:ln>
+                  <a:noFill/>
+                </a:ln>
+                <a:solidFill>
+                  <a:prstClr val="white"/>
+                </a:solidFill>
+                <a:effectLst/>
+                <a:uLnTx/>
+                <a:uFillTx/>
+                <a:latin typeface="Calibri"/>
+                <a:ea typeface="+mn-ea"/>
+                <a:cs typeface="+mn-cs"/>
+              </a:endParaRPr>
+            </a:p>
+          </p:txBody>
+        </p:sp>
+        <p:sp>
+          <p:nvSpPr>
+            <p:cNvPr id="9" name="Oval 8">
+              <a:extLst>
+                <a:ext uri="{FF2B5EF4-FFF2-40B4-BE49-F238E27FC236}">
+                  <a16:creationId xmlns:a16="http://schemas.microsoft.com/office/drawing/2014/main" id="{ADD5ADDD-294B-4007-8DA7-F2FC1A48052D}"/>
+                </a:ext>
+              </a:extLst>
+            </p:cNvPr>
+            <p:cNvSpPr/>
+            <p:nvPr/>
+          </p:nvSpPr>
+          <p:spPr>
+            <a:xfrm>
+              <a:off x="17401722" y="13104740"/>
+              <a:ext cx="196850" cy="196850"/>
+            </a:xfrm>
+            <a:prstGeom prst="ellipse">
+              <a:avLst/>
+            </a:prstGeom>
+            <a:solidFill>
+              <a:srgbClr val="9BBB59">
+                <a:lumMod val="60000"/>
+                <a:lumOff val="40000"/>
+              </a:srgbClr>
+            </a:solidFill>
+            <a:ln w="25400" cap="flat" cmpd="sng" algn="ctr">
+              <a:solidFill>
+                <a:sysClr val="windowText" lastClr="000000">
+                  <a:lumMod val="65000"/>
+                  <a:lumOff val="35000"/>
+                </a:sysClr>
+              </a:solidFill>
+              <a:prstDash val="solid"/>
+            </a:ln>
+            <a:effectLst/>
+          </p:spPr>
+          <p:txBody>
+            <a:bodyPr rtlCol="0" anchor="ctr"/>
+            <a:lstStyle/>
+            <a:p>
+              <a:pPr marL="0" marR="0" lvl="0" indent="0" algn="ctr" defTabSz="5852160" eaLnBrk="1" fontAlgn="auto" latinLnBrk="0" hangingPunct="1">
+                <a:lnSpc>
+                  <a:spcPct val="100000"/>
+                </a:lnSpc>
+                <a:spcBef>
+                  <a:spcPts val="0"/>
+                </a:spcBef>
+                <a:spcAft>
+                  <a:spcPts val="0"/>
+                </a:spcAft>
+                <a:buClrTx/>
+                <a:buSzTx/>
+                <a:buFontTx/>
+                <a:buNone/>
+                <a:tabLst/>
+                <a:defRPr/>
+              </a:pPr>
+              <a:endParaRPr kumimoji="0" lang="en-US" sz="11520" b="0" i="0" u="none" strike="noStrike" kern="0" cap="none" spc="0" normalizeH="0" baseline="0" noProof="0">
+                <a:ln>
+                  <a:noFill/>
+                </a:ln>
+                <a:solidFill>
+                  <a:prstClr val="white"/>
+                </a:solidFill>
+                <a:effectLst/>
+                <a:uLnTx/>
+                <a:uFillTx/>
+                <a:latin typeface="Calibri"/>
+                <a:ea typeface="+mn-ea"/>
+                <a:cs typeface="+mn-cs"/>
+              </a:endParaRPr>
+            </a:p>
+          </p:txBody>
+        </p:sp>
+        <p:sp>
+          <p:nvSpPr>
+            <p:cNvPr id="10" name="Oval 9">
+              <a:extLst>
+                <a:ext uri="{FF2B5EF4-FFF2-40B4-BE49-F238E27FC236}">
+                  <a16:creationId xmlns:a16="http://schemas.microsoft.com/office/drawing/2014/main" id="{092BB136-4FF5-48E0-86C1-35BBBF2F6A4D}"/>
+                </a:ext>
+              </a:extLst>
+            </p:cNvPr>
+            <p:cNvSpPr/>
+            <p:nvPr/>
+          </p:nvSpPr>
+          <p:spPr>
+            <a:xfrm>
+              <a:off x="17678400" y="13093854"/>
+              <a:ext cx="196850" cy="196850"/>
+            </a:xfrm>
+            <a:prstGeom prst="ellipse">
+              <a:avLst/>
+            </a:prstGeom>
+            <a:solidFill>
+              <a:srgbClr val="9BBB59">
+                <a:lumMod val="60000"/>
+                <a:lumOff val="40000"/>
+              </a:srgbClr>
+            </a:solidFill>
+            <a:ln w="25400" cap="flat" cmpd="sng" algn="ctr">
+              <a:solidFill>
+                <a:sysClr val="windowText" lastClr="000000">
+                  <a:lumMod val="65000"/>
+                  <a:lumOff val="35000"/>
+                </a:sysClr>
+              </a:solidFill>
+              <a:prstDash val="solid"/>
+            </a:ln>
+            <a:effectLst/>
+          </p:spPr>
+          <p:txBody>
+            <a:bodyPr rtlCol="0" anchor="ctr"/>
+            <a:lstStyle/>
+            <a:p>
+              <a:pPr marL="0" marR="0" lvl="0" indent="0" algn="ctr" defTabSz="5852160" eaLnBrk="1" fontAlgn="auto" latinLnBrk="0" hangingPunct="1">
+                <a:lnSpc>
+                  <a:spcPct val="100000"/>
+                </a:lnSpc>
+                <a:spcBef>
+                  <a:spcPts val="0"/>
+                </a:spcBef>
+                <a:spcAft>
+                  <a:spcPts val="0"/>
+                </a:spcAft>
+                <a:buClrTx/>
+                <a:buSzTx/>
+                <a:buFontTx/>
+                <a:buNone/>
+                <a:tabLst/>
+                <a:defRPr/>
+              </a:pPr>
+              <a:endParaRPr kumimoji="0" lang="en-US" sz="11520" b="0" i="0" u="none" strike="noStrike" kern="0" cap="none" spc="0" normalizeH="0" baseline="0" noProof="0">
+                <a:ln>
+                  <a:noFill/>
+                </a:ln>
+                <a:solidFill>
+                  <a:prstClr val="white"/>
+                </a:solidFill>
+                <a:effectLst/>
+                <a:uLnTx/>
+                <a:uFillTx/>
+                <a:latin typeface="Calibri"/>
+                <a:ea typeface="+mn-ea"/>
+                <a:cs typeface="+mn-cs"/>
+              </a:endParaRPr>
+            </a:p>
+          </p:txBody>
+        </p:sp>
+        <p:sp>
+          <p:nvSpPr>
+            <p:cNvPr id="11" name="Oval 10">
+              <a:extLst>
+                <a:ext uri="{FF2B5EF4-FFF2-40B4-BE49-F238E27FC236}">
+                  <a16:creationId xmlns:a16="http://schemas.microsoft.com/office/drawing/2014/main" id="{B5CC39AC-A2D0-4DB3-A018-1FC313DB0050}"/>
+                </a:ext>
+              </a:extLst>
+            </p:cNvPr>
+            <p:cNvSpPr/>
+            <p:nvPr/>
+          </p:nvSpPr>
+          <p:spPr>
+            <a:xfrm>
+              <a:off x="17787711" y="12896849"/>
+              <a:ext cx="196850" cy="196850"/>
+            </a:xfrm>
+            <a:prstGeom prst="ellipse">
+              <a:avLst/>
+            </a:prstGeom>
+            <a:solidFill>
+              <a:srgbClr val="9BBB59">
+                <a:lumMod val="60000"/>
+                <a:lumOff val="40000"/>
+              </a:srgbClr>
+            </a:solidFill>
+            <a:ln w="25400" cap="flat" cmpd="sng" algn="ctr">
+              <a:solidFill>
+                <a:sysClr val="windowText" lastClr="000000">
+                  <a:lumMod val="65000"/>
+                  <a:lumOff val="35000"/>
+                </a:sysClr>
+              </a:solidFill>
+              <a:prstDash val="solid"/>
+            </a:ln>
+            <a:effectLst/>
+          </p:spPr>
+          <p:txBody>
+            <a:bodyPr rtlCol="0" anchor="ctr"/>
+            <a:lstStyle/>
+            <a:p>
+              <a:pPr marL="0" marR="0" lvl="0" indent="0" algn="ctr" defTabSz="5852160" eaLnBrk="1" fontAlgn="auto" latinLnBrk="0" hangingPunct="1">
+                <a:lnSpc>
+                  <a:spcPct val="100000"/>
+                </a:lnSpc>
+                <a:spcBef>
+                  <a:spcPts val="0"/>
+                </a:spcBef>
+                <a:spcAft>
+                  <a:spcPts val="0"/>
+                </a:spcAft>
+                <a:buClrTx/>
+                <a:buSzTx/>
+                <a:buFontTx/>
+                <a:buNone/>
+                <a:tabLst/>
+                <a:defRPr/>
+              </a:pPr>
+              <a:endParaRPr kumimoji="0" lang="en-US" sz="11520" b="0" i="0" u="none" strike="noStrike" kern="0" cap="none" spc="0" normalizeH="0" baseline="0" noProof="0">
+                <a:ln>
+                  <a:noFill/>
+                </a:ln>
+                <a:solidFill>
+                  <a:prstClr val="white"/>
+                </a:solidFill>
+                <a:effectLst/>
+                <a:uLnTx/>
+                <a:uFillTx/>
+                <a:latin typeface="Calibri"/>
+                <a:ea typeface="+mn-ea"/>
+                <a:cs typeface="+mn-cs"/>
+              </a:endParaRPr>
+            </a:p>
+          </p:txBody>
+        </p:sp>
+        <p:sp>
+          <p:nvSpPr>
+            <p:cNvPr id="12" name="Oval 11">
+              <a:extLst>
+                <a:ext uri="{FF2B5EF4-FFF2-40B4-BE49-F238E27FC236}">
+                  <a16:creationId xmlns:a16="http://schemas.microsoft.com/office/drawing/2014/main" id="{B8E17180-1FBE-4F09-84E8-21DB0E160E1F}"/>
+                </a:ext>
+              </a:extLst>
+            </p:cNvPr>
+            <p:cNvSpPr/>
+            <p:nvPr/>
+          </p:nvSpPr>
+          <p:spPr>
+            <a:xfrm>
+              <a:off x="17806308" y="12643004"/>
+              <a:ext cx="196850" cy="196850"/>
+            </a:xfrm>
+            <a:prstGeom prst="ellipse">
+              <a:avLst/>
+            </a:prstGeom>
+            <a:solidFill>
+              <a:srgbClr val="9BBB59">
+                <a:lumMod val="60000"/>
+                <a:lumOff val="40000"/>
+              </a:srgbClr>
+            </a:solidFill>
+            <a:ln w="25400" cap="flat" cmpd="sng" algn="ctr">
+              <a:solidFill>
+                <a:sysClr val="windowText" lastClr="000000">
+                  <a:lumMod val="65000"/>
+                  <a:lumOff val="35000"/>
+                </a:sysClr>
+              </a:solidFill>
+              <a:prstDash val="solid"/>
+            </a:ln>
+            <a:effectLst/>
+          </p:spPr>
+          <p:txBody>
+            <a:bodyPr rtlCol="0" anchor="ctr"/>
+            <a:lstStyle/>
+            <a:p>
+              <a:pPr marL="0" marR="0" lvl="0" indent="0" algn="ctr" defTabSz="5852160" eaLnBrk="1" fontAlgn="auto" latinLnBrk="0" hangingPunct="1">
+                <a:lnSpc>
+                  <a:spcPct val="100000"/>
+                </a:lnSpc>
+                <a:spcBef>
+                  <a:spcPts val="0"/>
+                </a:spcBef>
+                <a:spcAft>
+                  <a:spcPts val="0"/>
+                </a:spcAft>
+                <a:buClrTx/>
+                <a:buSzTx/>
+                <a:buFontTx/>
+                <a:buNone/>
+                <a:tabLst/>
+                <a:defRPr/>
+              </a:pPr>
+              <a:endParaRPr kumimoji="0" lang="en-US" sz="11520" b="0" i="0" u="none" strike="noStrike" kern="0" cap="none" spc="0" normalizeH="0" baseline="0" noProof="0">
+                <a:ln>
+                  <a:noFill/>
+                </a:ln>
+                <a:solidFill>
+                  <a:prstClr val="white"/>
+                </a:solidFill>
+                <a:effectLst/>
+                <a:uLnTx/>
+                <a:uFillTx/>
+                <a:latin typeface="Calibri"/>
+                <a:ea typeface="+mn-ea"/>
+                <a:cs typeface="+mn-cs"/>
+              </a:endParaRPr>
+            </a:p>
+          </p:txBody>
+        </p:sp>
+        <p:sp>
+          <p:nvSpPr>
+            <p:cNvPr id="13" name="Oval 12">
+              <a:extLst>
+                <a:ext uri="{FF2B5EF4-FFF2-40B4-BE49-F238E27FC236}">
+                  <a16:creationId xmlns:a16="http://schemas.microsoft.com/office/drawing/2014/main" id="{74DA75E4-12E9-4D0A-B3CB-19A6FA1C477C}"/>
+                </a:ext>
+              </a:extLst>
+            </p:cNvPr>
+            <p:cNvSpPr/>
+            <p:nvPr/>
+          </p:nvSpPr>
+          <p:spPr>
+            <a:xfrm>
+              <a:off x="17512392" y="12554027"/>
+              <a:ext cx="196850" cy="196850"/>
+            </a:xfrm>
+            <a:prstGeom prst="ellipse">
+              <a:avLst/>
+            </a:prstGeom>
+            <a:solidFill>
+              <a:srgbClr val="9BBB59">
+                <a:lumMod val="60000"/>
+                <a:lumOff val="40000"/>
+              </a:srgbClr>
+            </a:solidFill>
+            <a:ln w="25400" cap="flat" cmpd="sng" algn="ctr">
+              <a:solidFill>
+                <a:sysClr val="windowText" lastClr="000000">
+                  <a:lumMod val="65000"/>
+                  <a:lumOff val="35000"/>
+                </a:sysClr>
+              </a:solidFill>
+              <a:prstDash val="solid"/>
+            </a:ln>
+            <a:effectLst/>
+          </p:spPr>
+          <p:txBody>
+            <a:bodyPr rtlCol="0" anchor="ctr"/>
+            <a:lstStyle/>
+            <a:p>
+              <a:pPr marL="0" marR="0" lvl="0" indent="0" algn="ctr" defTabSz="5852160" eaLnBrk="1" fontAlgn="auto" latinLnBrk="0" hangingPunct="1">
+                <a:lnSpc>
+                  <a:spcPct val="100000"/>
+                </a:lnSpc>
+                <a:spcBef>
+                  <a:spcPts val="0"/>
+                </a:spcBef>
+                <a:spcAft>
+                  <a:spcPts val="0"/>
+                </a:spcAft>
+                <a:buClrTx/>
+                <a:buSzTx/>
+                <a:buFontTx/>
+                <a:buNone/>
+                <a:tabLst/>
+                <a:defRPr/>
+              </a:pPr>
+              <a:endParaRPr kumimoji="0" lang="en-US" sz="11520" b="0" i="0" u="none" strike="noStrike" kern="0" cap="none" spc="0" normalizeH="0" baseline="0" noProof="0">
+                <a:ln>
+                  <a:noFill/>
+                </a:ln>
+                <a:solidFill>
+                  <a:prstClr val="white"/>
+                </a:solidFill>
+                <a:effectLst/>
+                <a:uLnTx/>
+                <a:uFillTx/>
+                <a:latin typeface="Calibri"/>
+                <a:ea typeface="+mn-ea"/>
+                <a:cs typeface="+mn-cs"/>
+              </a:endParaRPr>
+            </a:p>
+          </p:txBody>
+        </p:sp>
+        <p:sp>
+          <p:nvSpPr>
+            <p:cNvPr id="14" name="Oval 13">
+              <a:extLst>
+                <a:ext uri="{FF2B5EF4-FFF2-40B4-BE49-F238E27FC236}">
+                  <a16:creationId xmlns:a16="http://schemas.microsoft.com/office/drawing/2014/main" id="{0C72ED25-FCFF-4DE6-AE07-569CC8F1CF5C}"/>
+                </a:ext>
+              </a:extLst>
+            </p:cNvPr>
+            <p:cNvSpPr/>
+            <p:nvPr/>
+          </p:nvSpPr>
+          <p:spPr>
+            <a:xfrm>
+              <a:off x="17540061" y="12831689"/>
+              <a:ext cx="196850" cy="196850"/>
+            </a:xfrm>
+            <a:prstGeom prst="ellipse">
+              <a:avLst/>
+            </a:prstGeom>
+            <a:solidFill>
+              <a:srgbClr val="9BBB59">
+                <a:lumMod val="60000"/>
+                <a:lumOff val="40000"/>
+              </a:srgbClr>
+            </a:solidFill>
+            <a:ln w="25400" cap="flat" cmpd="sng" algn="ctr">
+              <a:solidFill>
+                <a:sysClr val="windowText" lastClr="000000">
+                  <a:lumMod val="65000"/>
+                  <a:lumOff val="35000"/>
+                </a:sysClr>
+              </a:solidFill>
+              <a:prstDash val="solid"/>
+            </a:ln>
+            <a:effectLst/>
+          </p:spPr>
+          <p:txBody>
+            <a:bodyPr rtlCol="0" anchor="ctr"/>
+            <a:lstStyle/>
+            <a:p>
+              <a:pPr marL="0" marR="0" lvl="0" indent="0" algn="ctr" defTabSz="5852160" eaLnBrk="1" fontAlgn="auto" latinLnBrk="0" hangingPunct="1">
+                <a:lnSpc>
+                  <a:spcPct val="100000"/>
+                </a:lnSpc>
+                <a:spcBef>
+                  <a:spcPts val="0"/>
+                </a:spcBef>
+                <a:spcAft>
+                  <a:spcPts val="0"/>
+                </a:spcAft>
+                <a:buClrTx/>
+                <a:buSzTx/>
+                <a:buFontTx/>
+                <a:buNone/>
+                <a:tabLst/>
+                <a:defRPr/>
+              </a:pPr>
+              <a:endParaRPr kumimoji="0" lang="en-US" sz="11520" b="0" i="0" u="none" strike="noStrike" kern="0" cap="none" spc="0" normalizeH="0" baseline="0" noProof="0">
+                <a:ln>
+                  <a:noFill/>
+                </a:ln>
+                <a:solidFill>
+                  <a:prstClr val="white"/>
+                </a:solidFill>
+                <a:effectLst/>
+                <a:uLnTx/>
+                <a:uFillTx/>
+                <a:latin typeface="Calibri"/>
+                <a:ea typeface="+mn-ea"/>
+                <a:cs typeface="+mn-cs"/>
+              </a:endParaRPr>
+            </a:p>
+          </p:txBody>
+        </p:sp>
+      </p:grpSp>
+    </p:spTree>
+    <p:extLst>
+      <p:ext uri="{BB962C8B-B14F-4D97-AF65-F5344CB8AC3E}">
+        <p14:creationId xmlns:p14="http://schemas.microsoft.com/office/powerpoint/2010/main" val="4077710649"/>
+      </p:ext>
+    </p:extLst>
+  </p:cSld>
+  <p:clrMapOvr>
+    <a:masterClrMapping/>
+  </p:clrMapOvr>
+</p:sld>
+</file>
+
+<file path=ppt/slides/slide4.xml><?xml version="1.0" encoding="utf-8"?>
+<p:sld xmlns:a="http://schemas.openxmlformats.org/drawingml/2006/main" xmlns:r="http://schemas.openxmlformats.org/officeDocument/2006/relationships" xmlns:p="http://schemas.openxmlformats.org/presentationml/2006/main">
+  <p:cSld>
+    <p:spTree>
+      <p:nvGrpSpPr>
+        <p:cNvPr id="1" name=""/>
+        <p:cNvGrpSpPr/>
+        <p:nvPr/>
+      </p:nvGrpSpPr>
+      <p:grpSpPr>
+        <a:xfrm>
+          <a:off x="0" y="0"/>
+          <a:ext cx="0" cy="0"/>
+          <a:chOff x="0" y="0"/>
+          <a:chExt cx="0" cy="0"/>
+        </a:xfrm>
+      </p:grpSpPr>
+      <p:sp>
+        <p:nvSpPr>
+          <p:cNvPr id="3" name="Freeform: Shape 2">
+            <a:extLst>
+              <a:ext uri="{FF2B5EF4-FFF2-40B4-BE49-F238E27FC236}">
+                <a16:creationId xmlns:a16="http://schemas.microsoft.com/office/drawing/2014/main" id="{CE01B6EE-9B9E-4C6F-9375-95087DDE6A16}"/>
+              </a:ext>
+            </a:extLst>
+          </p:cNvPr>
+          <p:cNvSpPr/>
+          <p:nvPr/>
+        </p:nvSpPr>
+        <p:spPr>
+          <a:xfrm>
+            <a:off x="81130" y="94893"/>
+            <a:ext cx="1271889" cy="705649"/>
+          </a:xfrm>
+          <a:custGeom>
+            <a:avLst/>
+            <a:gdLst>
+              <a:gd name="connsiteX0" fmla="*/ 803301 w 1133238"/>
+              <a:gd name="connsiteY0" fmla="*/ 356 h 628725"/>
+              <a:gd name="connsiteX1" fmla="*/ 832277 w 1133238"/>
+              <a:gd name="connsiteY1" fmla="*/ 6050 h 628725"/>
+              <a:gd name="connsiteX2" fmla="*/ 886957 w 1133238"/>
+              <a:gd name="connsiteY2" fmla="*/ 59900 h 628725"/>
+              <a:gd name="connsiteX3" fmla="*/ 887257 w 1133238"/>
+              <a:gd name="connsiteY3" fmla="*/ 60032 h 628725"/>
+              <a:gd name="connsiteX4" fmla="*/ 930431 w 1133238"/>
+              <a:gd name="connsiteY4" fmla="*/ 79096 h 628725"/>
+              <a:gd name="connsiteX5" fmla="*/ 957129 w 1133238"/>
+              <a:gd name="connsiteY5" fmla="*/ 112162 h 628725"/>
+              <a:gd name="connsiteX6" fmla="*/ 954873 w 1133238"/>
+              <a:gd name="connsiteY6" fmla="*/ 152854 h 628725"/>
+              <a:gd name="connsiteX7" fmla="*/ 955701 w 1133238"/>
+              <a:gd name="connsiteY7" fmla="*/ 152756 h 628725"/>
+              <a:gd name="connsiteX8" fmla="*/ 984677 w 1133238"/>
+              <a:gd name="connsiteY8" fmla="*/ 158450 h 628725"/>
+              <a:gd name="connsiteX9" fmla="*/ 1039357 w 1133238"/>
+              <a:gd name="connsiteY9" fmla="*/ 212300 h 628725"/>
+              <a:gd name="connsiteX10" fmla="*/ 1039657 w 1133238"/>
+              <a:gd name="connsiteY10" fmla="*/ 212432 h 628725"/>
+              <a:gd name="connsiteX11" fmla="*/ 1082831 w 1133238"/>
+              <a:gd name="connsiteY11" fmla="*/ 231496 h 628725"/>
+              <a:gd name="connsiteX12" fmla="*/ 1109529 w 1133238"/>
+              <a:gd name="connsiteY12" fmla="*/ 264562 h 628725"/>
+              <a:gd name="connsiteX13" fmla="*/ 1106387 w 1133238"/>
+              <a:gd name="connsiteY13" fmla="*/ 321232 h 628725"/>
+              <a:gd name="connsiteX14" fmla="*/ 1129331 w 1133238"/>
+              <a:gd name="connsiteY14" fmla="*/ 407880 h 628725"/>
+              <a:gd name="connsiteX15" fmla="*/ 1021851 w 1133238"/>
+              <a:gd name="connsiteY15" fmla="*/ 483728 h 628725"/>
+              <a:gd name="connsiteX16" fmla="*/ 983375 w 1133238"/>
+              <a:gd name="connsiteY16" fmla="*/ 548720 h 628725"/>
+              <a:gd name="connsiteX17" fmla="*/ 852377 w 1133238"/>
+              <a:gd name="connsiteY17" fmla="*/ 556588 h 628725"/>
+              <a:gd name="connsiteX18" fmla="*/ 758765 w 1133238"/>
+              <a:gd name="connsiteY18" fmla="*/ 625922 h 628725"/>
+              <a:gd name="connsiteX19" fmla="*/ 621121 w 1133238"/>
+              <a:gd name="connsiteY19" fmla="*/ 583600 h 628725"/>
+              <a:gd name="connsiteX20" fmla="*/ 456005 w 1133238"/>
+              <a:gd name="connsiteY20" fmla="*/ 576876 h 628725"/>
+              <a:gd name="connsiteX21" fmla="*/ 443893 w 1133238"/>
+              <a:gd name="connsiteY21" fmla="*/ 566076 h 628725"/>
+              <a:gd name="connsiteX22" fmla="*/ 414485 w 1133238"/>
+              <a:gd name="connsiteY22" fmla="*/ 567966 h 628725"/>
+              <a:gd name="connsiteX23" fmla="*/ 316321 w 1133238"/>
+              <a:gd name="connsiteY23" fmla="*/ 523106 h 628725"/>
+              <a:gd name="connsiteX24" fmla="*/ 111857 w 1133238"/>
+              <a:gd name="connsiteY24" fmla="*/ 481292 h 628725"/>
+              <a:gd name="connsiteX25" fmla="*/ 21959 w 1133238"/>
+              <a:gd name="connsiteY25" fmla="*/ 434760 h 628725"/>
+              <a:gd name="connsiteX26" fmla="*/ 41167 w 1133238"/>
+              <a:gd name="connsiteY26" fmla="*/ 371952 h 628725"/>
+              <a:gd name="connsiteX27" fmla="*/ 605 w 1133238"/>
+              <a:gd name="connsiteY27" fmla="*/ 307510 h 628725"/>
+              <a:gd name="connsiteX28" fmla="*/ 74683 w 1133238"/>
+              <a:gd name="connsiteY28" fmla="*/ 250234 h 628725"/>
+              <a:gd name="connsiteX29" fmla="*/ 75391 w 1133238"/>
+              <a:gd name="connsiteY29" fmla="*/ 248724 h 628725"/>
+              <a:gd name="connsiteX30" fmla="*/ 108391 w 1133238"/>
+              <a:gd name="connsiteY30" fmla="*/ 166474 h 628725"/>
+              <a:gd name="connsiteX31" fmla="*/ 227487 w 1133238"/>
+              <a:gd name="connsiteY31" fmla="*/ 135530 h 628725"/>
+              <a:gd name="connsiteX32" fmla="*/ 230019 w 1133238"/>
+              <a:gd name="connsiteY32" fmla="*/ 136272 h 628725"/>
+              <a:gd name="connsiteX33" fmla="*/ 232563 w 1133238"/>
+              <a:gd name="connsiteY33" fmla="*/ 112806 h 628725"/>
+              <a:gd name="connsiteX34" fmla="*/ 260791 w 1133238"/>
+              <a:gd name="connsiteY34" fmla="*/ 74568 h 628725"/>
+              <a:gd name="connsiteX35" fmla="*/ 421321 w 1133238"/>
+              <a:gd name="connsiteY35" fmla="*/ 55778 h 628725"/>
+              <a:gd name="connsiteX36" fmla="*/ 421355 w 1133238"/>
+              <a:gd name="connsiteY36" fmla="*/ 55746 h 628725"/>
+              <a:gd name="connsiteX37" fmla="*/ 453281 w 1133238"/>
+              <a:gd name="connsiteY37" fmla="*/ 27484 h 628725"/>
+              <a:gd name="connsiteX38" fmla="*/ 583171 w 1133238"/>
+              <a:gd name="connsiteY38" fmla="*/ 36270 h 628725"/>
+              <a:gd name="connsiteX39" fmla="*/ 583749 w 1133238"/>
+              <a:gd name="connsiteY39" fmla="*/ 35738 h 628725"/>
+              <a:gd name="connsiteX40" fmla="*/ 609103 w 1133238"/>
+              <a:gd name="connsiteY40" fmla="*/ 12364 h 628725"/>
+              <a:gd name="connsiteX41" fmla="*/ 646239 w 1133238"/>
+              <a:gd name="connsiteY41" fmla="*/ 650 h 628725"/>
+              <a:gd name="connsiteX42" fmla="*/ 689699 w 1133238"/>
+              <a:gd name="connsiteY42" fmla="*/ 4900 h 628725"/>
+              <a:gd name="connsiteX43" fmla="*/ 723447 w 1133238"/>
+              <a:gd name="connsiteY43" fmla="*/ 25184 h 628725"/>
+              <a:gd name="connsiteX44" fmla="*/ 724453 w 1133238"/>
+              <a:gd name="connsiteY44" fmla="*/ 25790 h 628725"/>
+              <a:gd name="connsiteX45" fmla="*/ 803301 w 1133238"/>
+              <a:gd name="connsiteY45" fmla="*/ 356 h 628725"/>
+            </a:gdLst>
+            <a:ahLst/>
+            <a:cxnLst>
+              <a:cxn ang="0">
+                <a:pos x="connsiteX0" y="connsiteY0"/>
+              </a:cxn>
+              <a:cxn ang="0">
+                <a:pos x="connsiteX1" y="connsiteY1"/>
+              </a:cxn>
+              <a:cxn ang="0">
+                <a:pos x="connsiteX2" y="connsiteY2"/>
+              </a:cxn>
+              <a:cxn ang="0">
+                <a:pos x="connsiteX3" y="connsiteY3"/>
+              </a:cxn>
+              <a:cxn ang="0">
+                <a:pos x="connsiteX4" y="connsiteY4"/>
+              </a:cxn>
+              <a:cxn ang="0">
+                <a:pos x="connsiteX5" y="connsiteY5"/>
+              </a:cxn>
+              <a:cxn ang="0">
+                <a:pos x="connsiteX6" y="connsiteY6"/>
+              </a:cxn>
+              <a:cxn ang="0">
+                <a:pos x="connsiteX7" y="connsiteY7"/>
+              </a:cxn>
+              <a:cxn ang="0">
+                <a:pos x="connsiteX8" y="connsiteY8"/>
+              </a:cxn>
+              <a:cxn ang="0">
+                <a:pos x="connsiteX9" y="connsiteY9"/>
+              </a:cxn>
+              <a:cxn ang="0">
+                <a:pos x="connsiteX10" y="connsiteY10"/>
+              </a:cxn>
+              <a:cxn ang="0">
+                <a:pos x="connsiteX11" y="connsiteY11"/>
+              </a:cxn>
+              <a:cxn ang="0">
+                <a:pos x="connsiteX12" y="connsiteY12"/>
+              </a:cxn>
+              <a:cxn ang="0">
+                <a:pos x="connsiteX13" y="connsiteY13"/>
+              </a:cxn>
+              <a:cxn ang="0">
+                <a:pos x="connsiteX14" y="connsiteY14"/>
+              </a:cxn>
+              <a:cxn ang="0">
+                <a:pos x="connsiteX15" y="connsiteY15"/>
+              </a:cxn>
+              <a:cxn ang="0">
+                <a:pos x="connsiteX16" y="connsiteY16"/>
+              </a:cxn>
+              <a:cxn ang="0">
+                <a:pos x="connsiteX17" y="connsiteY17"/>
+              </a:cxn>
+              <a:cxn ang="0">
+                <a:pos x="connsiteX18" y="connsiteY18"/>
+              </a:cxn>
+              <a:cxn ang="0">
+                <a:pos x="connsiteX19" y="connsiteY19"/>
+              </a:cxn>
+              <a:cxn ang="0">
+                <a:pos x="connsiteX20" y="connsiteY20"/>
+              </a:cxn>
+              <a:cxn ang="0">
+                <a:pos x="connsiteX21" y="connsiteY21"/>
+              </a:cxn>
+              <a:cxn ang="0">
+                <a:pos x="connsiteX22" y="connsiteY22"/>
+              </a:cxn>
+              <a:cxn ang="0">
+                <a:pos x="connsiteX23" y="connsiteY23"/>
+              </a:cxn>
+              <a:cxn ang="0">
+                <a:pos x="connsiteX24" y="connsiteY24"/>
+              </a:cxn>
+              <a:cxn ang="0">
+                <a:pos x="connsiteX25" y="connsiteY25"/>
+              </a:cxn>
+              <a:cxn ang="0">
+                <a:pos x="connsiteX26" y="connsiteY26"/>
+              </a:cxn>
+              <a:cxn ang="0">
+                <a:pos x="connsiteX27" y="connsiteY27"/>
+              </a:cxn>
+              <a:cxn ang="0">
+                <a:pos x="connsiteX28" y="connsiteY28"/>
+              </a:cxn>
+              <a:cxn ang="0">
+                <a:pos x="connsiteX29" y="connsiteY29"/>
+              </a:cxn>
+              <a:cxn ang="0">
+                <a:pos x="connsiteX30" y="connsiteY30"/>
+              </a:cxn>
+              <a:cxn ang="0">
+                <a:pos x="connsiteX31" y="connsiteY31"/>
+              </a:cxn>
+              <a:cxn ang="0">
+                <a:pos x="connsiteX32" y="connsiteY32"/>
+              </a:cxn>
+              <a:cxn ang="0">
+                <a:pos x="connsiteX33" y="connsiteY33"/>
+              </a:cxn>
+              <a:cxn ang="0">
+                <a:pos x="connsiteX34" y="connsiteY34"/>
+              </a:cxn>
+              <a:cxn ang="0">
+                <a:pos x="connsiteX35" y="connsiteY35"/>
+              </a:cxn>
+              <a:cxn ang="0">
+                <a:pos x="connsiteX36" y="connsiteY36"/>
+              </a:cxn>
+              <a:cxn ang="0">
+                <a:pos x="connsiteX37" y="connsiteY37"/>
+              </a:cxn>
+              <a:cxn ang="0">
+                <a:pos x="connsiteX38" y="connsiteY38"/>
+              </a:cxn>
+              <a:cxn ang="0">
+                <a:pos x="connsiteX39" y="connsiteY39"/>
+              </a:cxn>
+              <a:cxn ang="0">
+                <a:pos x="connsiteX40" y="connsiteY40"/>
+              </a:cxn>
+              <a:cxn ang="0">
+                <a:pos x="connsiteX41" y="connsiteY41"/>
+              </a:cxn>
+              <a:cxn ang="0">
+                <a:pos x="connsiteX42" y="connsiteY42"/>
+              </a:cxn>
+              <a:cxn ang="0">
+                <a:pos x="connsiteX43" y="connsiteY43"/>
+              </a:cxn>
+              <a:cxn ang="0">
+                <a:pos x="connsiteX44" y="connsiteY44"/>
+              </a:cxn>
+              <a:cxn ang="0">
+                <a:pos x="connsiteX45" y="connsiteY45"/>
+              </a:cxn>
+            </a:cxnLst>
+            <a:rect l="l" t="t" r="r" b="b"/>
+            <a:pathLst>
+              <a:path w="1133238" h="628725">
+                <a:moveTo>
+                  <a:pt x="803301" y="356"/>
+                </a:moveTo>
+                <a:cubicBezTo>
+                  <a:pt x="813103" y="1006"/>
+                  <a:pt x="822885" y="2882"/>
+                  <a:pt x="832277" y="6050"/>
+                </a:cubicBezTo>
+                <a:cubicBezTo>
+                  <a:pt x="860909" y="15706"/>
+                  <a:pt x="881441" y="35918"/>
+                  <a:pt x="886957" y="59900"/>
+                </a:cubicBezTo>
+                <a:lnTo>
+                  <a:pt x="887257" y="60032"/>
+                </a:lnTo>
+                <a:lnTo>
+                  <a:pt x="930431" y="79096"/>
+                </a:lnTo>
+                <a:cubicBezTo>
+                  <a:pt x="942497" y="88080"/>
+                  <a:pt x="951765" y="99378"/>
+                  <a:pt x="957129" y="112162"/>
+                </a:cubicBezTo>
+                <a:lnTo>
+                  <a:pt x="954873" y="152854"/>
+                </a:lnTo>
+                <a:lnTo>
+                  <a:pt x="955701" y="152756"/>
+                </a:lnTo>
+                <a:cubicBezTo>
+                  <a:pt x="965503" y="153406"/>
+                  <a:pt x="975285" y="155282"/>
+                  <a:pt x="984677" y="158450"/>
+                </a:cubicBezTo>
+                <a:cubicBezTo>
+                  <a:pt x="1013309" y="168106"/>
+                  <a:pt x="1033841" y="188318"/>
+                  <a:pt x="1039357" y="212300"/>
+                </a:cubicBezTo>
+                <a:lnTo>
+                  <a:pt x="1039657" y="212432"/>
+                </a:lnTo>
+                <a:lnTo>
+                  <a:pt x="1082831" y="231496"/>
+                </a:lnTo>
+                <a:cubicBezTo>
+                  <a:pt x="1094897" y="240480"/>
+                  <a:pt x="1104165" y="251778"/>
+                  <a:pt x="1109529" y="264562"/>
+                </a:cubicBezTo>
+                <a:cubicBezTo>
+                  <a:pt x="1117323" y="283122"/>
+                  <a:pt x="1116213" y="303280"/>
+                  <a:pt x="1106387" y="321232"/>
+                </a:cubicBezTo>
+                <a:cubicBezTo>
+                  <a:pt x="1130537" y="345854"/>
+                  <a:pt x="1138983" y="377770"/>
+                  <a:pt x="1129331" y="407880"/>
+                </a:cubicBezTo>
+                <a:cubicBezTo>
+                  <a:pt x="1116499" y="447910"/>
+                  <a:pt x="1074021" y="477886"/>
+                  <a:pt x="1021851" y="483728"/>
+                </a:cubicBezTo>
+                <a:cubicBezTo>
+                  <a:pt x="1021603" y="508712"/>
+                  <a:pt x="1007565" y="532408"/>
+                  <a:pt x="983375" y="548720"/>
+                </a:cubicBezTo>
+                <a:cubicBezTo>
+                  <a:pt x="946623" y="573506"/>
+                  <a:pt x="893535" y="576690"/>
+                  <a:pt x="852377" y="556588"/>
+                </a:cubicBezTo>
+                <a:cubicBezTo>
+                  <a:pt x="839067" y="591118"/>
+                  <a:pt x="803425" y="617512"/>
+                  <a:pt x="758765" y="625922"/>
+                </a:cubicBezTo>
+                <a:cubicBezTo>
+                  <a:pt x="706135" y="635830"/>
+                  <a:pt x="651209" y="618946"/>
+                  <a:pt x="621121" y="583600"/>
+                </a:cubicBezTo>
+                <a:cubicBezTo>
+                  <a:pt x="567859" y="608762"/>
+                  <a:pt x="502661" y="604446"/>
+                  <a:pt x="456005" y="576876"/>
+                </a:cubicBezTo>
+                <a:lnTo>
+                  <a:pt x="443893" y="566076"/>
+                </a:lnTo>
+                <a:lnTo>
+                  <a:pt x="414485" y="567966"/>
+                </a:lnTo>
+                <a:cubicBezTo>
+                  <a:pt x="375425" y="565740"/>
+                  <a:pt x="338887" y="549614"/>
+                  <a:pt x="316321" y="523106"/>
+                </a:cubicBezTo>
+                <a:cubicBezTo>
+                  <a:pt x="245305" y="556654"/>
+                  <a:pt x="153071" y="537798"/>
+                  <a:pt x="111857" y="481292"/>
+                </a:cubicBezTo>
+                <a:cubicBezTo>
+                  <a:pt x="71369" y="485006"/>
+                  <a:pt x="33353" y="465334"/>
+                  <a:pt x="21959" y="434760"/>
+                </a:cubicBezTo>
+                <a:cubicBezTo>
+                  <a:pt x="13705" y="412642"/>
+                  <a:pt x="21001" y="388770"/>
+                  <a:pt x="41167" y="371952"/>
+                </a:cubicBezTo>
+                <a:cubicBezTo>
+                  <a:pt x="12555" y="358760"/>
+                  <a:pt x="-3379" y="333444"/>
+                  <a:pt x="605" y="307510"/>
+                </a:cubicBezTo>
+                <a:cubicBezTo>
+                  <a:pt x="5277" y="277148"/>
+                  <a:pt x="36035" y="253364"/>
+                  <a:pt x="74683" y="250234"/>
+                </a:cubicBezTo>
+                <a:cubicBezTo>
+                  <a:pt x="74913" y="249728"/>
+                  <a:pt x="75161" y="249232"/>
+                  <a:pt x="75391" y="248724"/>
+                </a:cubicBezTo>
+                <a:cubicBezTo>
+                  <a:pt x="70201" y="218824"/>
+                  <a:pt x="82305" y="188670"/>
+                  <a:pt x="108391" y="166474"/>
+                </a:cubicBezTo>
+                <a:cubicBezTo>
+                  <a:pt x="139301" y="140180"/>
+                  <a:pt x="184615" y="129212"/>
+                  <a:pt x="227487" y="135530"/>
+                </a:cubicBezTo>
+                <a:lnTo>
+                  <a:pt x="230019" y="136272"/>
+                </a:lnTo>
+                <a:lnTo>
+                  <a:pt x="232563" y="112806"/>
+                </a:lnTo>
+                <a:cubicBezTo>
+                  <a:pt x="238201" y="98756"/>
+                  <a:pt x="247749" y="85668"/>
+                  <a:pt x="260791" y="74568"/>
+                </a:cubicBezTo>
+                <a:cubicBezTo>
+                  <a:pt x="302005" y="39510"/>
+                  <a:pt x="368825" y="31696"/>
+                  <a:pt x="421321" y="55778"/>
+                </a:cubicBezTo>
+                <a:lnTo>
+                  <a:pt x="421355" y="55746"/>
+                </a:lnTo>
+                <a:lnTo>
+                  <a:pt x="453281" y="27484"/>
+                </a:lnTo>
+                <a:cubicBezTo>
+                  <a:pt x="491897" y="6536"/>
+                  <a:pt x="546659" y="8084"/>
+                  <a:pt x="583171" y="36270"/>
+                </a:cubicBezTo>
+                <a:lnTo>
+                  <a:pt x="583749" y="35738"/>
+                </a:lnTo>
+                <a:lnTo>
+                  <a:pt x="609103" y="12364"/>
+                </a:lnTo>
+                <a:cubicBezTo>
+                  <a:pt x="619933" y="6246"/>
+                  <a:pt x="632631" y="2160"/>
+                  <a:pt x="646239" y="650"/>
+                </a:cubicBezTo>
+                <a:cubicBezTo>
+                  <a:pt x="661215" y="-1014"/>
+                  <a:pt x="676181" y="556"/>
+                  <a:pt x="689699" y="4900"/>
+                </a:cubicBezTo>
+                <a:lnTo>
+                  <a:pt x="723447" y="25184"/>
+                </a:lnTo>
+                <a:lnTo>
+                  <a:pt x="724453" y="25790"/>
+                </a:lnTo>
+                <a:cubicBezTo>
+                  <a:pt x="744305" y="7488"/>
+                  <a:pt x="773893" y="-1594"/>
+                  <a:pt x="803301" y="356"/>
+                </a:cubicBezTo>
+                <a:close/>
+              </a:path>
+            </a:pathLst>
+          </a:custGeom>
+          <a:solidFill>
+            <a:srgbClr val="EA7676"/>
+          </a:solidFill>
+          <a:ln w="25400" cap="flat" cmpd="sng" algn="ctr">
+            <a:solidFill>
+              <a:schemeClr val="tx1"/>
+            </a:solidFill>
+            <a:prstDash val="solid"/>
+          </a:ln>
+          <a:effectLst/>
+        </p:spPr>
+        <p:txBody>
+          <a:bodyPr rtlCol="0" anchor="ctr"/>
+          <a:lstStyle/>
+          <a:p>
+            <a:pPr marL="0" marR="0" lvl="0" indent="0" algn="ctr" defTabSz="5852160" eaLnBrk="1" fontAlgn="auto" latinLnBrk="0" hangingPunct="1">
+              <a:lnSpc>
+                <a:spcPct val="100000"/>
+              </a:lnSpc>
+              <a:spcBef>
+                <a:spcPts val="0"/>
+              </a:spcBef>
+              <a:spcAft>
+                <a:spcPts val="0"/>
+              </a:spcAft>
+              <a:buClrTx/>
+              <a:buSzTx/>
+              <a:buFontTx/>
+              <a:buNone/>
+              <a:tabLst/>
+              <a:defRPr/>
+            </a:pPr>
+            <a:endParaRPr kumimoji="0" lang="en-US" sz="11520" b="0" i="0" u="none" strike="noStrike" kern="0" cap="none" spc="0" normalizeH="0" baseline="0" noProof="0">
+              <a:ln>
+                <a:noFill/>
+              </a:ln>
+              <a:solidFill>
+                <a:prstClr val="white"/>
+              </a:solidFill>
+              <a:effectLst/>
+              <a:uLnTx/>
+              <a:uFillTx/>
+              <a:latin typeface="Calibri"/>
+              <a:ea typeface="+mn-ea"/>
+              <a:cs typeface="+mn-cs"/>
+            </a:endParaRPr>
+          </a:p>
+        </p:txBody>
+      </p:sp>
+      <p:sp>
+        <p:nvSpPr>
+          <p:cNvPr id="4" name="Oval 3">
+            <a:extLst>
+              <a:ext uri="{FF2B5EF4-FFF2-40B4-BE49-F238E27FC236}">
+                <a16:creationId xmlns:a16="http://schemas.microsoft.com/office/drawing/2014/main" id="{325FEB20-EBA1-4B2D-AC16-34AF1EAFCBF0}"/>
+              </a:ext>
+            </a:extLst>
+          </p:cNvPr>
+          <p:cNvSpPr/>
+          <p:nvPr/>
+        </p:nvSpPr>
+        <p:spPr>
+          <a:xfrm>
+            <a:off x="736600" y="228600"/>
+            <a:ext cx="63500" cy="63500"/>
+          </a:xfrm>
+          <a:prstGeom prst="ellipse">
+            <a:avLst/>
+          </a:prstGeom>
+          <a:solidFill>
+            <a:srgbClr val="CE2020"/>
+          </a:solidFill>
+        </p:spPr>
+        <p:style>
+          <a:lnRef idx="2">
+            <a:schemeClr val="accent1">
+              <a:shade val="50000"/>
+            </a:schemeClr>
+          </a:lnRef>
+          <a:fillRef idx="1">
+            <a:schemeClr val="accent1"/>
+          </a:fillRef>
+          <a:effectRef idx="0">
+            <a:schemeClr val="accent1"/>
+          </a:effectRef>
+          <a:fontRef idx="minor">
+            <a:schemeClr val="lt1"/>
+          </a:fontRef>
+        </p:style>
+        <p:txBody>
+          <a:bodyPr rtlCol="0" anchor="ctr"/>
+          <a:lstStyle/>
+          <a:p>
+            <a:pPr algn="ctr"/>
+            <a:endParaRPr lang="en-US"/>
+          </a:p>
+        </p:txBody>
+      </p:sp>
+      <p:sp>
+        <p:nvSpPr>
+          <p:cNvPr id="5" name="Oval 4">
+            <a:extLst>
+              <a:ext uri="{FF2B5EF4-FFF2-40B4-BE49-F238E27FC236}">
+                <a16:creationId xmlns:a16="http://schemas.microsoft.com/office/drawing/2014/main" id="{638E5469-C39E-4F54-9844-324EBB590910}"/>
+              </a:ext>
+            </a:extLst>
+          </p:cNvPr>
+          <p:cNvSpPr/>
+          <p:nvPr/>
+        </p:nvSpPr>
+        <p:spPr>
+          <a:xfrm>
+            <a:off x="889000" y="393700"/>
+            <a:ext cx="63500" cy="63500"/>
+          </a:xfrm>
+          <a:prstGeom prst="ellipse">
+            <a:avLst/>
+          </a:prstGeom>
+          <a:solidFill>
+            <a:srgbClr val="CE2020"/>
+          </a:solidFill>
+        </p:spPr>
+        <p:style>
+          <a:lnRef idx="2">
+            <a:schemeClr val="accent1">
+              <a:shade val="50000"/>
+            </a:schemeClr>
+          </a:lnRef>
+          <a:fillRef idx="1">
+            <a:schemeClr val="accent1"/>
+          </a:fillRef>
+          <a:effectRef idx="0">
+            <a:schemeClr val="accent1"/>
+          </a:effectRef>
+          <a:fontRef idx="minor">
+            <a:schemeClr val="lt1"/>
+          </a:fontRef>
+        </p:style>
+        <p:txBody>
+          <a:bodyPr rtlCol="0" anchor="ctr"/>
+          <a:lstStyle/>
+          <a:p>
+            <a:pPr algn="ctr"/>
+            <a:endParaRPr lang="en-US"/>
+          </a:p>
+        </p:txBody>
+      </p:sp>
+      <p:sp>
+        <p:nvSpPr>
+          <p:cNvPr id="6" name="Oval 5">
+            <a:extLst>
+              <a:ext uri="{FF2B5EF4-FFF2-40B4-BE49-F238E27FC236}">
+                <a16:creationId xmlns:a16="http://schemas.microsoft.com/office/drawing/2014/main" id="{56899CF3-8513-4ACD-B305-C8C53239C65D}"/>
+              </a:ext>
+            </a:extLst>
+          </p:cNvPr>
+          <p:cNvSpPr/>
+          <p:nvPr/>
+        </p:nvSpPr>
+        <p:spPr>
+          <a:xfrm>
+            <a:off x="304800" y="381000"/>
+            <a:ext cx="63500" cy="63500"/>
+          </a:xfrm>
+          <a:prstGeom prst="ellipse">
+            <a:avLst/>
+          </a:prstGeom>
+          <a:solidFill>
+            <a:srgbClr val="CE2020"/>
+          </a:solidFill>
+        </p:spPr>
+        <p:style>
+          <a:lnRef idx="2">
+            <a:schemeClr val="accent1">
+              <a:shade val="50000"/>
+            </a:schemeClr>
+          </a:lnRef>
+          <a:fillRef idx="1">
+            <a:schemeClr val="accent1"/>
+          </a:fillRef>
+          <a:effectRef idx="0">
+            <a:schemeClr val="accent1"/>
+          </a:effectRef>
+          <a:fontRef idx="minor">
+            <a:schemeClr val="lt1"/>
+          </a:fontRef>
+        </p:style>
+        <p:txBody>
+          <a:bodyPr rtlCol="0" anchor="ctr"/>
+          <a:lstStyle/>
+          <a:p>
+            <a:pPr algn="ctr"/>
+            <a:endParaRPr lang="en-US"/>
+          </a:p>
+        </p:txBody>
+      </p:sp>
+      <p:sp>
+        <p:nvSpPr>
+          <p:cNvPr id="7" name="Oval 6">
+            <a:extLst>
+              <a:ext uri="{FF2B5EF4-FFF2-40B4-BE49-F238E27FC236}">
+                <a16:creationId xmlns:a16="http://schemas.microsoft.com/office/drawing/2014/main" id="{FB4B1089-868D-4544-B639-AD6228D0F0D2}"/>
+              </a:ext>
+            </a:extLst>
+          </p:cNvPr>
+          <p:cNvSpPr/>
+          <p:nvPr/>
+        </p:nvSpPr>
+        <p:spPr>
+          <a:xfrm>
+            <a:off x="584200" y="406400"/>
+            <a:ext cx="63500" cy="63500"/>
+          </a:xfrm>
+          <a:prstGeom prst="ellipse">
+            <a:avLst/>
+          </a:prstGeom>
+          <a:solidFill>
+            <a:srgbClr val="CE2020"/>
+          </a:solidFill>
+        </p:spPr>
+        <p:style>
+          <a:lnRef idx="2">
+            <a:schemeClr val="accent1">
+              <a:shade val="50000"/>
+            </a:schemeClr>
+          </a:lnRef>
+          <a:fillRef idx="1">
+            <a:schemeClr val="accent1"/>
+          </a:fillRef>
+          <a:effectRef idx="0">
+            <a:schemeClr val="accent1"/>
+          </a:effectRef>
+          <a:fontRef idx="minor">
+            <a:schemeClr val="lt1"/>
+          </a:fontRef>
+        </p:style>
+        <p:txBody>
+          <a:bodyPr rtlCol="0" anchor="ctr"/>
+          <a:lstStyle/>
+          <a:p>
+            <a:pPr algn="ctr"/>
+            <a:endParaRPr lang="en-US"/>
+          </a:p>
+        </p:txBody>
+      </p:sp>
+      <p:sp>
+        <p:nvSpPr>
+          <p:cNvPr id="8" name="Oval 7">
+            <a:extLst>
+              <a:ext uri="{FF2B5EF4-FFF2-40B4-BE49-F238E27FC236}">
+                <a16:creationId xmlns:a16="http://schemas.microsoft.com/office/drawing/2014/main" id="{74BE080A-C9F1-450A-9705-1021C395CC9A}"/>
+              </a:ext>
+            </a:extLst>
+          </p:cNvPr>
+          <p:cNvSpPr/>
+          <p:nvPr/>
+        </p:nvSpPr>
+        <p:spPr>
+          <a:xfrm>
+            <a:off x="1092200" y="431800"/>
+            <a:ext cx="63500" cy="63500"/>
+          </a:xfrm>
+          <a:prstGeom prst="ellipse">
+            <a:avLst/>
+          </a:prstGeom>
+          <a:solidFill>
+            <a:srgbClr val="CE2020"/>
+          </a:solidFill>
+        </p:spPr>
+        <p:style>
+          <a:lnRef idx="2">
+            <a:schemeClr val="accent1">
+              <a:shade val="50000"/>
+            </a:schemeClr>
+          </a:lnRef>
+          <a:fillRef idx="1">
+            <a:schemeClr val="accent1"/>
+          </a:fillRef>
+          <a:effectRef idx="0">
+            <a:schemeClr val="accent1"/>
+          </a:effectRef>
+          <a:fontRef idx="minor">
+            <a:schemeClr val="lt1"/>
+          </a:fontRef>
+        </p:style>
+        <p:txBody>
+          <a:bodyPr rtlCol="0" anchor="ctr"/>
+          <a:lstStyle/>
+          <a:p>
+            <a:pPr algn="ctr"/>
+            <a:endParaRPr lang="en-US"/>
+          </a:p>
+        </p:txBody>
+      </p:sp>
+      <p:sp>
+        <p:nvSpPr>
+          <p:cNvPr id="9" name="Oval 8">
+            <a:extLst>
+              <a:ext uri="{FF2B5EF4-FFF2-40B4-BE49-F238E27FC236}">
+                <a16:creationId xmlns:a16="http://schemas.microsoft.com/office/drawing/2014/main" id="{9CC09978-D05B-4B0D-9D9E-48B4D8F8BA62}"/>
+              </a:ext>
+            </a:extLst>
+          </p:cNvPr>
+          <p:cNvSpPr/>
+          <p:nvPr/>
+        </p:nvSpPr>
+        <p:spPr>
+          <a:xfrm>
+            <a:off x="965200" y="254000"/>
+            <a:ext cx="63500" cy="63500"/>
+          </a:xfrm>
+          <a:prstGeom prst="ellipse">
+            <a:avLst/>
+          </a:prstGeom>
+          <a:solidFill>
+            <a:srgbClr val="CE2020"/>
+          </a:solidFill>
+        </p:spPr>
+        <p:style>
+          <a:lnRef idx="2">
+            <a:schemeClr val="accent1">
+              <a:shade val="50000"/>
+            </a:schemeClr>
+          </a:lnRef>
+          <a:fillRef idx="1">
+            <a:schemeClr val="accent1"/>
+          </a:fillRef>
+          <a:effectRef idx="0">
+            <a:schemeClr val="accent1"/>
+          </a:effectRef>
+          <a:fontRef idx="minor">
+            <a:schemeClr val="lt1"/>
+          </a:fontRef>
+        </p:style>
+        <p:txBody>
+          <a:bodyPr rtlCol="0" anchor="ctr"/>
+          <a:lstStyle/>
+          <a:p>
+            <a:pPr algn="ctr"/>
+            <a:endParaRPr lang="en-US"/>
+          </a:p>
+        </p:txBody>
+      </p:sp>
+      <p:sp>
+        <p:nvSpPr>
+          <p:cNvPr id="10" name="Oval 9">
+            <a:extLst>
+              <a:ext uri="{FF2B5EF4-FFF2-40B4-BE49-F238E27FC236}">
+                <a16:creationId xmlns:a16="http://schemas.microsoft.com/office/drawing/2014/main" id="{98E9E873-6B27-4D93-AB8E-08A99C9A7739}"/>
+              </a:ext>
+            </a:extLst>
+          </p:cNvPr>
+          <p:cNvSpPr/>
+          <p:nvPr/>
+        </p:nvSpPr>
+        <p:spPr>
+          <a:xfrm>
+            <a:off x="825500" y="584200"/>
+            <a:ext cx="63500" cy="63500"/>
+          </a:xfrm>
+          <a:prstGeom prst="ellipse">
+            <a:avLst/>
+          </a:prstGeom>
+          <a:solidFill>
+            <a:srgbClr val="CE2020"/>
+          </a:solidFill>
+        </p:spPr>
+        <p:style>
+          <a:lnRef idx="2">
+            <a:schemeClr val="accent1">
+              <a:shade val="50000"/>
+            </a:schemeClr>
+          </a:lnRef>
+          <a:fillRef idx="1">
+            <a:schemeClr val="accent1"/>
+          </a:fillRef>
+          <a:effectRef idx="0">
+            <a:schemeClr val="accent1"/>
+          </a:effectRef>
+          <a:fontRef idx="minor">
+            <a:schemeClr val="lt1"/>
+          </a:fontRef>
+        </p:style>
+        <p:txBody>
+          <a:bodyPr rtlCol="0" anchor="ctr"/>
+          <a:lstStyle/>
+          <a:p>
+            <a:pPr algn="ctr"/>
+            <a:endParaRPr lang="en-US"/>
+          </a:p>
+        </p:txBody>
+      </p:sp>
+      <p:sp>
+        <p:nvSpPr>
+          <p:cNvPr id="11" name="Oval 10">
+            <a:extLst>
+              <a:ext uri="{FF2B5EF4-FFF2-40B4-BE49-F238E27FC236}">
+                <a16:creationId xmlns:a16="http://schemas.microsoft.com/office/drawing/2014/main" id="{A3A60E5D-A1EE-4888-BABF-73BF94169C13}"/>
+              </a:ext>
+            </a:extLst>
+          </p:cNvPr>
+          <p:cNvSpPr/>
+          <p:nvPr/>
+        </p:nvSpPr>
+        <p:spPr>
+          <a:xfrm>
+            <a:off x="368300" y="495300"/>
+            <a:ext cx="63500" cy="63500"/>
+          </a:xfrm>
+          <a:prstGeom prst="ellipse">
+            <a:avLst/>
+          </a:prstGeom>
+          <a:solidFill>
+            <a:srgbClr val="CE2020"/>
+          </a:solidFill>
+        </p:spPr>
+        <p:style>
+          <a:lnRef idx="2">
+            <a:schemeClr val="accent1">
+              <a:shade val="50000"/>
+            </a:schemeClr>
+          </a:lnRef>
+          <a:fillRef idx="1">
+            <a:schemeClr val="accent1"/>
+          </a:fillRef>
+          <a:effectRef idx="0">
+            <a:schemeClr val="accent1"/>
+          </a:effectRef>
+          <a:fontRef idx="minor">
+            <a:schemeClr val="lt1"/>
+          </a:fontRef>
+        </p:style>
+        <p:txBody>
+          <a:bodyPr rtlCol="0" anchor="ctr"/>
+          <a:lstStyle/>
+          <a:p>
+            <a:pPr algn="ctr"/>
+            <a:endParaRPr lang="en-US"/>
+          </a:p>
+        </p:txBody>
+      </p:sp>
+      <p:sp>
+        <p:nvSpPr>
+          <p:cNvPr id="12" name="Oval 11">
+            <a:extLst>
+              <a:ext uri="{FF2B5EF4-FFF2-40B4-BE49-F238E27FC236}">
+                <a16:creationId xmlns:a16="http://schemas.microsoft.com/office/drawing/2014/main" id="{EFB12881-EA88-4DA2-9DBD-9DE662D3B09E}"/>
+              </a:ext>
+            </a:extLst>
+          </p:cNvPr>
+          <p:cNvSpPr/>
+          <p:nvPr/>
+        </p:nvSpPr>
+        <p:spPr>
+          <a:xfrm>
+            <a:off x="469900" y="292100"/>
+            <a:ext cx="63500" cy="63500"/>
+          </a:xfrm>
+          <a:prstGeom prst="ellipse">
+            <a:avLst/>
+          </a:prstGeom>
+          <a:solidFill>
+            <a:srgbClr val="CE2020"/>
+          </a:solidFill>
+        </p:spPr>
+        <p:style>
+          <a:lnRef idx="2">
+            <a:schemeClr val="accent1">
+              <a:shade val="50000"/>
+            </a:schemeClr>
+          </a:lnRef>
+          <a:fillRef idx="1">
+            <a:schemeClr val="accent1"/>
+          </a:fillRef>
+          <a:effectRef idx="0">
+            <a:schemeClr val="accent1"/>
+          </a:effectRef>
+          <a:fontRef idx="minor">
+            <a:schemeClr val="lt1"/>
+          </a:fontRef>
+        </p:style>
+        <p:txBody>
+          <a:bodyPr rtlCol="0" anchor="ctr"/>
+          <a:lstStyle/>
+          <a:p>
+            <a:pPr algn="ctr"/>
+            <a:endParaRPr lang="en-US"/>
+          </a:p>
+        </p:txBody>
+      </p:sp>
+      <p:sp>
+        <p:nvSpPr>
+          <p:cNvPr id="13" name="Oval 12">
+            <a:extLst>
+              <a:ext uri="{FF2B5EF4-FFF2-40B4-BE49-F238E27FC236}">
+                <a16:creationId xmlns:a16="http://schemas.microsoft.com/office/drawing/2014/main" id="{B292C714-8F0C-443B-9F8D-1217E70BAD23}"/>
+              </a:ext>
+            </a:extLst>
+          </p:cNvPr>
+          <p:cNvSpPr/>
+          <p:nvPr/>
+        </p:nvSpPr>
+        <p:spPr>
+          <a:xfrm>
+            <a:off x="635000" y="546100"/>
+            <a:ext cx="63500" cy="63500"/>
+          </a:xfrm>
+          <a:prstGeom prst="ellipse">
+            <a:avLst/>
+          </a:prstGeom>
+          <a:solidFill>
+            <a:srgbClr val="CE2020"/>
+          </a:solidFill>
+        </p:spPr>
+        <p:style>
+          <a:lnRef idx="2">
+            <a:schemeClr val="accent1">
+              <a:shade val="50000"/>
+            </a:schemeClr>
+          </a:lnRef>
+          <a:fillRef idx="1">
+            <a:schemeClr val="accent1"/>
+          </a:fillRef>
+          <a:effectRef idx="0">
+            <a:schemeClr val="accent1"/>
+          </a:effectRef>
+          <a:fontRef idx="minor">
+            <a:schemeClr val="lt1"/>
+          </a:fontRef>
+        </p:style>
+        <p:txBody>
+          <a:bodyPr rtlCol="0" anchor="ctr"/>
+          <a:lstStyle/>
+          <a:p>
+            <a:pPr algn="ctr"/>
+            <a:endParaRPr lang="en-US"/>
+          </a:p>
+        </p:txBody>
+      </p:sp>
+    </p:spTree>
+    <p:extLst>
+      <p:ext uri="{BB962C8B-B14F-4D97-AF65-F5344CB8AC3E}">
+        <p14:creationId xmlns:p14="http://schemas.microsoft.com/office/powerpoint/2010/main" val="3045427198"/>
+      </p:ext>
+    </p:extLst>
+  </p:cSld>
+  <p:clrMapOvr>
+    <a:masterClrMapping/>
+  </p:clrMapOvr>
+</p:sld>
+</file>
+
+<file path=ppt/slides/slide5.xml><?xml version="1.0" encoding="utf-8"?>
+<p:sld xmlns:a="http://schemas.openxmlformats.org/drawingml/2006/main" xmlns:r="http://schemas.openxmlformats.org/officeDocument/2006/relationships" xmlns:p="http://schemas.openxmlformats.org/presentationml/2006/main">
+  <p:cSld>
+    <p:spTree>
+      <p:nvGrpSpPr>
+        <p:cNvPr id="1" name=""/>
+        <p:cNvGrpSpPr/>
+        <p:nvPr/>
+      </p:nvGrpSpPr>
+      <p:grpSpPr>
+        <a:xfrm>
+          <a:off x="0" y="0"/>
+          <a:ext cx="0" cy="0"/>
+          <a:chOff x="0" y="0"/>
+          <a:chExt cx="0" cy="0"/>
+        </a:xfrm>
+      </p:grpSpPr>
+      <p:sp>
+        <p:nvSpPr>
+          <p:cNvPr id="2" name="Freeform: Shape 1">
+            <a:extLst>
+              <a:ext uri="{FF2B5EF4-FFF2-40B4-BE49-F238E27FC236}">
+                <a16:creationId xmlns:a16="http://schemas.microsoft.com/office/drawing/2014/main" id="{B5DD64C3-852A-4E9B-AF7D-8E7033ABB05D}"/>
+              </a:ext>
+            </a:extLst>
+          </p:cNvPr>
+          <p:cNvSpPr/>
+          <p:nvPr/>
+        </p:nvSpPr>
+        <p:spPr>
+          <a:xfrm>
+            <a:off x="81130" y="94893"/>
+            <a:ext cx="1271889" cy="705649"/>
+          </a:xfrm>
+          <a:custGeom>
+            <a:avLst/>
+            <a:gdLst>
+              <a:gd name="connsiteX0" fmla="*/ 803301 w 1133238"/>
+              <a:gd name="connsiteY0" fmla="*/ 356 h 628725"/>
+              <a:gd name="connsiteX1" fmla="*/ 832277 w 1133238"/>
+              <a:gd name="connsiteY1" fmla="*/ 6050 h 628725"/>
+              <a:gd name="connsiteX2" fmla="*/ 886957 w 1133238"/>
+              <a:gd name="connsiteY2" fmla="*/ 59900 h 628725"/>
+              <a:gd name="connsiteX3" fmla="*/ 887257 w 1133238"/>
+              <a:gd name="connsiteY3" fmla="*/ 60032 h 628725"/>
+              <a:gd name="connsiteX4" fmla="*/ 930431 w 1133238"/>
+              <a:gd name="connsiteY4" fmla="*/ 79096 h 628725"/>
+              <a:gd name="connsiteX5" fmla="*/ 957129 w 1133238"/>
+              <a:gd name="connsiteY5" fmla="*/ 112162 h 628725"/>
+              <a:gd name="connsiteX6" fmla="*/ 954873 w 1133238"/>
+              <a:gd name="connsiteY6" fmla="*/ 152854 h 628725"/>
+              <a:gd name="connsiteX7" fmla="*/ 955701 w 1133238"/>
+              <a:gd name="connsiteY7" fmla="*/ 152756 h 628725"/>
+              <a:gd name="connsiteX8" fmla="*/ 984677 w 1133238"/>
+              <a:gd name="connsiteY8" fmla="*/ 158450 h 628725"/>
+              <a:gd name="connsiteX9" fmla="*/ 1039357 w 1133238"/>
+              <a:gd name="connsiteY9" fmla="*/ 212300 h 628725"/>
+              <a:gd name="connsiteX10" fmla="*/ 1039657 w 1133238"/>
+              <a:gd name="connsiteY10" fmla="*/ 212432 h 628725"/>
+              <a:gd name="connsiteX11" fmla="*/ 1082831 w 1133238"/>
+              <a:gd name="connsiteY11" fmla="*/ 231496 h 628725"/>
+              <a:gd name="connsiteX12" fmla="*/ 1109529 w 1133238"/>
+              <a:gd name="connsiteY12" fmla="*/ 264562 h 628725"/>
+              <a:gd name="connsiteX13" fmla="*/ 1106387 w 1133238"/>
+              <a:gd name="connsiteY13" fmla="*/ 321232 h 628725"/>
+              <a:gd name="connsiteX14" fmla="*/ 1129331 w 1133238"/>
+              <a:gd name="connsiteY14" fmla="*/ 407880 h 628725"/>
+              <a:gd name="connsiteX15" fmla="*/ 1021851 w 1133238"/>
+              <a:gd name="connsiteY15" fmla="*/ 483728 h 628725"/>
+              <a:gd name="connsiteX16" fmla="*/ 983375 w 1133238"/>
+              <a:gd name="connsiteY16" fmla="*/ 548720 h 628725"/>
+              <a:gd name="connsiteX17" fmla="*/ 852377 w 1133238"/>
+              <a:gd name="connsiteY17" fmla="*/ 556588 h 628725"/>
+              <a:gd name="connsiteX18" fmla="*/ 758765 w 1133238"/>
+              <a:gd name="connsiteY18" fmla="*/ 625922 h 628725"/>
+              <a:gd name="connsiteX19" fmla="*/ 621121 w 1133238"/>
+              <a:gd name="connsiteY19" fmla="*/ 583600 h 628725"/>
+              <a:gd name="connsiteX20" fmla="*/ 456005 w 1133238"/>
+              <a:gd name="connsiteY20" fmla="*/ 576876 h 628725"/>
+              <a:gd name="connsiteX21" fmla="*/ 443893 w 1133238"/>
+              <a:gd name="connsiteY21" fmla="*/ 566076 h 628725"/>
+              <a:gd name="connsiteX22" fmla="*/ 414485 w 1133238"/>
+              <a:gd name="connsiteY22" fmla="*/ 567966 h 628725"/>
+              <a:gd name="connsiteX23" fmla="*/ 316321 w 1133238"/>
+              <a:gd name="connsiteY23" fmla="*/ 523106 h 628725"/>
+              <a:gd name="connsiteX24" fmla="*/ 111857 w 1133238"/>
+              <a:gd name="connsiteY24" fmla="*/ 481292 h 628725"/>
+              <a:gd name="connsiteX25" fmla="*/ 21959 w 1133238"/>
+              <a:gd name="connsiteY25" fmla="*/ 434760 h 628725"/>
+              <a:gd name="connsiteX26" fmla="*/ 41167 w 1133238"/>
+              <a:gd name="connsiteY26" fmla="*/ 371952 h 628725"/>
+              <a:gd name="connsiteX27" fmla="*/ 605 w 1133238"/>
+              <a:gd name="connsiteY27" fmla="*/ 307510 h 628725"/>
+              <a:gd name="connsiteX28" fmla="*/ 74683 w 1133238"/>
+              <a:gd name="connsiteY28" fmla="*/ 250234 h 628725"/>
+              <a:gd name="connsiteX29" fmla="*/ 75391 w 1133238"/>
+              <a:gd name="connsiteY29" fmla="*/ 248724 h 628725"/>
+              <a:gd name="connsiteX30" fmla="*/ 108391 w 1133238"/>
+              <a:gd name="connsiteY30" fmla="*/ 166474 h 628725"/>
+              <a:gd name="connsiteX31" fmla="*/ 227487 w 1133238"/>
+              <a:gd name="connsiteY31" fmla="*/ 135530 h 628725"/>
+              <a:gd name="connsiteX32" fmla="*/ 230019 w 1133238"/>
+              <a:gd name="connsiteY32" fmla="*/ 136272 h 628725"/>
+              <a:gd name="connsiteX33" fmla="*/ 232563 w 1133238"/>
+              <a:gd name="connsiteY33" fmla="*/ 112806 h 628725"/>
+              <a:gd name="connsiteX34" fmla="*/ 260791 w 1133238"/>
+              <a:gd name="connsiteY34" fmla="*/ 74568 h 628725"/>
+              <a:gd name="connsiteX35" fmla="*/ 421321 w 1133238"/>
+              <a:gd name="connsiteY35" fmla="*/ 55778 h 628725"/>
+              <a:gd name="connsiteX36" fmla="*/ 421355 w 1133238"/>
+              <a:gd name="connsiteY36" fmla="*/ 55746 h 628725"/>
+              <a:gd name="connsiteX37" fmla="*/ 453281 w 1133238"/>
+              <a:gd name="connsiteY37" fmla="*/ 27484 h 628725"/>
+              <a:gd name="connsiteX38" fmla="*/ 583171 w 1133238"/>
+              <a:gd name="connsiteY38" fmla="*/ 36270 h 628725"/>
+              <a:gd name="connsiteX39" fmla="*/ 583749 w 1133238"/>
+              <a:gd name="connsiteY39" fmla="*/ 35738 h 628725"/>
+              <a:gd name="connsiteX40" fmla="*/ 609103 w 1133238"/>
+              <a:gd name="connsiteY40" fmla="*/ 12364 h 628725"/>
+              <a:gd name="connsiteX41" fmla="*/ 646239 w 1133238"/>
+              <a:gd name="connsiteY41" fmla="*/ 650 h 628725"/>
+              <a:gd name="connsiteX42" fmla="*/ 689699 w 1133238"/>
+              <a:gd name="connsiteY42" fmla="*/ 4900 h 628725"/>
+              <a:gd name="connsiteX43" fmla="*/ 723447 w 1133238"/>
+              <a:gd name="connsiteY43" fmla="*/ 25184 h 628725"/>
+              <a:gd name="connsiteX44" fmla="*/ 724453 w 1133238"/>
+              <a:gd name="connsiteY44" fmla="*/ 25790 h 628725"/>
+              <a:gd name="connsiteX45" fmla="*/ 803301 w 1133238"/>
+              <a:gd name="connsiteY45" fmla="*/ 356 h 628725"/>
+            </a:gdLst>
+            <a:ahLst/>
+            <a:cxnLst>
+              <a:cxn ang="0">
+                <a:pos x="connsiteX0" y="connsiteY0"/>
+              </a:cxn>
+              <a:cxn ang="0">
+                <a:pos x="connsiteX1" y="connsiteY1"/>
+              </a:cxn>
+              <a:cxn ang="0">
+                <a:pos x="connsiteX2" y="connsiteY2"/>
+              </a:cxn>
+              <a:cxn ang="0">
+                <a:pos x="connsiteX3" y="connsiteY3"/>
+              </a:cxn>
+              <a:cxn ang="0">
+                <a:pos x="connsiteX4" y="connsiteY4"/>
+              </a:cxn>
+              <a:cxn ang="0">
+                <a:pos x="connsiteX5" y="connsiteY5"/>
+              </a:cxn>
+              <a:cxn ang="0">
+                <a:pos x="connsiteX6" y="connsiteY6"/>
+              </a:cxn>
+              <a:cxn ang="0">
+                <a:pos x="connsiteX7" y="connsiteY7"/>
+              </a:cxn>
+              <a:cxn ang="0">
+                <a:pos x="connsiteX8" y="connsiteY8"/>
+              </a:cxn>
+              <a:cxn ang="0">
+                <a:pos x="connsiteX9" y="connsiteY9"/>
+              </a:cxn>
+              <a:cxn ang="0">
+                <a:pos x="connsiteX10" y="connsiteY10"/>
+              </a:cxn>
+              <a:cxn ang="0">
+                <a:pos x="connsiteX11" y="connsiteY11"/>
+              </a:cxn>
+              <a:cxn ang="0">
+                <a:pos x="connsiteX12" y="connsiteY12"/>
+              </a:cxn>
+              <a:cxn ang="0">
+                <a:pos x="connsiteX13" y="connsiteY13"/>
+              </a:cxn>
+              <a:cxn ang="0">
+                <a:pos x="connsiteX14" y="connsiteY14"/>
+              </a:cxn>
+              <a:cxn ang="0">
+                <a:pos x="connsiteX15" y="connsiteY15"/>
+              </a:cxn>
+              <a:cxn ang="0">
+                <a:pos x="connsiteX16" y="connsiteY16"/>
+              </a:cxn>
+              <a:cxn ang="0">
+                <a:pos x="connsiteX17" y="connsiteY17"/>
+              </a:cxn>
+              <a:cxn ang="0">
+                <a:pos x="connsiteX18" y="connsiteY18"/>
+              </a:cxn>
+              <a:cxn ang="0">
+                <a:pos x="connsiteX19" y="connsiteY19"/>
+              </a:cxn>
+              <a:cxn ang="0">
+                <a:pos x="connsiteX20" y="connsiteY20"/>
+              </a:cxn>
+              <a:cxn ang="0">
+                <a:pos x="connsiteX21" y="connsiteY21"/>
+              </a:cxn>
+              <a:cxn ang="0">
+                <a:pos x="connsiteX22" y="connsiteY22"/>
+              </a:cxn>
+              <a:cxn ang="0">
+                <a:pos x="connsiteX23" y="connsiteY23"/>
+              </a:cxn>
+              <a:cxn ang="0">
+                <a:pos x="connsiteX24" y="connsiteY24"/>
+              </a:cxn>
+              <a:cxn ang="0">
+                <a:pos x="connsiteX25" y="connsiteY25"/>
+              </a:cxn>
+              <a:cxn ang="0">
+                <a:pos x="connsiteX26" y="connsiteY26"/>
+              </a:cxn>
+              <a:cxn ang="0">
+                <a:pos x="connsiteX27" y="connsiteY27"/>
+              </a:cxn>
+              <a:cxn ang="0">
+                <a:pos x="connsiteX28" y="connsiteY28"/>
+              </a:cxn>
+              <a:cxn ang="0">
+                <a:pos x="connsiteX29" y="connsiteY29"/>
+              </a:cxn>
+              <a:cxn ang="0">
+                <a:pos x="connsiteX30" y="connsiteY30"/>
+              </a:cxn>
+              <a:cxn ang="0">
+                <a:pos x="connsiteX31" y="connsiteY31"/>
+              </a:cxn>
+              <a:cxn ang="0">
+                <a:pos x="connsiteX32" y="connsiteY32"/>
+              </a:cxn>
+              <a:cxn ang="0">
+                <a:pos x="connsiteX33" y="connsiteY33"/>
+              </a:cxn>
+              <a:cxn ang="0">
+                <a:pos x="connsiteX34" y="connsiteY34"/>
+              </a:cxn>
+              <a:cxn ang="0">
+                <a:pos x="connsiteX35" y="connsiteY35"/>
+              </a:cxn>
+              <a:cxn ang="0">
+                <a:pos x="connsiteX36" y="connsiteY36"/>
+              </a:cxn>
+              <a:cxn ang="0">
+                <a:pos x="connsiteX37" y="connsiteY37"/>
+              </a:cxn>
+              <a:cxn ang="0">
+                <a:pos x="connsiteX38" y="connsiteY38"/>
+              </a:cxn>
+              <a:cxn ang="0">
+                <a:pos x="connsiteX39" y="connsiteY39"/>
+              </a:cxn>
+              <a:cxn ang="0">
+                <a:pos x="connsiteX40" y="connsiteY40"/>
+              </a:cxn>
+              <a:cxn ang="0">
+                <a:pos x="connsiteX41" y="connsiteY41"/>
+              </a:cxn>
+              <a:cxn ang="0">
+                <a:pos x="connsiteX42" y="connsiteY42"/>
+              </a:cxn>
+              <a:cxn ang="0">
+                <a:pos x="connsiteX43" y="connsiteY43"/>
+              </a:cxn>
+              <a:cxn ang="0">
+                <a:pos x="connsiteX44" y="connsiteY44"/>
+              </a:cxn>
+              <a:cxn ang="0">
+                <a:pos x="connsiteX45" y="connsiteY45"/>
+              </a:cxn>
+            </a:cxnLst>
+            <a:rect l="l" t="t" r="r" b="b"/>
+            <a:pathLst>
+              <a:path w="1133238" h="628725">
+                <a:moveTo>
+                  <a:pt x="803301" y="356"/>
+                </a:moveTo>
+                <a:cubicBezTo>
+                  <a:pt x="813103" y="1006"/>
+                  <a:pt x="822885" y="2882"/>
+                  <a:pt x="832277" y="6050"/>
+                </a:cubicBezTo>
+                <a:cubicBezTo>
+                  <a:pt x="860909" y="15706"/>
+                  <a:pt x="881441" y="35918"/>
+                  <a:pt x="886957" y="59900"/>
+                </a:cubicBezTo>
+                <a:lnTo>
+                  <a:pt x="887257" y="60032"/>
+                </a:lnTo>
+                <a:lnTo>
+                  <a:pt x="930431" y="79096"/>
+                </a:lnTo>
+                <a:cubicBezTo>
+                  <a:pt x="942497" y="88080"/>
+                  <a:pt x="951765" y="99378"/>
+                  <a:pt x="957129" y="112162"/>
+                </a:cubicBezTo>
+                <a:lnTo>
+                  <a:pt x="954873" y="152854"/>
+                </a:lnTo>
+                <a:lnTo>
+                  <a:pt x="955701" y="152756"/>
+                </a:lnTo>
+                <a:cubicBezTo>
+                  <a:pt x="965503" y="153406"/>
+                  <a:pt x="975285" y="155282"/>
+                  <a:pt x="984677" y="158450"/>
+                </a:cubicBezTo>
+                <a:cubicBezTo>
+                  <a:pt x="1013309" y="168106"/>
+                  <a:pt x="1033841" y="188318"/>
+                  <a:pt x="1039357" y="212300"/>
+                </a:cubicBezTo>
+                <a:lnTo>
+                  <a:pt x="1039657" y="212432"/>
+                </a:lnTo>
+                <a:lnTo>
+                  <a:pt x="1082831" y="231496"/>
+                </a:lnTo>
+                <a:cubicBezTo>
+                  <a:pt x="1094897" y="240480"/>
+                  <a:pt x="1104165" y="251778"/>
+                  <a:pt x="1109529" y="264562"/>
+                </a:cubicBezTo>
+                <a:cubicBezTo>
+                  <a:pt x="1117323" y="283122"/>
+                  <a:pt x="1116213" y="303280"/>
+                  <a:pt x="1106387" y="321232"/>
+                </a:cubicBezTo>
+                <a:cubicBezTo>
+                  <a:pt x="1130537" y="345854"/>
+                  <a:pt x="1138983" y="377770"/>
+                  <a:pt x="1129331" y="407880"/>
+                </a:cubicBezTo>
+                <a:cubicBezTo>
+                  <a:pt x="1116499" y="447910"/>
+                  <a:pt x="1074021" y="477886"/>
+                  <a:pt x="1021851" y="483728"/>
+                </a:cubicBezTo>
+                <a:cubicBezTo>
+                  <a:pt x="1021603" y="508712"/>
+                  <a:pt x="1007565" y="532408"/>
+                  <a:pt x="983375" y="548720"/>
+                </a:cubicBezTo>
+                <a:cubicBezTo>
+                  <a:pt x="946623" y="573506"/>
+                  <a:pt x="893535" y="576690"/>
+                  <a:pt x="852377" y="556588"/>
+                </a:cubicBezTo>
+                <a:cubicBezTo>
+                  <a:pt x="839067" y="591118"/>
+                  <a:pt x="803425" y="617512"/>
+                  <a:pt x="758765" y="625922"/>
+                </a:cubicBezTo>
+                <a:cubicBezTo>
+                  <a:pt x="706135" y="635830"/>
+                  <a:pt x="651209" y="618946"/>
+                  <a:pt x="621121" y="583600"/>
+                </a:cubicBezTo>
+                <a:cubicBezTo>
+                  <a:pt x="567859" y="608762"/>
+                  <a:pt x="502661" y="604446"/>
+                  <a:pt x="456005" y="576876"/>
+                </a:cubicBezTo>
+                <a:lnTo>
+                  <a:pt x="443893" y="566076"/>
+                </a:lnTo>
+                <a:lnTo>
+                  <a:pt x="414485" y="567966"/>
+                </a:lnTo>
+                <a:cubicBezTo>
+                  <a:pt x="375425" y="565740"/>
+                  <a:pt x="338887" y="549614"/>
+                  <a:pt x="316321" y="523106"/>
+                </a:cubicBezTo>
+                <a:cubicBezTo>
+                  <a:pt x="245305" y="556654"/>
+                  <a:pt x="153071" y="537798"/>
+                  <a:pt x="111857" y="481292"/>
+                </a:cubicBezTo>
+                <a:cubicBezTo>
+                  <a:pt x="71369" y="485006"/>
+                  <a:pt x="33353" y="465334"/>
+                  <a:pt x="21959" y="434760"/>
+                </a:cubicBezTo>
+                <a:cubicBezTo>
+                  <a:pt x="13705" y="412642"/>
+                  <a:pt x="21001" y="388770"/>
+                  <a:pt x="41167" y="371952"/>
+                </a:cubicBezTo>
+                <a:cubicBezTo>
+                  <a:pt x="12555" y="358760"/>
+                  <a:pt x="-3379" y="333444"/>
+                  <a:pt x="605" y="307510"/>
+                </a:cubicBezTo>
+                <a:cubicBezTo>
+                  <a:pt x="5277" y="277148"/>
+                  <a:pt x="36035" y="253364"/>
+                  <a:pt x="74683" y="250234"/>
+                </a:cubicBezTo>
+                <a:cubicBezTo>
+                  <a:pt x="74913" y="249728"/>
+                  <a:pt x="75161" y="249232"/>
+                  <a:pt x="75391" y="248724"/>
+                </a:cubicBezTo>
+                <a:cubicBezTo>
+                  <a:pt x="70201" y="218824"/>
+                  <a:pt x="82305" y="188670"/>
+                  <a:pt x="108391" y="166474"/>
+                </a:cubicBezTo>
+                <a:cubicBezTo>
+                  <a:pt x="139301" y="140180"/>
+                  <a:pt x="184615" y="129212"/>
+                  <a:pt x="227487" y="135530"/>
+                </a:cubicBezTo>
+                <a:lnTo>
+                  <a:pt x="230019" y="136272"/>
+                </a:lnTo>
+                <a:lnTo>
+                  <a:pt x="232563" y="112806"/>
+                </a:lnTo>
+                <a:cubicBezTo>
+                  <a:pt x="238201" y="98756"/>
+                  <a:pt x="247749" y="85668"/>
+                  <a:pt x="260791" y="74568"/>
+                </a:cubicBezTo>
+                <a:cubicBezTo>
+                  <a:pt x="302005" y="39510"/>
+                  <a:pt x="368825" y="31696"/>
+                  <a:pt x="421321" y="55778"/>
+                </a:cubicBezTo>
+                <a:lnTo>
+                  <a:pt x="421355" y="55746"/>
+                </a:lnTo>
+                <a:lnTo>
+                  <a:pt x="453281" y="27484"/>
+                </a:lnTo>
+                <a:cubicBezTo>
+                  <a:pt x="491897" y="6536"/>
+                  <a:pt x="546659" y="8084"/>
+                  <a:pt x="583171" y="36270"/>
+                </a:cubicBezTo>
+                <a:lnTo>
+                  <a:pt x="583749" y="35738"/>
+                </a:lnTo>
+                <a:lnTo>
+                  <a:pt x="609103" y="12364"/>
+                </a:lnTo>
+                <a:cubicBezTo>
+                  <a:pt x="619933" y="6246"/>
+                  <a:pt x="632631" y="2160"/>
+                  <a:pt x="646239" y="650"/>
+                </a:cubicBezTo>
+                <a:cubicBezTo>
+                  <a:pt x="661215" y="-1014"/>
+                  <a:pt x="676181" y="556"/>
+                  <a:pt x="689699" y="4900"/>
+                </a:cubicBezTo>
+                <a:lnTo>
+                  <a:pt x="723447" y="25184"/>
+                </a:lnTo>
+                <a:lnTo>
+                  <a:pt x="724453" y="25790"/>
+                </a:lnTo>
+                <a:cubicBezTo>
+                  <a:pt x="744305" y="7488"/>
+                  <a:pt x="773893" y="-1594"/>
+                  <a:pt x="803301" y="356"/>
+                </a:cubicBezTo>
+                <a:close/>
+              </a:path>
+            </a:pathLst>
+          </a:custGeom>
+          <a:solidFill>
+            <a:srgbClr val="C3D69B"/>
+          </a:solidFill>
+          <a:ln w="25400" cap="flat" cmpd="sng" algn="ctr">
+            <a:solidFill>
+              <a:schemeClr val="tx1"/>
+            </a:solidFill>
+            <a:prstDash val="solid"/>
+          </a:ln>
+          <a:effectLst/>
+        </p:spPr>
+        <p:txBody>
+          <a:bodyPr rtlCol="0" anchor="ctr"/>
+          <a:lstStyle/>
+          <a:p>
+            <a:pPr marL="0" marR="0" lvl="0" indent="0" algn="ctr" defTabSz="5852160" eaLnBrk="1" fontAlgn="auto" latinLnBrk="0" hangingPunct="1">
+              <a:lnSpc>
+                <a:spcPct val="100000"/>
+              </a:lnSpc>
+              <a:spcBef>
+                <a:spcPts val="0"/>
+              </a:spcBef>
+              <a:spcAft>
+                <a:spcPts val="0"/>
+              </a:spcAft>
+              <a:buClrTx/>
+              <a:buSzTx/>
+              <a:buFontTx/>
+              <a:buNone/>
+              <a:tabLst/>
+              <a:defRPr/>
+            </a:pPr>
+            <a:endParaRPr kumimoji="0" lang="en-US" sz="11520" b="0" i="0" u="none" strike="noStrike" kern="0" cap="none" spc="0" normalizeH="0" baseline="0" noProof="0">
+              <a:ln>
+                <a:noFill/>
+              </a:ln>
+              <a:solidFill>
+                <a:prstClr val="white"/>
+              </a:solidFill>
+              <a:effectLst/>
+              <a:uLnTx/>
+              <a:uFillTx/>
+              <a:latin typeface="Calibri"/>
+              <a:ea typeface="+mn-ea"/>
+              <a:cs typeface="+mn-cs"/>
+            </a:endParaRPr>
+          </a:p>
+        </p:txBody>
+      </p:sp>
+      <p:sp>
+        <p:nvSpPr>
+          <p:cNvPr id="16" name="Oval 15">
+            <a:extLst>
+              <a:ext uri="{FF2B5EF4-FFF2-40B4-BE49-F238E27FC236}">
+                <a16:creationId xmlns:a16="http://schemas.microsoft.com/office/drawing/2014/main" id="{EE76BA16-0CB0-4806-A606-350E60712C0B}"/>
+              </a:ext>
+            </a:extLst>
+          </p:cNvPr>
+          <p:cNvSpPr/>
+          <p:nvPr/>
+        </p:nvSpPr>
+        <p:spPr>
+          <a:xfrm>
+            <a:off x="736600" y="228600"/>
+            <a:ext cx="63500" cy="63500"/>
+          </a:xfrm>
+          <a:prstGeom prst="ellipse">
+            <a:avLst/>
+          </a:prstGeom>
+          <a:solidFill>
+            <a:schemeClr val="accent6">
+              <a:lumMod val="60000"/>
+              <a:lumOff val="40000"/>
+            </a:schemeClr>
+          </a:solidFill>
+        </p:spPr>
+        <p:style>
+          <a:lnRef idx="2">
+            <a:schemeClr val="accent1">
+              <a:shade val="50000"/>
+            </a:schemeClr>
+          </a:lnRef>
+          <a:fillRef idx="1">
+            <a:schemeClr val="accent1"/>
+          </a:fillRef>
+          <a:effectRef idx="0">
+            <a:schemeClr val="accent1"/>
+          </a:effectRef>
+          <a:fontRef idx="minor">
+            <a:schemeClr val="lt1"/>
+          </a:fontRef>
+        </p:style>
+        <p:txBody>
+          <a:bodyPr rtlCol="0" anchor="ctr"/>
+          <a:lstStyle/>
+          <a:p>
+            <a:pPr algn="ctr"/>
+            <a:endParaRPr lang="en-US"/>
+          </a:p>
+        </p:txBody>
+      </p:sp>
+      <p:sp>
+        <p:nvSpPr>
+          <p:cNvPr id="17" name="Oval 16">
+            <a:extLst>
+              <a:ext uri="{FF2B5EF4-FFF2-40B4-BE49-F238E27FC236}">
+                <a16:creationId xmlns:a16="http://schemas.microsoft.com/office/drawing/2014/main" id="{0607FBBE-6073-4DD0-9078-A6D1C6E47AE8}"/>
+              </a:ext>
+            </a:extLst>
+          </p:cNvPr>
+          <p:cNvSpPr/>
+          <p:nvPr/>
+        </p:nvSpPr>
+        <p:spPr>
+          <a:xfrm>
+            <a:off x="889000" y="393700"/>
+            <a:ext cx="63500" cy="63500"/>
+          </a:xfrm>
+          <a:prstGeom prst="ellipse">
+            <a:avLst/>
+          </a:prstGeom>
+          <a:solidFill>
+            <a:schemeClr val="accent6">
+              <a:lumMod val="60000"/>
+              <a:lumOff val="40000"/>
+            </a:schemeClr>
+          </a:solidFill>
+        </p:spPr>
+        <p:style>
+          <a:lnRef idx="2">
+            <a:schemeClr val="accent1">
+              <a:shade val="50000"/>
+            </a:schemeClr>
+          </a:lnRef>
+          <a:fillRef idx="1">
+            <a:schemeClr val="accent1"/>
+          </a:fillRef>
+          <a:effectRef idx="0">
+            <a:schemeClr val="accent1"/>
+          </a:effectRef>
+          <a:fontRef idx="minor">
+            <a:schemeClr val="lt1"/>
+          </a:fontRef>
+        </p:style>
+        <p:txBody>
+          <a:bodyPr rtlCol="0" anchor="ctr"/>
+          <a:lstStyle/>
+          <a:p>
+            <a:pPr algn="ctr"/>
+            <a:endParaRPr lang="en-US"/>
+          </a:p>
+        </p:txBody>
+      </p:sp>
+      <p:sp>
+        <p:nvSpPr>
+          <p:cNvPr id="18" name="Oval 17">
+            <a:extLst>
+              <a:ext uri="{FF2B5EF4-FFF2-40B4-BE49-F238E27FC236}">
+                <a16:creationId xmlns:a16="http://schemas.microsoft.com/office/drawing/2014/main" id="{A1491962-80C1-42E9-808C-E6AAB0FA24A7}"/>
+              </a:ext>
+            </a:extLst>
+          </p:cNvPr>
+          <p:cNvSpPr/>
+          <p:nvPr/>
+        </p:nvSpPr>
+        <p:spPr>
+          <a:xfrm>
+            <a:off x="304800" y="381000"/>
+            <a:ext cx="63500" cy="63500"/>
+          </a:xfrm>
+          <a:prstGeom prst="ellipse">
+            <a:avLst/>
+          </a:prstGeom>
+          <a:solidFill>
+            <a:schemeClr val="accent6">
+              <a:lumMod val="60000"/>
+              <a:lumOff val="40000"/>
+            </a:schemeClr>
+          </a:solidFill>
+        </p:spPr>
+        <p:style>
+          <a:lnRef idx="2">
+            <a:schemeClr val="accent1">
+              <a:shade val="50000"/>
+            </a:schemeClr>
+          </a:lnRef>
+          <a:fillRef idx="1">
+            <a:schemeClr val="accent1"/>
+          </a:fillRef>
+          <a:effectRef idx="0">
+            <a:schemeClr val="accent1"/>
+          </a:effectRef>
+          <a:fontRef idx="minor">
+            <a:schemeClr val="lt1"/>
+          </a:fontRef>
+        </p:style>
+        <p:txBody>
+          <a:bodyPr rtlCol="0" anchor="ctr"/>
+          <a:lstStyle/>
+          <a:p>
+            <a:pPr algn="ctr"/>
+            <a:endParaRPr lang="en-US"/>
+          </a:p>
+        </p:txBody>
+      </p:sp>
+      <p:sp>
+        <p:nvSpPr>
+          <p:cNvPr id="19" name="Oval 18">
+            <a:extLst>
+              <a:ext uri="{FF2B5EF4-FFF2-40B4-BE49-F238E27FC236}">
+                <a16:creationId xmlns:a16="http://schemas.microsoft.com/office/drawing/2014/main" id="{6C6C89E8-1080-4944-9845-D6810340043C}"/>
+              </a:ext>
+            </a:extLst>
+          </p:cNvPr>
+          <p:cNvSpPr/>
+          <p:nvPr/>
+        </p:nvSpPr>
+        <p:spPr>
+          <a:xfrm>
+            <a:off x="584200" y="406400"/>
+            <a:ext cx="63500" cy="63500"/>
+          </a:xfrm>
+          <a:prstGeom prst="ellipse">
+            <a:avLst/>
+          </a:prstGeom>
+          <a:solidFill>
+            <a:schemeClr val="accent6">
+              <a:lumMod val="60000"/>
+              <a:lumOff val="40000"/>
+            </a:schemeClr>
+          </a:solidFill>
+        </p:spPr>
+        <p:style>
+          <a:lnRef idx="2">
+            <a:schemeClr val="accent1">
+              <a:shade val="50000"/>
+            </a:schemeClr>
+          </a:lnRef>
+          <a:fillRef idx="1">
+            <a:schemeClr val="accent1"/>
+          </a:fillRef>
+          <a:effectRef idx="0">
+            <a:schemeClr val="accent1"/>
+          </a:effectRef>
+          <a:fontRef idx="minor">
+            <a:schemeClr val="lt1"/>
+          </a:fontRef>
+        </p:style>
+        <p:txBody>
+          <a:bodyPr rtlCol="0" anchor="ctr"/>
+          <a:lstStyle/>
+          <a:p>
+            <a:pPr algn="ctr"/>
+            <a:endParaRPr lang="en-US"/>
+          </a:p>
+        </p:txBody>
+      </p:sp>
+      <p:sp>
+        <p:nvSpPr>
+          <p:cNvPr id="20" name="Oval 19">
+            <a:extLst>
+              <a:ext uri="{FF2B5EF4-FFF2-40B4-BE49-F238E27FC236}">
+                <a16:creationId xmlns:a16="http://schemas.microsoft.com/office/drawing/2014/main" id="{AB6858AE-B74F-4B98-9B12-4272B2EA03B5}"/>
+              </a:ext>
+            </a:extLst>
+          </p:cNvPr>
+          <p:cNvSpPr/>
+          <p:nvPr/>
+        </p:nvSpPr>
+        <p:spPr>
+          <a:xfrm>
+            <a:off x="1092200" y="431800"/>
+            <a:ext cx="63500" cy="63500"/>
+          </a:xfrm>
+          <a:prstGeom prst="ellipse">
+            <a:avLst/>
+          </a:prstGeom>
+          <a:solidFill>
+            <a:schemeClr val="accent6">
+              <a:lumMod val="60000"/>
+              <a:lumOff val="40000"/>
+            </a:schemeClr>
+          </a:solidFill>
+        </p:spPr>
+        <p:style>
+          <a:lnRef idx="2">
+            <a:schemeClr val="accent1">
+              <a:shade val="50000"/>
+            </a:schemeClr>
+          </a:lnRef>
+          <a:fillRef idx="1">
+            <a:schemeClr val="accent1"/>
+          </a:fillRef>
+          <a:effectRef idx="0">
+            <a:schemeClr val="accent1"/>
+          </a:effectRef>
+          <a:fontRef idx="minor">
+            <a:schemeClr val="lt1"/>
+          </a:fontRef>
+        </p:style>
+        <p:txBody>
+          <a:bodyPr rtlCol="0" anchor="ctr"/>
+          <a:lstStyle/>
+          <a:p>
+            <a:pPr algn="ctr"/>
+            <a:endParaRPr lang="en-US"/>
+          </a:p>
+        </p:txBody>
+      </p:sp>
+      <p:sp>
+        <p:nvSpPr>
+          <p:cNvPr id="21" name="Oval 20">
+            <a:extLst>
+              <a:ext uri="{FF2B5EF4-FFF2-40B4-BE49-F238E27FC236}">
+                <a16:creationId xmlns:a16="http://schemas.microsoft.com/office/drawing/2014/main" id="{7A654AA6-7E0A-4C50-A3C3-C045D6700C70}"/>
+              </a:ext>
+            </a:extLst>
+          </p:cNvPr>
+          <p:cNvSpPr/>
+          <p:nvPr/>
+        </p:nvSpPr>
+        <p:spPr>
+          <a:xfrm>
+            <a:off x="965200" y="254000"/>
+            <a:ext cx="63500" cy="63500"/>
+          </a:xfrm>
+          <a:prstGeom prst="ellipse">
+            <a:avLst/>
+          </a:prstGeom>
+          <a:solidFill>
+            <a:schemeClr val="accent6">
+              <a:lumMod val="60000"/>
+              <a:lumOff val="40000"/>
+            </a:schemeClr>
+          </a:solidFill>
+        </p:spPr>
+        <p:style>
+          <a:lnRef idx="2">
+            <a:schemeClr val="accent1">
+              <a:shade val="50000"/>
+            </a:schemeClr>
+          </a:lnRef>
+          <a:fillRef idx="1">
+            <a:schemeClr val="accent1"/>
+          </a:fillRef>
+          <a:effectRef idx="0">
+            <a:schemeClr val="accent1"/>
+          </a:effectRef>
+          <a:fontRef idx="minor">
+            <a:schemeClr val="lt1"/>
+          </a:fontRef>
+        </p:style>
+        <p:txBody>
+          <a:bodyPr rtlCol="0" anchor="ctr"/>
+          <a:lstStyle/>
+          <a:p>
+            <a:pPr algn="ctr"/>
+            <a:endParaRPr lang="en-US"/>
+          </a:p>
+        </p:txBody>
+      </p:sp>
+      <p:sp>
+        <p:nvSpPr>
+          <p:cNvPr id="22" name="Oval 21">
+            <a:extLst>
+              <a:ext uri="{FF2B5EF4-FFF2-40B4-BE49-F238E27FC236}">
+                <a16:creationId xmlns:a16="http://schemas.microsoft.com/office/drawing/2014/main" id="{18161A94-401A-41A0-B18F-50084CAAE33D}"/>
+              </a:ext>
+            </a:extLst>
+          </p:cNvPr>
+          <p:cNvSpPr/>
+          <p:nvPr/>
+        </p:nvSpPr>
+        <p:spPr>
+          <a:xfrm>
+            <a:off x="825500" y="584200"/>
+            <a:ext cx="63500" cy="63500"/>
+          </a:xfrm>
+          <a:prstGeom prst="ellipse">
+            <a:avLst/>
+          </a:prstGeom>
+          <a:solidFill>
+            <a:schemeClr val="accent6">
+              <a:lumMod val="60000"/>
+              <a:lumOff val="40000"/>
+            </a:schemeClr>
+          </a:solidFill>
+        </p:spPr>
+        <p:style>
+          <a:lnRef idx="2">
+            <a:schemeClr val="accent1">
+              <a:shade val="50000"/>
+            </a:schemeClr>
+          </a:lnRef>
+          <a:fillRef idx="1">
+            <a:schemeClr val="accent1"/>
+          </a:fillRef>
+          <a:effectRef idx="0">
+            <a:schemeClr val="accent1"/>
+          </a:effectRef>
+          <a:fontRef idx="minor">
+            <a:schemeClr val="lt1"/>
+          </a:fontRef>
+        </p:style>
+        <p:txBody>
+          <a:bodyPr rtlCol="0" anchor="ctr"/>
+          <a:lstStyle/>
+          <a:p>
+            <a:pPr algn="ctr"/>
+            <a:endParaRPr lang="en-US"/>
+          </a:p>
+        </p:txBody>
+      </p:sp>
+      <p:sp>
+        <p:nvSpPr>
+          <p:cNvPr id="23" name="Oval 22">
+            <a:extLst>
+              <a:ext uri="{FF2B5EF4-FFF2-40B4-BE49-F238E27FC236}">
+                <a16:creationId xmlns:a16="http://schemas.microsoft.com/office/drawing/2014/main" id="{BA243203-D071-41FE-9E4A-5B366E78F616}"/>
+              </a:ext>
+            </a:extLst>
+          </p:cNvPr>
+          <p:cNvSpPr/>
+          <p:nvPr/>
+        </p:nvSpPr>
+        <p:spPr>
+          <a:xfrm>
+            <a:off x="368300" y="495300"/>
+            <a:ext cx="63500" cy="63500"/>
+          </a:xfrm>
+          <a:prstGeom prst="ellipse">
+            <a:avLst/>
+          </a:prstGeom>
+          <a:solidFill>
+            <a:schemeClr val="accent6">
+              <a:lumMod val="60000"/>
+              <a:lumOff val="40000"/>
+            </a:schemeClr>
+          </a:solidFill>
+        </p:spPr>
+        <p:style>
+          <a:lnRef idx="2">
+            <a:schemeClr val="accent1">
+              <a:shade val="50000"/>
+            </a:schemeClr>
+          </a:lnRef>
+          <a:fillRef idx="1">
+            <a:schemeClr val="accent1"/>
+          </a:fillRef>
+          <a:effectRef idx="0">
+            <a:schemeClr val="accent1"/>
+          </a:effectRef>
+          <a:fontRef idx="minor">
+            <a:schemeClr val="lt1"/>
+          </a:fontRef>
+        </p:style>
+        <p:txBody>
+          <a:bodyPr rtlCol="0" anchor="ctr"/>
+          <a:lstStyle/>
+          <a:p>
+            <a:pPr algn="ctr"/>
+            <a:endParaRPr lang="en-US"/>
+          </a:p>
+        </p:txBody>
+      </p:sp>
+      <p:sp>
+        <p:nvSpPr>
+          <p:cNvPr id="24" name="Oval 23">
+            <a:extLst>
+              <a:ext uri="{FF2B5EF4-FFF2-40B4-BE49-F238E27FC236}">
+                <a16:creationId xmlns:a16="http://schemas.microsoft.com/office/drawing/2014/main" id="{F255977F-00D2-40B7-904C-7649E03A3CF4}"/>
+              </a:ext>
+            </a:extLst>
+          </p:cNvPr>
+          <p:cNvSpPr/>
+          <p:nvPr/>
+        </p:nvSpPr>
+        <p:spPr>
+          <a:xfrm>
+            <a:off x="469900" y="292100"/>
+            <a:ext cx="63500" cy="63500"/>
+          </a:xfrm>
+          <a:prstGeom prst="ellipse">
+            <a:avLst/>
+          </a:prstGeom>
+          <a:solidFill>
+            <a:schemeClr val="accent6">
+              <a:lumMod val="60000"/>
+              <a:lumOff val="40000"/>
+            </a:schemeClr>
+          </a:solidFill>
+        </p:spPr>
+        <p:style>
+          <a:lnRef idx="2">
+            <a:schemeClr val="accent1">
+              <a:shade val="50000"/>
+            </a:schemeClr>
+          </a:lnRef>
+          <a:fillRef idx="1">
+            <a:schemeClr val="accent1"/>
+          </a:fillRef>
+          <a:effectRef idx="0">
+            <a:schemeClr val="accent1"/>
+          </a:effectRef>
+          <a:fontRef idx="minor">
+            <a:schemeClr val="lt1"/>
+          </a:fontRef>
+        </p:style>
+        <p:txBody>
+          <a:bodyPr rtlCol="0" anchor="ctr"/>
+          <a:lstStyle/>
+          <a:p>
+            <a:pPr algn="ctr"/>
+            <a:endParaRPr lang="en-US"/>
+          </a:p>
+        </p:txBody>
+      </p:sp>
+      <p:sp>
+        <p:nvSpPr>
+          <p:cNvPr id="25" name="Oval 24">
+            <a:extLst>
+              <a:ext uri="{FF2B5EF4-FFF2-40B4-BE49-F238E27FC236}">
+                <a16:creationId xmlns:a16="http://schemas.microsoft.com/office/drawing/2014/main" id="{2EB51BA0-58F6-4776-9ECB-626586DC0871}"/>
+              </a:ext>
+            </a:extLst>
+          </p:cNvPr>
+          <p:cNvSpPr/>
+          <p:nvPr/>
+        </p:nvSpPr>
+        <p:spPr>
+          <a:xfrm>
+            <a:off x="635000" y="546100"/>
+            <a:ext cx="63500" cy="63500"/>
+          </a:xfrm>
+          <a:prstGeom prst="ellipse">
+            <a:avLst/>
+          </a:prstGeom>
+          <a:solidFill>
+            <a:schemeClr val="accent6">
+              <a:lumMod val="60000"/>
+              <a:lumOff val="40000"/>
+            </a:schemeClr>
+          </a:solidFill>
+        </p:spPr>
+        <p:style>
+          <a:lnRef idx="2">
+            <a:schemeClr val="accent1">
+              <a:shade val="50000"/>
+            </a:schemeClr>
+          </a:lnRef>
+          <a:fillRef idx="1">
+            <a:schemeClr val="accent1"/>
+          </a:fillRef>
+          <a:effectRef idx="0">
+            <a:schemeClr val="accent1"/>
+          </a:effectRef>
+          <a:fontRef idx="minor">
+            <a:schemeClr val="lt1"/>
+          </a:fontRef>
+        </p:style>
+        <p:txBody>
+          <a:bodyPr rtlCol="0" anchor="ctr"/>
+          <a:lstStyle/>
+          <a:p>
+            <a:pPr algn="ctr"/>
+            <a:endParaRPr lang="en-US"/>
+          </a:p>
+        </p:txBody>
+      </p:sp>
+    </p:spTree>
+    <p:extLst>
+      <p:ext uri="{BB962C8B-B14F-4D97-AF65-F5344CB8AC3E}">
+        <p14:creationId xmlns:p14="http://schemas.microsoft.com/office/powerpoint/2010/main" val="3085769495"/>
+      </p:ext>
+    </p:extLst>
+  </p:cSld>
+  <p:clrMapOvr>
+    <a:masterClrMapping/>
+  </p:clrMapOvr>
+</p:sld>
+</file>
+
+<file path=ppt/slides/slide6.xml><?xml version="1.0" encoding="utf-8"?>
+<p:sld xmlns:a="http://schemas.openxmlformats.org/drawingml/2006/main" xmlns:r="http://schemas.openxmlformats.org/officeDocument/2006/relationships" xmlns:p="http://schemas.openxmlformats.org/presentationml/2006/main">
+  <p:cSld>
+    <p:spTree>
+      <p:nvGrpSpPr>
+        <p:cNvPr id="1" name=""/>
+        <p:cNvGrpSpPr/>
+        <p:nvPr/>
+      </p:nvGrpSpPr>
+      <p:grpSpPr>
+        <a:xfrm>
+          <a:off x="0" y="0"/>
+          <a:ext cx="0" cy="0"/>
+          <a:chOff x="0" y="0"/>
+          <a:chExt cx="0" cy="0"/>
+        </a:xfrm>
+      </p:grpSpPr>
+      <p:sp>
+        <p:nvSpPr>
+          <p:cNvPr id="3" name="Cloud 2">
+            <a:extLst>
+              <a:ext uri="{FF2B5EF4-FFF2-40B4-BE49-F238E27FC236}">
+                <a16:creationId xmlns:a16="http://schemas.microsoft.com/office/drawing/2014/main" id="{54088BD8-CF8F-46B2-A6F4-AA6BE13066BA}"/>
+              </a:ext>
+            </a:extLst>
+          </p:cNvPr>
+          <p:cNvSpPr/>
+          <p:nvPr/>
+        </p:nvSpPr>
+        <p:spPr>
+          <a:xfrm>
+            <a:off x="43032" y="43032"/>
+            <a:ext cx="1034310" cy="1185837"/>
+          </a:xfrm>
+          <a:prstGeom prst="cloud">
+            <a:avLst/>
+          </a:prstGeom>
+          <a:solidFill>
+            <a:srgbClr val="C0504D">
+              <a:lumMod val="40000"/>
+              <a:lumOff val="60000"/>
+            </a:srgbClr>
+          </a:solidFill>
+          <a:ln w="25400" cap="flat" cmpd="sng" algn="ctr">
+            <a:solidFill>
+              <a:sysClr val="windowText" lastClr="000000"/>
+            </a:solidFill>
+            <a:prstDash val="solid"/>
+          </a:ln>
+          <a:effectLst/>
+        </p:spPr>
+        <p:txBody>
+          <a:bodyPr rtlCol="0" anchor="ctr"/>
+          <a:lstStyle/>
+          <a:p>
+            <a:pPr marL="0" marR="0" lvl="0" indent="0" algn="ctr" defTabSz="5852160" eaLnBrk="1" fontAlgn="auto" latinLnBrk="0" hangingPunct="1">
+              <a:lnSpc>
+                <a:spcPct val="100000"/>
+              </a:lnSpc>
+              <a:spcBef>
+                <a:spcPts val="0"/>
+              </a:spcBef>
+              <a:spcAft>
+                <a:spcPts val="0"/>
+              </a:spcAft>
+              <a:buClrTx/>
+              <a:buSzTx/>
+              <a:buFontTx/>
+              <a:buNone/>
+              <a:tabLst/>
+              <a:defRPr/>
+            </a:pPr>
+            <a:endParaRPr kumimoji="0" lang="en-US" sz="11520" b="0" i="0" u="none" strike="noStrike" kern="0" cap="none" spc="0" normalizeH="0" baseline="0" noProof="0">
+              <a:ln>
+                <a:noFill/>
+              </a:ln>
+              <a:solidFill>
+                <a:prstClr val="white"/>
+              </a:solidFill>
+              <a:effectLst/>
+              <a:uLnTx/>
+              <a:uFillTx/>
+              <a:latin typeface="Calibri"/>
+              <a:ea typeface="+mn-ea"/>
+              <a:cs typeface="+mn-cs"/>
+            </a:endParaRPr>
+          </a:p>
+        </p:txBody>
+      </p:sp>
+    </p:spTree>
+    <p:extLst>
+      <p:ext uri="{BB962C8B-B14F-4D97-AF65-F5344CB8AC3E}">
+        <p14:creationId xmlns:p14="http://schemas.microsoft.com/office/powerpoint/2010/main" val="741368661"/>
+      </p:ext>
+    </p:extLst>
+  </p:cSld>
+  <p:clrMapOvr>
+    <a:masterClrMapping/>
+  </p:clrMapOvr>
+</p:sld>
+</file>
+
+<file path=ppt/slides/slide7.xml><?xml version="1.0" encoding="utf-8"?>
+<p:sld xmlns:a="http://schemas.openxmlformats.org/drawingml/2006/main" xmlns:r="http://schemas.openxmlformats.org/officeDocument/2006/relationships" xmlns:p="http://schemas.openxmlformats.org/presentationml/2006/main">
+  <p:cSld>
+    <p:spTree>
+      <p:nvGrpSpPr>
+        <p:cNvPr id="1" name=""/>
+        <p:cNvGrpSpPr/>
+        <p:nvPr/>
+      </p:nvGrpSpPr>
+      <p:grpSpPr>
+        <a:xfrm>
+          <a:off x="0" y="0"/>
+          <a:ext cx="0" cy="0"/>
+          <a:chOff x="0" y="0"/>
+          <a:chExt cx="0" cy="0"/>
+        </a:xfrm>
+      </p:grpSpPr>
+      <p:sp>
+        <p:nvSpPr>
+          <p:cNvPr id="3" name="Cloud 2">
+            <a:extLst>
+              <a:ext uri="{FF2B5EF4-FFF2-40B4-BE49-F238E27FC236}">
+                <a16:creationId xmlns:a16="http://schemas.microsoft.com/office/drawing/2014/main" id="{54088BD8-CF8F-46B2-A6F4-AA6BE13066BA}"/>
+              </a:ext>
+            </a:extLst>
+          </p:cNvPr>
+          <p:cNvSpPr/>
+          <p:nvPr/>
+        </p:nvSpPr>
+        <p:spPr>
+          <a:xfrm>
+            <a:off x="43032" y="43032"/>
+            <a:ext cx="741258" cy="849853"/>
+          </a:xfrm>
+          <a:prstGeom prst="cloud">
+            <a:avLst/>
+          </a:prstGeom>
+          <a:solidFill>
+            <a:srgbClr val="C0504D">
+              <a:lumMod val="40000"/>
+              <a:lumOff val="60000"/>
+            </a:srgbClr>
+          </a:solidFill>
+          <a:ln w="25400" cap="flat" cmpd="sng" algn="ctr">
+            <a:solidFill>
+              <a:sysClr val="windowText" lastClr="000000"/>
+            </a:solidFill>
+            <a:prstDash val="solid"/>
+          </a:ln>
+          <a:effectLst/>
+        </p:spPr>
+        <p:txBody>
+          <a:bodyPr rtlCol="0" anchor="ctr"/>
+          <a:lstStyle/>
+          <a:p>
+            <a:pPr marL="0" marR="0" lvl="0" indent="0" algn="ctr" defTabSz="5852160" eaLnBrk="1" fontAlgn="auto" latinLnBrk="0" hangingPunct="1">
+              <a:lnSpc>
+                <a:spcPct val="100000"/>
+              </a:lnSpc>
+              <a:spcBef>
+                <a:spcPts val="0"/>
+              </a:spcBef>
+              <a:spcAft>
+                <a:spcPts val="0"/>
+              </a:spcAft>
+              <a:buClrTx/>
+              <a:buSzTx/>
+              <a:buFontTx/>
+              <a:buNone/>
+              <a:tabLst/>
+              <a:defRPr/>
+            </a:pPr>
+            <a:endParaRPr kumimoji="0" lang="en-US" sz="11520" b="0" i="0" u="none" strike="noStrike" kern="0" cap="none" spc="0" normalizeH="0" baseline="0" noProof="0">
+              <a:ln>
+                <a:noFill/>
+              </a:ln>
+              <a:solidFill>
+                <a:prstClr val="white"/>
+              </a:solidFill>
+              <a:effectLst/>
+              <a:uLnTx/>
+              <a:uFillTx/>
+              <a:latin typeface="Calibri"/>
+              <a:ea typeface="+mn-ea"/>
+              <a:cs typeface="+mn-cs"/>
+            </a:endParaRPr>
+          </a:p>
+        </p:txBody>
+      </p:sp>
+    </p:spTree>
+    <p:extLst>
+      <p:ext uri="{BB962C8B-B14F-4D97-AF65-F5344CB8AC3E}">
+        <p14:creationId xmlns:p14="http://schemas.microsoft.com/office/powerpoint/2010/main" val="2716591964"/>
+      </p:ext>
+    </p:extLst>
+  </p:cSld>
+  <p:clrMapOvr>
+    <a:masterClrMapping/>
+  </p:clrMapOvr>
+</p:sld>
+</file>
+
+<file path=ppt/slides/slide8.xml><?xml version="1.0" encoding="utf-8"?>
+<p:sld xmlns:a="http://schemas.openxmlformats.org/drawingml/2006/main" xmlns:r="http://schemas.openxmlformats.org/officeDocument/2006/relationships" xmlns:p="http://schemas.openxmlformats.org/presentationml/2006/main">
+  <p:cSld>
+    <p:spTree>
+      <p:nvGrpSpPr>
+        <p:cNvPr id="1" name=""/>
+        <p:cNvGrpSpPr/>
+        <p:nvPr/>
+      </p:nvGrpSpPr>
+      <p:grpSpPr>
+        <a:xfrm>
+          <a:off x="0" y="0"/>
+          <a:ext cx="0" cy="0"/>
+          <a:chOff x="0" y="0"/>
+          <a:chExt cx="0" cy="0"/>
+        </a:xfrm>
+      </p:grpSpPr>
+      <p:sp>
+        <p:nvSpPr>
+          <p:cNvPr id="3" name="Cloud 2">
+            <a:extLst>
+              <a:ext uri="{FF2B5EF4-FFF2-40B4-BE49-F238E27FC236}">
+                <a16:creationId xmlns:a16="http://schemas.microsoft.com/office/drawing/2014/main" id="{54088BD8-CF8F-46B2-A6F4-AA6BE13066BA}"/>
+              </a:ext>
+            </a:extLst>
+          </p:cNvPr>
+          <p:cNvSpPr/>
+          <p:nvPr/>
+        </p:nvSpPr>
+        <p:spPr>
+          <a:xfrm>
+            <a:off x="43032" y="43032"/>
+            <a:ext cx="412852" cy="473335"/>
+          </a:xfrm>
+          <a:prstGeom prst="cloud">
+            <a:avLst/>
+          </a:prstGeom>
+          <a:solidFill>
+            <a:srgbClr val="C0504D">
+              <a:lumMod val="40000"/>
+              <a:lumOff val="60000"/>
+            </a:srgbClr>
+          </a:solidFill>
+          <a:ln w="25400" cap="flat" cmpd="sng" algn="ctr">
+            <a:solidFill>
+              <a:sysClr val="windowText" lastClr="000000"/>
+            </a:solidFill>
+            <a:prstDash val="solid"/>
+          </a:ln>
+          <a:effectLst/>
+        </p:spPr>
+        <p:txBody>
+          <a:bodyPr rtlCol="0" anchor="ctr"/>
+          <a:lstStyle/>
+          <a:p>
+            <a:pPr marL="0" marR="0" lvl="0" indent="0" algn="ctr" defTabSz="5852160" eaLnBrk="1" fontAlgn="auto" latinLnBrk="0" hangingPunct="1">
+              <a:lnSpc>
+                <a:spcPct val="100000"/>
+              </a:lnSpc>
+              <a:spcBef>
+                <a:spcPts val="0"/>
+              </a:spcBef>
+              <a:spcAft>
+                <a:spcPts val="0"/>
+              </a:spcAft>
+              <a:buClrTx/>
+              <a:buSzTx/>
+              <a:buFontTx/>
+              <a:buNone/>
+              <a:tabLst/>
+              <a:defRPr/>
+            </a:pPr>
+            <a:endParaRPr kumimoji="0" lang="en-US" sz="11520" b="0" i="0" u="none" strike="noStrike" kern="0" cap="none" spc="0" normalizeH="0" baseline="0" noProof="0">
+              <a:ln>
+                <a:noFill/>
+              </a:ln>
+              <a:solidFill>
+                <a:prstClr val="white"/>
+              </a:solidFill>
+              <a:effectLst/>
+              <a:uLnTx/>
+              <a:uFillTx/>
+              <a:latin typeface="Calibri"/>
+              <a:ea typeface="+mn-ea"/>
+              <a:cs typeface="+mn-cs"/>
+            </a:endParaRPr>
+          </a:p>
+        </p:txBody>
+      </p:sp>
+    </p:spTree>
+    <p:extLst>
+      <p:ext uri="{BB962C8B-B14F-4D97-AF65-F5344CB8AC3E}">
+        <p14:creationId xmlns:p14="http://schemas.microsoft.com/office/powerpoint/2010/main" val="827732140"/>
+      </p:ext>
+    </p:extLst>
+  </p:cSld>
+  <p:clrMapOvr>
+    <a:masterClrMapping/>
+  </p:clrMapOvr>
+</p:sld>
+</file>
+
+<file path=ppt/slides/slide9.xml><?xml version="1.0" encoding="utf-8"?>
+<p:sld xmlns:a="http://schemas.openxmlformats.org/drawingml/2006/main" xmlns:r="http://schemas.openxmlformats.org/officeDocument/2006/relationships" xmlns:p="http://schemas.openxmlformats.org/presentationml/2006/main">
+  <p:cSld>
+    <p:spTree>
+      <p:nvGrpSpPr>
+        <p:cNvPr id="1" name=""/>
+        <p:cNvGrpSpPr/>
+        <p:nvPr/>
+      </p:nvGrpSpPr>
+      <p:grpSpPr>
+        <a:xfrm>
+          <a:off x="0" y="0"/>
+          <a:ext cx="0" cy="0"/>
+          <a:chOff x="0" y="0"/>
+          <a:chExt cx="0" cy="0"/>
+        </a:xfrm>
+      </p:grpSpPr>
+      <p:grpSp>
+        <p:nvGrpSpPr>
+          <p:cNvPr id="20" name="Group 19">
+            <a:extLst>
+              <a:ext uri="{FF2B5EF4-FFF2-40B4-BE49-F238E27FC236}">
+                <a16:creationId xmlns:a16="http://schemas.microsoft.com/office/drawing/2014/main" id="{835BC9B2-593F-4A8E-8EBA-F3D7FC65B22F}"/>
+              </a:ext>
+            </a:extLst>
+          </p:cNvPr>
+          <p:cNvGrpSpPr/>
+          <p:nvPr/>
+        </p:nvGrpSpPr>
+        <p:grpSpPr>
+          <a:xfrm>
+            <a:off x="38100" y="38100"/>
+            <a:ext cx="3614460" cy="3937001"/>
+            <a:chOff x="5643840" y="1117599"/>
+            <a:chExt cx="3614460" cy="3937001"/>
+          </a:xfrm>
+        </p:grpSpPr>
+        <p:sp>
+          <p:nvSpPr>
+            <p:cNvPr id="3" name="Oval 2">
+              <a:extLst>
+                <a:ext uri="{FF2B5EF4-FFF2-40B4-BE49-F238E27FC236}">
+                  <a16:creationId xmlns:a16="http://schemas.microsoft.com/office/drawing/2014/main" id="{B3EDC197-5472-49A5-8111-074DD9348F68}"/>
+                </a:ext>
+              </a:extLst>
+            </p:cNvPr>
+            <p:cNvSpPr/>
+            <p:nvPr/>
+          </p:nvSpPr>
+          <p:spPr>
+            <a:xfrm>
+              <a:off x="6992702" y="2546350"/>
+              <a:ext cx="1206500" cy="1206500"/>
+            </a:xfrm>
+            <a:prstGeom prst="ellipse">
+              <a:avLst/>
+            </a:prstGeom>
+            <a:solidFill>
+              <a:srgbClr val="674E3B"/>
+            </a:solidFill>
+            <a:ln>
+              <a:solidFill>
+                <a:schemeClr val="tx1"/>
+              </a:solidFill>
+            </a:ln>
+          </p:spPr>
+          <p:style>
+            <a:lnRef idx="2">
+              <a:schemeClr val="accent1">
+                <a:shade val="50000"/>
+              </a:schemeClr>
+            </a:lnRef>
+            <a:fillRef idx="1">
+              <a:schemeClr val="accent1"/>
+            </a:fillRef>
+            <a:effectRef idx="0">
+              <a:schemeClr val="accent1"/>
+            </a:effectRef>
+            <a:fontRef idx="minor">
+              <a:schemeClr val="lt1"/>
+            </a:fontRef>
+          </p:style>
+          <p:txBody>
+            <a:bodyPr rtlCol="0" anchor="ctr"/>
+            <a:lstStyle/>
+            <a:p>
+              <a:pPr algn="ctr"/>
+              <a:endParaRPr lang="en-US"/>
+            </a:p>
+          </p:txBody>
+        </p:sp>
+        <p:sp>
+          <p:nvSpPr>
+            <p:cNvPr id="13" name="Freeform: Shape 12">
+              <a:extLst>
+                <a:ext uri="{FF2B5EF4-FFF2-40B4-BE49-F238E27FC236}">
+                  <a16:creationId xmlns:a16="http://schemas.microsoft.com/office/drawing/2014/main" id="{CB85DA86-DAFF-40C3-85CD-381B5E446409}"/>
+                </a:ext>
+              </a:extLst>
+            </p:cNvPr>
+            <p:cNvSpPr/>
+            <p:nvPr/>
+          </p:nvSpPr>
+          <p:spPr>
+            <a:xfrm rot="21090640">
+              <a:off x="6521298" y="3455959"/>
+              <a:ext cx="1182611" cy="1477973"/>
+            </a:xfrm>
+            <a:custGeom>
+              <a:avLst/>
+              <a:gdLst>
+                <a:gd name="connsiteX0" fmla="*/ 974050 w 987405"/>
+                <a:gd name="connsiteY0" fmla="*/ 37228 h 1170790"/>
+                <a:gd name="connsiteX1" fmla="*/ 985561 w 987405"/>
+                <a:gd name="connsiteY1" fmla="*/ 66431 h 1170790"/>
+                <a:gd name="connsiteX2" fmla="*/ 798107 w 987405"/>
+                <a:gd name="connsiteY2" fmla="*/ 497797 h 1170790"/>
+                <a:gd name="connsiteX3" fmla="*/ 847121 w 987405"/>
+                <a:gd name="connsiteY3" fmla="*/ 1149572 h 1170790"/>
+                <a:gd name="connsiteX4" fmla="*/ 832890 w 987405"/>
+                <a:gd name="connsiteY4" fmla="*/ 1166118 h 1170790"/>
+                <a:gd name="connsiteX5" fmla="*/ 771340 w 987405"/>
+                <a:gd name="connsiteY5" fmla="*/ 1170746 h 1170790"/>
+                <a:gd name="connsiteX6" fmla="*/ 754794 w 987405"/>
+                <a:gd name="connsiteY6" fmla="*/ 1156515 h 1170790"/>
+                <a:gd name="connsiteX7" fmla="*/ 718955 w 987405"/>
+                <a:gd name="connsiteY7" fmla="*/ 679940 h 1170790"/>
+                <a:gd name="connsiteX8" fmla="*/ 532521 w 987405"/>
+                <a:gd name="connsiteY8" fmla="*/ 1108957 h 1170790"/>
+                <a:gd name="connsiteX9" fmla="*/ 503317 w 987405"/>
+                <a:gd name="connsiteY9" fmla="*/ 1120467 h 1170790"/>
+                <a:gd name="connsiteX10" fmla="*/ 421892 w 987405"/>
+                <a:gd name="connsiteY10" fmla="*/ 1085083 h 1170790"/>
+                <a:gd name="connsiteX11" fmla="*/ 410380 w 987405"/>
+                <a:gd name="connsiteY11" fmla="*/ 1055880 h 1170790"/>
+                <a:gd name="connsiteX12" fmla="*/ 698388 w 987405"/>
+                <a:gd name="connsiteY12" fmla="*/ 393124 h 1170790"/>
+                <a:gd name="connsiteX13" fmla="*/ 189168 w 987405"/>
+                <a:gd name="connsiteY13" fmla="*/ 707303 h 1170790"/>
+                <a:gd name="connsiteX14" fmla="*/ 126522 w 987405"/>
+                <a:gd name="connsiteY14" fmla="*/ 605767 h 1170790"/>
+                <a:gd name="connsiteX15" fmla="*/ 270067 w 987405"/>
+                <a:gd name="connsiteY15" fmla="*/ 517202 h 1170790"/>
+                <a:gd name="connsiteX16" fmla="*/ 0 w 987405"/>
+                <a:gd name="connsiteY16" fmla="*/ 517202 h 1170790"/>
+                <a:gd name="connsiteX17" fmla="*/ 0 w 987405"/>
+                <a:gd name="connsiteY17" fmla="*/ 436540 h 1170790"/>
+                <a:gd name="connsiteX18" fmla="*/ 380685 w 987405"/>
+                <a:gd name="connsiteY18" fmla="*/ 436540 h 1170790"/>
+                <a:gd name="connsiteX19" fmla="*/ 380685 w 987405"/>
+                <a:gd name="connsiteY19" fmla="*/ 448953 h 1170790"/>
+                <a:gd name="connsiteX20" fmla="*/ 781626 w 987405"/>
+                <a:gd name="connsiteY20" fmla="*/ 201580 h 1170790"/>
+                <a:gd name="connsiteX21" fmla="*/ 863422 w 987405"/>
+                <a:gd name="connsiteY21" fmla="*/ 13354 h 1170790"/>
+                <a:gd name="connsiteX22" fmla="*/ 892625 w 987405"/>
+                <a:gd name="connsiteY22" fmla="*/ 1844 h 1170790"/>
+              </a:gdLst>
+              <a:ahLst/>
+              <a:cxnLst>
+                <a:cxn ang="0">
+                  <a:pos x="connsiteX0" y="connsiteY0"/>
+                </a:cxn>
+                <a:cxn ang="0">
+                  <a:pos x="connsiteX1" y="connsiteY1"/>
+                </a:cxn>
+                <a:cxn ang="0">
+                  <a:pos x="connsiteX2" y="connsiteY2"/>
+                </a:cxn>
+                <a:cxn ang="0">
+                  <a:pos x="connsiteX3" y="connsiteY3"/>
+                </a:cxn>
+                <a:cxn ang="0">
+                  <a:pos x="connsiteX4" y="connsiteY4"/>
+                </a:cxn>
+                <a:cxn ang="0">
+                  <a:pos x="connsiteX5" y="connsiteY5"/>
+                </a:cxn>
+                <a:cxn ang="0">
+                  <a:pos x="connsiteX6" y="connsiteY6"/>
+                </a:cxn>
+                <a:cxn ang="0">
+                  <a:pos x="connsiteX7" y="connsiteY7"/>
+                </a:cxn>
+                <a:cxn ang="0">
+                  <a:pos x="connsiteX8" y="connsiteY8"/>
+                </a:cxn>
+                <a:cxn ang="0">
+                  <a:pos x="connsiteX9" y="connsiteY9"/>
+                </a:cxn>
+                <a:cxn ang="0">
+                  <a:pos x="connsiteX10" y="connsiteY10"/>
+                </a:cxn>
+                <a:cxn ang="0">
+                  <a:pos x="connsiteX11" y="connsiteY11"/>
+                </a:cxn>
+                <a:cxn ang="0">
+                  <a:pos x="connsiteX12" y="connsiteY12"/>
+                </a:cxn>
+                <a:cxn ang="0">
+                  <a:pos x="connsiteX13" y="connsiteY13"/>
+                </a:cxn>
+                <a:cxn ang="0">
+                  <a:pos x="connsiteX14" y="connsiteY14"/>
+                </a:cxn>
+                <a:cxn ang="0">
+                  <a:pos x="connsiteX15" y="connsiteY15"/>
+                </a:cxn>
+                <a:cxn ang="0">
+                  <a:pos x="connsiteX16" y="connsiteY16"/>
+                </a:cxn>
+                <a:cxn ang="0">
+                  <a:pos x="connsiteX17" y="connsiteY17"/>
+                </a:cxn>
+                <a:cxn ang="0">
+                  <a:pos x="connsiteX18" y="connsiteY18"/>
+                </a:cxn>
+                <a:cxn ang="0">
+                  <a:pos x="connsiteX19" y="connsiteY19"/>
+                </a:cxn>
+                <a:cxn ang="0">
+                  <a:pos x="connsiteX20" y="connsiteY20"/>
+                </a:cxn>
+                <a:cxn ang="0">
+                  <a:pos x="connsiteX21" y="connsiteY21"/>
+                </a:cxn>
+                <a:cxn ang="0">
+                  <a:pos x="connsiteX22" y="connsiteY22"/>
+                </a:cxn>
+              </a:cxnLst>
+              <a:rect l="l" t="t" r="r" b="b"/>
+              <a:pathLst>
+                <a:path w="987405" h="1170790">
+                  <a:moveTo>
+                    <a:pt x="974050" y="37228"/>
+                  </a:moveTo>
+                  <a:cubicBezTo>
+                    <a:pt x="985293" y="42114"/>
+                    <a:pt x="990446" y="55188"/>
+                    <a:pt x="985561" y="66431"/>
+                  </a:cubicBezTo>
+                  <a:lnTo>
+                    <a:pt x="798107" y="497797"/>
+                  </a:lnTo>
+                  <a:lnTo>
+                    <a:pt x="847121" y="1149572"/>
+                  </a:lnTo>
+                  <a:cubicBezTo>
+                    <a:pt x="847760" y="1158071"/>
+                    <a:pt x="841389" y="1165478"/>
+                    <a:pt x="832890" y="1166118"/>
+                  </a:cubicBezTo>
+                  <a:lnTo>
+                    <a:pt x="771340" y="1170746"/>
+                  </a:lnTo>
+                  <a:cubicBezTo>
+                    <a:pt x="762840" y="1171385"/>
+                    <a:pt x="755433" y="1165014"/>
+                    <a:pt x="754794" y="1156515"/>
+                  </a:cubicBezTo>
+                  <a:lnTo>
+                    <a:pt x="718955" y="679940"/>
+                  </a:lnTo>
+                  <a:lnTo>
+                    <a:pt x="532521" y="1108957"/>
+                  </a:lnTo>
+                  <a:cubicBezTo>
+                    <a:pt x="527635" y="1120200"/>
+                    <a:pt x="514560" y="1125354"/>
+                    <a:pt x="503317" y="1120467"/>
+                  </a:cubicBezTo>
+                  <a:lnTo>
+                    <a:pt x="421892" y="1085083"/>
+                  </a:lnTo>
+                  <a:cubicBezTo>
+                    <a:pt x="410648" y="1080197"/>
+                    <a:pt x="405495" y="1067123"/>
+                    <a:pt x="410380" y="1055880"/>
+                  </a:cubicBezTo>
+                  <a:lnTo>
+                    <a:pt x="698388" y="393124"/>
+                  </a:lnTo>
+                  <a:lnTo>
+                    <a:pt x="189168" y="707303"/>
+                  </a:lnTo>
+                  <a:lnTo>
+                    <a:pt x="126522" y="605767"/>
+                  </a:lnTo>
+                  <a:lnTo>
+                    <a:pt x="270067" y="517202"/>
+                  </a:lnTo>
+                  <a:lnTo>
+                    <a:pt x="0" y="517202"/>
+                  </a:lnTo>
+                  <a:lnTo>
+                    <a:pt x="0" y="436540"/>
+                  </a:lnTo>
+                  <a:lnTo>
+                    <a:pt x="380685" y="436540"/>
+                  </a:lnTo>
+                  <a:lnTo>
+                    <a:pt x="380685" y="448953"/>
+                  </a:lnTo>
+                  <a:lnTo>
+                    <a:pt x="781626" y="201580"/>
+                  </a:lnTo>
+                  <a:lnTo>
+                    <a:pt x="863422" y="13354"/>
+                  </a:lnTo>
+                  <a:cubicBezTo>
+                    <a:pt x="868307" y="2111"/>
+                    <a:pt x="881382" y="-3042"/>
+                    <a:pt x="892625" y="1844"/>
+                  </a:cubicBezTo>
+                  <a:close/>
+                </a:path>
+              </a:pathLst>
+            </a:custGeom>
+            <a:solidFill>
+              <a:srgbClr val="A67F62"/>
+            </a:solidFill>
+            <a:ln>
+              <a:solidFill>
+                <a:schemeClr val="tx1"/>
+              </a:solidFill>
+            </a:ln>
+          </p:spPr>
+          <p:style>
+            <a:lnRef idx="2">
+              <a:schemeClr val="accent1">
+                <a:shade val="50000"/>
+              </a:schemeClr>
+            </a:lnRef>
+            <a:fillRef idx="1">
+              <a:schemeClr val="accent1"/>
+            </a:fillRef>
+            <a:effectRef idx="0">
+              <a:schemeClr val="accent1"/>
+            </a:effectRef>
+            <a:fontRef idx="minor">
+              <a:schemeClr val="lt1"/>
+            </a:fontRef>
+          </p:style>
+          <p:txBody>
+            <a:bodyPr rtlCol="0" anchor="ctr"/>
+            <a:lstStyle/>
+            <a:p>
+              <a:pPr algn="ctr"/>
+              <a:endParaRPr lang="en-US"/>
+            </a:p>
+          </p:txBody>
+        </p:sp>
+        <p:sp>
+          <p:nvSpPr>
+            <p:cNvPr id="14" name="Freeform: Shape 13">
+              <a:extLst>
+                <a:ext uri="{FF2B5EF4-FFF2-40B4-BE49-F238E27FC236}">
+                  <a16:creationId xmlns:a16="http://schemas.microsoft.com/office/drawing/2014/main" id="{0605070C-304E-4F40-BBEC-6630E8F350D3}"/>
+                </a:ext>
+              </a:extLst>
+            </p:cNvPr>
+            <p:cNvSpPr/>
+            <p:nvPr/>
+          </p:nvSpPr>
+          <p:spPr>
+            <a:xfrm rot="16586344">
+              <a:off x="7828014" y="3110305"/>
+              <a:ext cx="987405" cy="1170790"/>
+            </a:xfrm>
+            <a:custGeom>
+              <a:avLst/>
+              <a:gdLst>
+                <a:gd name="connsiteX0" fmla="*/ 974050 w 987405"/>
+                <a:gd name="connsiteY0" fmla="*/ 37228 h 1170790"/>
+                <a:gd name="connsiteX1" fmla="*/ 985561 w 987405"/>
+                <a:gd name="connsiteY1" fmla="*/ 66431 h 1170790"/>
+                <a:gd name="connsiteX2" fmla="*/ 798107 w 987405"/>
+                <a:gd name="connsiteY2" fmla="*/ 497797 h 1170790"/>
+                <a:gd name="connsiteX3" fmla="*/ 847121 w 987405"/>
+                <a:gd name="connsiteY3" fmla="*/ 1149572 h 1170790"/>
+                <a:gd name="connsiteX4" fmla="*/ 832890 w 987405"/>
+                <a:gd name="connsiteY4" fmla="*/ 1166118 h 1170790"/>
+                <a:gd name="connsiteX5" fmla="*/ 771340 w 987405"/>
+                <a:gd name="connsiteY5" fmla="*/ 1170746 h 1170790"/>
+                <a:gd name="connsiteX6" fmla="*/ 754794 w 987405"/>
+                <a:gd name="connsiteY6" fmla="*/ 1156515 h 1170790"/>
+                <a:gd name="connsiteX7" fmla="*/ 718955 w 987405"/>
+                <a:gd name="connsiteY7" fmla="*/ 679940 h 1170790"/>
+                <a:gd name="connsiteX8" fmla="*/ 532521 w 987405"/>
+                <a:gd name="connsiteY8" fmla="*/ 1108957 h 1170790"/>
+                <a:gd name="connsiteX9" fmla="*/ 503317 w 987405"/>
+                <a:gd name="connsiteY9" fmla="*/ 1120467 h 1170790"/>
+                <a:gd name="connsiteX10" fmla="*/ 421892 w 987405"/>
+                <a:gd name="connsiteY10" fmla="*/ 1085083 h 1170790"/>
+                <a:gd name="connsiteX11" fmla="*/ 410380 w 987405"/>
+                <a:gd name="connsiteY11" fmla="*/ 1055880 h 1170790"/>
+                <a:gd name="connsiteX12" fmla="*/ 698388 w 987405"/>
+                <a:gd name="connsiteY12" fmla="*/ 393124 h 1170790"/>
+                <a:gd name="connsiteX13" fmla="*/ 189168 w 987405"/>
+                <a:gd name="connsiteY13" fmla="*/ 707303 h 1170790"/>
+                <a:gd name="connsiteX14" fmla="*/ 126522 w 987405"/>
+                <a:gd name="connsiteY14" fmla="*/ 605767 h 1170790"/>
+                <a:gd name="connsiteX15" fmla="*/ 270067 w 987405"/>
+                <a:gd name="connsiteY15" fmla="*/ 517202 h 1170790"/>
+                <a:gd name="connsiteX16" fmla="*/ 0 w 987405"/>
+                <a:gd name="connsiteY16" fmla="*/ 517202 h 1170790"/>
+                <a:gd name="connsiteX17" fmla="*/ 0 w 987405"/>
+                <a:gd name="connsiteY17" fmla="*/ 436540 h 1170790"/>
+                <a:gd name="connsiteX18" fmla="*/ 380685 w 987405"/>
+                <a:gd name="connsiteY18" fmla="*/ 436540 h 1170790"/>
+                <a:gd name="connsiteX19" fmla="*/ 380685 w 987405"/>
+                <a:gd name="connsiteY19" fmla="*/ 448953 h 1170790"/>
+                <a:gd name="connsiteX20" fmla="*/ 781626 w 987405"/>
+                <a:gd name="connsiteY20" fmla="*/ 201580 h 1170790"/>
+                <a:gd name="connsiteX21" fmla="*/ 863422 w 987405"/>
+                <a:gd name="connsiteY21" fmla="*/ 13354 h 1170790"/>
+                <a:gd name="connsiteX22" fmla="*/ 892625 w 987405"/>
+                <a:gd name="connsiteY22" fmla="*/ 1844 h 1170790"/>
+              </a:gdLst>
+              <a:ahLst/>
+              <a:cxnLst>
+                <a:cxn ang="0">
+                  <a:pos x="connsiteX0" y="connsiteY0"/>
+                </a:cxn>
+                <a:cxn ang="0">
+                  <a:pos x="connsiteX1" y="connsiteY1"/>
+                </a:cxn>
+                <a:cxn ang="0">
+                  <a:pos x="connsiteX2" y="connsiteY2"/>
+                </a:cxn>
+                <a:cxn ang="0">
+                  <a:pos x="connsiteX3" y="connsiteY3"/>
+                </a:cxn>
+                <a:cxn ang="0">
+                  <a:pos x="connsiteX4" y="connsiteY4"/>
+                </a:cxn>
+                <a:cxn ang="0">
+                  <a:pos x="connsiteX5" y="connsiteY5"/>
+                </a:cxn>
+                <a:cxn ang="0">
+                  <a:pos x="connsiteX6" y="connsiteY6"/>
+                </a:cxn>
+                <a:cxn ang="0">
+                  <a:pos x="connsiteX7" y="connsiteY7"/>
+                </a:cxn>
+                <a:cxn ang="0">
+                  <a:pos x="connsiteX8" y="connsiteY8"/>
+                </a:cxn>
+                <a:cxn ang="0">
+                  <a:pos x="connsiteX9" y="connsiteY9"/>
+                </a:cxn>
+                <a:cxn ang="0">
+                  <a:pos x="connsiteX10" y="connsiteY10"/>
+                </a:cxn>
+                <a:cxn ang="0">
+                  <a:pos x="connsiteX11" y="connsiteY11"/>
+                </a:cxn>
+                <a:cxn ang="0">
+                  <a:pos x="connsiteX12" y="connsiteY12"/>
+                </a:cxn>
+                <a:cxn ang="0">
+                  <a:pos x="connsiteX13" y="connsiteY13"/>
+                </a:cxn>
+                <a:cxn ang="0">
+                  <a:pos x="connsiteX14" y="connsiteY14"/>
+                </a:cxn>
+                <a:cxn ang="0">
+                  <a:pos x="connsiteX15" y="connsiteY15"/>
+                </a:cxn>
+                <a:cxn ang="0">
+                  <a:pos x="connsiteX16" y="connsiteY16"/>
+                </a:cxn>
+                <a:cxn ang="0">
+                  <a:pos x="connsiteX17" y="connsiteY17"/>
+                </a:cxn>
+                <a:cxn ang="0">
+                  <a:pos x="connsiteX18" y="connsiteY18"/>
+                </a:cxn>
+                <a:cxn ang="0">
+                  <a:pos x="connsiteX19" y="connsiteY19"/>
+                </a:cxn>
+                <a:cxn ang="0">
+                  <a:pos x="connsiteX20" y="connsiteY20"/>
+                </a:cxn>
+                <a:cxn ang="0">
+                  <a:pos x="connsiteX21" y="connsiteY21"/>
+                </a:cxn>
+                <a:cxn ang="0">
+                  <a:pos x="connsiteX22" y="connsiteY22"/>
+                </a:cxn>
+              </a:cxnLst>
+              <a:rect l="l" t="t" r="r" b="b"/>
+              <a:pathLst>
+                <a:path w="987405" h="1170790">
+                  <a:moveTo>
+                    <a:pt x="974050" y="37228"/>
+                  </a:moveTo>
+                  <a:cubicBezTo>
+                    <a:pt x="985293" y="42114"/>
+                    <a:pt x="990446" y="55188"/>
+                    <a:pt x="985561" y="66431"/>
+                  </a:cubicBezTo>
+                  <a:lnTo>
+                    <a:pt x="798107" y="497797"/>
+                  </a:lnTo>
+                  <a:lnTo>
+                    <a:pt x="847121" y="1149572"/>
+                  </a:lnTo>
+                  <a:cubicBezTo>
+                    <a:pt x="847760" y="1158071"/>
+                    <a:pt x="841389" y="1165478"/>
+                    <a:pt x="832890" y="1166118"/>
+                  </a:cubicBezTo>
+                  <a:lnTo>
+                    <a:pt x="771340" y="1170746"/>
+                  </a:lnTo>
+                  <a:cubicBezTo>
+                    <a:pt x="762840" y="1171385"/>
+                    <a:pt x="755433" y="1165014"/>
+                    <a:pt x="754794" y="1156515"/>
+                  </a:cubicBezTo>
+                  <a:lnTo>
+                    <a:pt x="718955" y="679940"/>
+                  </a:lnTo>
+                  <a:lnTo>
+                    <a:pt x="532521" y="1108957"/>
+                  </a:lnTo>
+                  <a:cubicBezTo>
+                    <a:pt x="527635" y="1120200"/>
+                    <a:pt x="514560" y="1125354"/>
+                    <a:pt x="503317" y="1120467"/>
+                  </a:cubicBezTo>
+                  <a:lnTo>
+                    <a:pt x="421892" y="1085083"/>
+                  </a:lnTo>
+                  <a:cubicBezTo>
+                    <a:pt x="410648" y="1080197"/>
+                    <a:pt x="405495" y="1067123"/>
+                    <a:pt x="410380" y="1055880"/>
+                  </a:cubicBezTo>
+                  <a:lnTo>
+                    <a:pt x="698388" y="393124"/>
+                  </a:lnTo>
+                  <a:lnTo>
+                    <a:pt x="189168" y="707303"/>
+                  </a:lnTo>
+                  <a:lnTo>
+                    <a:pt x="126522" y="605767"/>
+                  </a:lnTo>
+                  <a:lnTo>
+                    <a:pt x="270067" y="517202"/>
+                  </a:lnTo>
+                  <a:lnTo>
+                    <a:pt x="0" y="517202"/>
+                  </a:lnTo>
+                  <a:lnTo>
+                    <a:pt x="0" y="436540"/>
+                  </a:lnTo>
+                  <a:lnTo>
+                    <a:pt x="380685" y="436540"/>
+                  </a:lnTo>
+                  <a:lnTo>
+                    <a:pt x="380685" y="448953"/>
+                  </a:lnTo>
+                  <a:lnTo>
+                    <a:pt x="781626" y="201580"/>
+                  </a:lnTo>
+                  <a:lnTo>
+                    <a:pt x="863422" y="13354"/>
+                  </a:lnTo>
+                  <a:cubicBezTo>
+                    <a:pt x="868307" y="2111"/>
+                    <a:pt x="881382" y="-3042"/>
+                    <a:pt x="892625" y="1844"/>
+                  </a:cubicBezTo>
+                  <a:close/>
+                </a:path>
+              </a:pathLst>
+            </a:custGeom>
+            <a:solidFill>
+              <a:srgbClr val="A67F62"/>
+            </a:solidFill>
+            <a:ln>
+              <a:solidFill>
+                <a:schemeClr val="tx1"/>
+              </a:solidFill>
+            </a:ln>
+          </p:spPr>
+          <p:style>
+            <a:lnRef idx="2">
+              <a:schemeClr val="accent1">
+                <a:shade val="50000"/>
+              </a:schemeClr>
+            </a:lnRef>
+            <a:fillRef idx="1">
+              <a:schemeClr val="accent1"/>
+            </a:fillRef>
+            <a:effectRef idx="0">
+              <a:schemeClr val="accent1"/>
+            </a:effectRef>
+            <a:fontRef idx="minor">
+              <a:schemeClr val="lt1"/>
+            </a:fontRef>
+          </p:style>
+          <p:txBody>
+            <a:bodyPr rtlCol="0" anchor="ctr"/>
+            <a:lstStyle/>
+            <a:p>
+              <a:pPr algn="ctr"/>
+              <a:endParaRPr lang="en-US"/>
+            </a:p>
+          </p:txBody>
+        </p:sp>
+        <p:sp>
+          <p:nvSpPr>
+            <p:cNvPr id="15" name="Freeform: Shape 14">
+              <a:extLst>
+                <a:ext uri="{FF2B5EF4-FFF2-40B4-BE49-F238E27FC236}">
+                  <a16:creationId xmlns:a16="http://schemas.microsoft.com/office/drawing/2014/main" id="{9E3E92A2-EF3F-4CFF-B083-0A0A4EA21277}"/>
+                </a:ext>
+              </a:extLst>
+            </p:cNvPr>
+            <p:cNvSpPr/>
+            <p:nvPr/>
+          </p:nvSpPr>
+          <p:spPr>
+            <a:xfrm rot="13148424">
+              <a:off x="8108476" y="1960954"/>
+              <a:ext cx="987405" cy="1170790"/>
+            </a:xfrm>
+            <a:custGeom>
+              <a:avLst/>
+              <a:gdLst>
+                <a:gd name="connsiteX0" fmla="*/ 974050 w 987405"/>
+                <a:gd name="connsiteY0" fmla="*/ 37228 h 1170790"/>
+                <a:gd name="connsiteX1" fmla="*/ 985561 w 987405"/>
+                <a:gd name="connsiteY1" fmla="*/ 66431 h 1170790"/>
+                <a:gd name="connsiteX2" fmla="*/ 798107 w 987405"/>
+                <a:gd name="connsiteY2" fmla="*/ 497797 h 1170790"/>
+                <a:gd name="connsiteX3" fmla="*/ 847121 w 987405"/>
+                <a:gd name="connsiteY3" fmla="*/ 1149572 h 1170790"/>
+                <a:gd name="connsiteX4" fmla="*/ 832890 w 987405"/>
+                <a:gd name="connsiteY4" fmla="*/ 1166118 h 1170790"/>
+                <a:gd name="connsiteX5" fmla="*/ 771340 w 987405"/>
+                <a:gd name="connsiteY5" fmla="*/ 1170746 h 1170790"/>
+                <a:gd name="connsiteX6" fmla="*/ 754794 w 987405"/>
+                <a:gd name="connsiteY6" fmla="*/ 1156515 h 1170790"/>
+                <a:gd name="connsiteX7" fmla="*/ 718955 w 987405"/>
+                <a:gd name="connsiteY7" fmla="*/ 679940 h 1170790"/>
+                <a:gd name="connsiteX8" fmla="*/ 532521 w 987405"/>
+                <a:gd name="connsiteY8" fmla="*/ 1108957 h 1170790"/>
+                <a:gd name="connsiteX9" fmla="*/ 503317 w 987405"/>
+                <a:gd name="connsiteY9" fmla="*/ 1120467 h 1170790"/>
+                <a:gd name="connsiteX10" fmla="*/ 421892 w 987405"/>
+                <a:gd name="connsiteY10" fmla="*/ 1085083 h 1170790"/>
+                <a:gd name="connsiteX11" fmla="*/ 410380 w 987405"/>
+                <a:gd name="connsiteY11" fmla="*/ 1055880 h 1170790"/>
+                <a:gd name="connsiteX12" fmla="*/ 698388 w 987405"/>
+                <a:gd name="connsiteY12" fmla="*/ 393124 h 1170790"/>
+                <a:gd name="connsiteX13" fmla="*/ 189168 w 987405"/>
+                <a:gd name="connsiteY13" fmla="*/ 707303 h 1170790"/>
+                <a:gd name="connsiteX14" fmla="*/ 126522 w 987405"/>
+                <a:gd name="connsiteY14" fmla="*/ 605767 h 1170790"/>
+                <a:gd name="connsiteX15" fmla="*/ 270067 w 987405"/>
+                <a:gd name="connsiteY15" fmla="*/ 517202 h 1170790"/>
+                <a:gd name="connsiteX16" fmla="*/ 0 w 987405"/>
+                <a:gd name="connsiteY16" fmla="*/ 517202 h 1170790"/>
+                <a:gd name="connsiteX17" fmla="*/ 0 w 987405"/>
+                <a:gd name="connsiteY17" fmla="*/ 436540 h 1170790"/>
+                <a:gd name="connsiteX18" fmla="*/ 380685 w 987405"/>
+                <a:gd name="connsiteY18" fmla="*/ 436540 h 1170790"/>
+                <a:gd name="connsiteX19" fmla="*/ 380685 w 987405"/>
+                <a:gd name="connsiteY19" fmla="*/ 448953 h 1170790"/>
+                <a:gd name="connsiteX20" fmla="*/ 781626 w 987405"/>
+                <a:gd name="connsiteY20" fmla="*/ 201580 h 1170790"/>
+                <a:gd name="connsiteX21" fmla="*/ 863422 w 987405"/>
+                <a:gd name="connsiteY21" fmla="*/ 13354 h 1170790"/>
+                <a:gd name="connsiteX22" fmla="*/ 892625 w 987405"/>
+                <a:gd name="connsiteY22" fmla="*/ 1844 h 1170790"/>
+              </a:gdLst>
+              <a:ahLst/>
+              <a:cxnLst>
+                <a:cxn ang="0">
+                  <a:pos x="connsiteX0" y="connsiteY0"/>
+                </a:cxn>
+                <a:cxn ang="0">
+                  <a:pos x="connsiteX1" y="connsiteY1"/>
+                </a:cxn>
+                <a:cxn ang="0">
+                  <a:pos x="connsiteX2" y="connsiteY2"/>
+                </a:cxn>
+                <a:cxn ang="0">
+                  <a:pos x="connsiteX3" y="connsiteY3"/>
+                </a:cxn>
+                <a:cxn ang="0">
+                  <a:pos x="connsiteX4" y="connsiteY4"/>
+                </a:cxn>
+                <a:cxn ang="0">
+                  <a:pos x="connsiteX5" y="connsiteY5"/>
+                </a:cxn>
+                <a:cxn ang="0">
+                  <a:pos x="connsiteX6" y="connsiteY6"/>
+                </a:cxn>
+                <a:cxn ang="0">
+                  <a:pos x="connsiteX7" y="connsiteY7"/>
+                </a:cxn>
+                <a:cxn ang="0">
+                  <a:pos x="connsiteX8" y="connsiteY8"/>
+                </a:cxn>
+                <a:cxn ang="0">
+                  <a:pos x="connsiteX9" y="connsiteY9"/>
+                </a:cxn>
+                <a:cxn ang="0">
+                  <a:pos x="connsiteX10" y="connsiteY10"/>
+                </a:cxn>
+                <a:cxn ang="0">
+                  <a:pos x="connsiteX11" y="connsiteY11"/>
+                </a:cxn>
+                <a:cxn ang="0">
+                  <a:pos x="connsiteX12" y="connsiteY12"/>
+                </a:cxn>
+                <a:cxn ang="0">
+                  <a:pos x="connsiteX13" y="connsiteY13"/>
+                </a:cxn>
+                <a:cxn ang="0">
+                  <a:pos x="connsiteX14" y="connsiteY14"/>
+                </a:cxn>
+                <a:cxn ang="0">
+                  <a:pos x="connsiteX15" y="connsiteY15"/>
+                </a:cxn>
+                <a:cxn ang="0">
+                  <a:pos x="connsiteX16" y="connsiteY16"/>
+                </a:cxn>
+                <a:cxn ang="0">
+                  <a:pos x="connsiteX17" y="connsiteY17"/>
+                </a:cxn>
+                <a:cxn ang="0">
+                  <a:pos x="connsiteX18" y="connsiteY18"/>
+                </a:cxn>
+                <a:cxn ang="0">
+                  <a:pos x="connsiteX19" y="connsiteY19"/>
+                </a:cxn>
+                <a:cxn ang="0">
+                  <a:pos x="connsiteX20" y="connsiteY20"/>
+                </a:cxn>
+                <a:cxn ang="0">
+                  <a:pos x="connsiteX21" y="connsiteY21"/>
+                </a:cxn>
+                <a:cxn ang="0">
+                  <a:pos x="connsiteX22" y="connsiteY22"/>
+                </a:cxn>
+              </a:cxnLst>
+              <a:rect l="l" t="t" r="r" b="b"/>
+              <a:pathLst>
+                <a:path w="987405" h="1170790">
+                  <a:moveTo>
+                    <a:pt x="974050" y="37228"/>
+                  </a:moveTo>
+                  <a:cubicBezTo>
+                    <a:pt x="985293" y="42114"/>
+                    <a:pt x="990446" y="55188"/>
+                    <a:pt x="985561" y="66431"/>
+                  </a:cubicBezTo>
+                  <a:lnTo>
+                    <a:pt x="798107" y="497797"/>
+                  </a:lnTo>
+                  <a:lnTo>
+                    <a:pt x="847121" y="1149572"/>
+                  </a:lnTo>
+                  <a:cubicBezTo>
+                    <a:pt x="847760" y="1158071"/>
+                    <a:pt x="841389" y="1165478"/>
+                    <a:pt x="832890" y="1166118"/>
+                  </a:cubicBezTo>
+                  <a:lnTo>
+                    <a:pt x="771340" y="1170746"/>
+                  </a:lnTo>
+                  <a:cubicBezTo>
+                    <a:pt x="762840" y="1171385"/>
+                    <a:pt x="755433" y="1165014"/>
+                    <a:pt x="754794" y="1156515"/>
+                  </a:cubicBezTo>
+                  <a:lnTo>
+                    <a:pt x="718955" y="679940"/>
+                  </a:lnTo>
+                  <a:lnTo>
+                    <a:pt x="532521" y="1108957"/>
+                  </a:lnTo>
+                  <a:cubicBezTo>
+                    <a:pt x="527635" y="1120200"/>
+                    <a:pt x="514560" y="1125354"/>
+                    <a:pt x="503317" y="1120467"/>
+                  </a:cubicBezTo>
+                  <a:lnTo>
+                    <a:pt x="421892" y="1085083"/>
+                  </a:lnTo>
+                  <a:cubicBezTo>
+                    <a:pt x="410648" y="1080197"/>
+                    <a:pt x="405495" y="1067123"/>
+                    <a:pt x="410380" y="1055880"/>
+                  </a:cubicBezTo>
+                  <a:lnTo>
+                    <a:pt x="698388" y="393124"/>
+                  </a:lnTo>
+                  <a:lnTo>
+                    <a:pt x="189168" y="707303"/>
+                  </a:lnTo>
+                  <a:lnTo>
+                    <a:pt x="126522" y="605767"/>
+                  </a:lnTo>
+                  <a:lnTo>
+                    <a:pt x="270067" y="517202"/>
+                  </a:lnTo>
+                  <a:lnTo>
+                    <a:pt x="0" y="517202"/>
+                  </a:lnTo>
+                  <a:lnTo>
+                    <a:pt x="0" y="436540"/>
+                  </a:lnTo>
+                  <a:lnTo>
+                    <a:pt x="380685" y="436540"/>
+                  </a:lnTo>
+                  <a:lnTo>
+                    <a:pt x="380685" y="448953"/>
+                  </a:lnTo>
+                  <a:lnTo>
+                    <a:pt x="781626" y="201580"/>
+                  </a:lnTo>
+                  <a:lnTo>
+                    <a:pt x="863422" y="13354"/>
+                  </a:lnTo>
+                  <a:cubicBezTo>
+                    <a:pt x="868307" y="2111"/>
+                    <a:pt x="881382" y="-3042"/>
+                    <a:pt x="892625" y="1844"/>
+                  </a:cubicBezTo>
+                  <a:close/>
+                </a:path>
+              </a:pathLst>
+            </a:custGeom>
+            <a:solidFill>
+              <a:srgbClr val="A67F62"/>
+            </a:solidFill>
+            <a:ln>
+              <a:solidFill>
+                <a:schemeClr val="tx1"/>
+              </a:solidFill>
+            </a:ln>
+          </p:spPr>
+          <p:style>
+            <a:lnRef idx="2">
+              <a:schemeClr val="accent1">
+                <a:shade val="50000"/>
+              </a:schemeClr>
+            </a:lnRef>
+            <a:fillRef idx="1">
+              <a:schemeClr val="accent1"/>
+            </a:fillRef>
+            <a:effectRef idx="0">
+              <a:schemeClr val="accent1"/>
+            </a:effectRef>
+            <a:fontRef idx="minor">
+              <a:schemeClr val="lt1"/>
+            </a:fontRef>
+          </p:style>
+          <p:txBody>
+            <a:bodyPr rtlCol="0" anchor="ctr"/>
+            <a:lstStyle/>
+            <a:p>
+              <a:pPr algn="ctr"/>
+              <a:endParaRPr lang="en-US"/>
+            </a:p>
+          </p:txBody>
+        </p:sp>
+        <p:sp>
+          <p:nvSpPr>
+            <p:cNvPr id="16" name="Freeform: Shape 15">
+              <a:extLst>
+                <a:ext uri="{FF2B5EF4-FFF2-40B4-BE49-F238E27FC236}">
+                  <a16:creationId xmlns:a16="http://schemas.microsoft.com/office/drawing/2014/main" id="{59756CD1-20CE-4963-B767-6425A2A297F1}"/>
+                </a:ext>
+              </a:extLst>
+            </p:cNvPr>
+            <p:cNvSpPr/>
+            <p:nvPr/>
+          </p:nvSpPr>
+          <p:spPr>
+            <a:xfrm rot="10397877">
+              <a:off x="7498727" y="1234758"/>
+              <a:ext cx="1156556" cy="1348994"/>
+            </a:xfrm>
+            <a:custGeom>
+              <a:avLst/>
+              <a:gdLst>
+                <a:gd name="connsiteX0" fmla="*/ 974050 w 987405"/>
+                <a:gd name="connsiteY0" fmla="*/ 37228 h 1170790"/>
+                <a:gd name="connsiteX1" fmla="*/ 985561 w 987405"/>
+                <a:gd name="connsiteY1" fmla="*/ 66431 h 1170790"/>
+                <a:gd name="connsiteX2" fmla="*/ 798107 w 987405"/>
+                <a:gd name="connsiteY2" fmla="*/ 497797 h 1170790"/>
+                <a:gd name="connsiteX3" fmla="*/ 847121 w 987405"/>
+                <a:gd name="connsiteY3" fmla="*/ 1149572 h 1170790"/>
+                <a:gd name="connsiteX4" fmla="*/ 832890 w 987405"/>
+                <a:gd name="connsiteY4" fmla="*/ 1166118 h 1170790"/>
+                <a:gd name="connsiteX5" fmla="*/ 771340 w 987405"/>
+                <a:gd name="connsiteY5" fmla="*/ 1170746 h 1170790"/>
+                <a:gd name="connsiteX6" fmla="*/ 754794 w 987405"/>
+                <a:gd name="connsiteY6" fmla="*/ 1156515 h 1170790"/>
+                <a:gd name="connsiteX7" fmla="*/ 718955 w 987405"/>
+                <a:gd name="connsiteY7" fmla="*/ 679940 h 1170790"/>
+                <a:gd name="connsiteX8" fmla="*/ 532521 w 987405"/>
+                <a:gd name="connsiteY8" fmla="*/ 1108957 h 1170790"/>
+                <a:gd name="connsiteX9" fmla="*/ 503317 w 987405"/>
+                <a:gd name="connsiteY9" fmla="*/ 1120467 h 1170790"/>
+                <a:gd name="connsiteX10" fmla="*/ 421892 w 987405"/>
+                <a:gd name="connsiteY10" fmla="*/ 1085083 h 1170790"/>
+                <a:gd name="connsiteX11" fmla="*/ 410380 w 987405"/>
+                <a:gd name="connsiteY11" fmla="*/ 1055880 h 1170790"/>
+                <a:gd name="connsiteX12" fmla="*/ 698388 w 987405"/>
+                <a:gd name="connsiteY12" fmla="*/ 393124 h 1170790"/>
+                <a:gd name="connsiteX13" fmla="*/ 189168 w 987405"/>
+                <a:gd name="connsiteY13" fmla="*/ 707303 h 1170790"/>
+                <a:gd name="connsiteX14" fmla="*/ 126522 w 987405"/>
+                <a:gd name="connsiteY14" fmla="*/ 605767 h 1170790"/>
+                <a:gd name="connsiteX15" fmla="*/ 270067 w 987405"/>
+                <a:gd name="connsiteY15" fmla="*/ 517202 h 1170790"/>
+                <a:gd name="connsiteX16" fmla="*/ 0 w 987405"/>
+                <a:gd name="connsiteY16" fmla="*/ 517202 h 1170790"/>
+                <a:gd name="connsiteX17" fmla="*/ 0 w 987405"/>
+                <a:gd name="connsiteY17" fmla="*/ 436540 h 1170790"/>
+                <a:gd name="connsiteX18" fmla="*/ 380685 w 987405"/>
+                <a:gd name="connsiteY18" fmla="*/ 436540 h 1170790"/>
+                <a:gd name="connsiteX19" fmla="*/ 380685 w 987405"/>
+                <a:gd name="connsiteY19" fmla="*/ 448953 h 1170790"/>
+                <a:gd name="connsiteX20" fmla="*/ 781626 w 987405"/>
+                <a:gd name="connsiteY20" fmla="*/ 201580 h 1170790"/>
+                <a:gd name="connsiteX21" fmla="*/ 863422 w 987405"/>
+                <a:gd name="connsiteY21" fmla="*/ 13354 h 1170790"/>
+                <a:gd name="connsiteX22" fmla="*/ 892625 w 987405"/>
+                <a:gd name="connsiteY22" fmla="*/ 1844 h 1170790"/>
+              </a:gdLst>
+              <a:ahLst/>
+              <a:cxnLst>
+                <a:cxn ang="0">
+                  <a:pos x="connsiteX0" y="connsiteY0"/>
+                </a:cxn>
+                <a:cxn ang="0">
+                  <a:pos x="connsiteX1" y="connsiteY1"/>
+                </a:cxn>
+                <a:cxn ang="0">
+                  <a:pos x="connsiteX2" y="connsiteY2"/>
+                </a:cxn>
+                <a:cxn ang="0">
+                  <a:pos x="connsiteX3" y="connsiteY3"/>
+                </a:cxn>
+                <a:cxn ang="0">
+                  <a:pos x="connsiteX4" y="connsiteY4"/>
+                </a:cxn>
+                <a:cxn ang="0">
+                  <a:pos x="connsiteX5" y="connsiteY5"/>
+                </a:cxn>
+                <a:cxn ang="0">
+                  <a:pos x="connsiteX6" y="connsiteY6"/>
+                </a:cxn>
+                <a:cxn ang="0">
+                  <a:pos x="connsiteX7" y="connsiteY7"/>
+                </a:cxn>
+                <a:cxn ang="0">
+                  <a:pos x="connsiteX8" y="connsiteY8"/>
+                </a:cxn>
+                <a:cxn ang="0">
+                  <a:pos x="connsiteX9" y="connsiteY9"/>
+                </a:cxn>
+                <a:cxn ang="0">
+                  <a:pos x="connsiteX10" y="connsiteY10"/>
+                </a:cxn>
+                <a:cxn ang="0">
+                  <a:pos x="connsiteX11" y="connsiteY11"/>
+                </a:cxn>
+                <a:cxn ang="0">
+                  <a:pos x="connsiteX12" y="connsiteY12"/>
+                </a:cxn>
+                <a:cxn ang="0">
+                  <a:pos x="connsiteX13" y="connsiteY13"/>
+                </a:cxn>
+                <a:cxn ang="0">
+                  <a:pos x="connsiteX14" y="connsiteY14"/>
+                </a:cxn>
+                <a:cxn ang="0">
+                  <a:pos x="connsiteX15" y="connsiteY15"/>
+                </a:cxn>
+                <a:cxn ang="0">
+                  <a:pos x="connsiteX16" y="connsiteY16"/>
+                </a:cxn>
+                <a:cxn ang="0">
+                  <a:pos x="connsiteX17" y="connsiteY17"/>
+                </a:cxn>
+                <a:cxn ang="0">
+                  <a:pos x="connsiteX18" y="connsiteY18"/>
+                </a:cxn>
+                <a:cxn ang="0">
+                  <a:pos x="connsiteX19" y="connsiteY19"/>
+                </a:cxn>
+                <a:cxn ang="0">
+                  <a:pos x="connsiteX20" y="connsiteY20"/>
+                </a:cxn>
+                <a:cxn ang="0">
+                  <a:pos x="connsiteX21" y="connsiteY21"/>
+                </a:cxn>
+                <a:cxn ang="0">
+                  <a:pos x="connsiteX22" y="connsiteY22"/>
+                </a:cxn>
+              </a:cxnLst>
+              <a:rect l="l" t="t" r="r" b="b"/>
+              <a:pathLst>
+                <a:path w="987405" h="1170790">
+                  <a:moveTo>
+                    <a:pt x="974050" y="37228"/>
+                  </a:moveTo>
+                  <a:cubicBezTo>
+                    <a:pt x="985293" y="42114"/>
+                    <a:pt x="990446" y="55188"/>
+                    <a:pt x="985561" y="66431"/>
+                  </a:cubicBezTo>
+                  <a:lnTo>
+                    <a:pt x="798107" y="497797"/>
+                  </a:lnTo>
+                  <a:lnTo>
+                    <a:pt x="847121" y="1149572"/>
+                  </a:lnTo>
+                  <a:cubicBezTo>
+                    <a:pt x="847760" y="1158071"/>
+                    <a:pt x="841389" y="1165478"/>
+                    <a:pt x="832890" y="1166118"/>
+                  </a:cubicBezTo>
+                  <a:lnTo>
+                    <a:pt x="771340" y="1170746"/>
+                  </a:lnTo>
+                  <a:cubicBezTo>
+                    <a:pt x="762840" y="1171385"/>
+                    <a:pt x="755433" y="1165014"/>
+                    <a:pt x="754794" y="1156515"/>
+                  </a:cubicBezTo>
+                  <a:lnTo>
+                    <a:pt x="718955" y="679940"/>
+                  </a:lnTo>
+                  <a:lnTo>
+                    <a:pt x="532521" y="1108957"/>
+                  </a:lnTo>
+                  <a:cubicBezTo>
+                    <a:pt x="527635" y="1120200"/>
+                    <a:pt x="514560" y="1125354"/>
+                    <a:pt x="503317" y="1120467"/>
+                  </a:cubicBezTo>
+                  <a:lnTo>
+                    <a:pt x="421892" y="1085083"/>
+                  </a:lnTo>
+                  <a:cubicBezTo>
+                    <a:pt x="410648" y="1080197"/>
+                    <a:pt x="405495" y="1067123"/>
+                    <a:pt x="410380" y="1055880"/>
+                  </a:cubicBezTo>
+                  <a:lnTo>
+                    <a:pt x="698388" y="393124"/>
+                  </a:lnTo>
+                  <a:lnTo>
+                    <a:pt x="189168" y="707303"/>
+                  </a:lnTo>
+                  <a:lnTo>
+                    <a:pt x="126522" y="605767"/>
+                  </a:lnTo>
+                  <a:lnTo>
+                    <a:pt x="270067" y="517202"/>
+                  </a:lnTo>
+                  <a:lnTo>
+                    <a:pt x="0" y="517202"/>
+                  </a:lnTo>
+                  <a:lnTo>
+                    <a:pt x="0" y="436540"/>
+                  </a:lnTo>
+                  <a:lnTo>
+                    <a:pt x="380685" y="436540"/>
+                  </a:lnTo>
+                  <a:lnTo>
+                    <a:pt x="380685" y="448953"/>
+                  </a:lnTo>
+                  <a:lnTo>
+                    <a:pt x="781626" y="201580"/>
+                  </a:lnTo>
+                  <a:lnTo>
+                    <a:pt x="863422" y="13354"/>
+                  </a:lnTo>
+                  <a:cubicBezTo>
+                    <a:pt x="868307" y="2111"/>
+                    <a:pt x="881382" y="-3042"/>
+                    <a:pt x="892625" y="1844"/>
+                  </a:cubicBezTo>
+                  <a:close/>
+                </a:path>
+              </a:pathLst>
+            </a:custGeom>
+            <a:solidFill>
+              <a:srgbClr val="A67F62"/>
+            </a:solidFill>
+            <a:ln>
+              <a:solidFill>
+                <a:schemeClr val="tx1"/>
+              </a:solidFill>
+            </a:ln>
+          </p:spPr>
+          <p:style>
+            <a:lnRef idx="2">
+              <a:schemeClr val="accent1">
+                <a:shade val="50000"/>
+              </a:schemeClr>
+            </a:lnRef>
+            <a:fillRef idx="1">
+              <a:schemeClr val="accent1"/>
+            </a:fillRef>
+            <a:effectRef idx="0">
+              <a:schemeClr val="accent1"/>
+            </a:effectRef>
+            <a:fontRef idx="minor">
+              <a:schemeClr val="lt1"/>
+            </a:fontRef>
+          </p:style>
+          <p:txBody>
+            <a:bodyPr rtlCol="0" anchor="ctr"/>
+            <a:lstStyle/>
+            <a:p>
+              <a:pPr algn="ctr"/>
+              <a:endParaRPr lang="en-US"/>
+            </a:p>
+          </p:txBody>
+        </p:sp>
+        <p:sp>
+          <p:nvSpPr>
+            <p:cNvPr id="17" name="Freeform: Shape 16">
+              <a:extLst>
+                <a:ext uri="{FF2B5EF4-FFF2-40B4-BE49-F238E27FC236}">
+                  <a16:creationId xmlns:a16="http://schemas.microsoft.com/office/drawing/2014/main" id="{5346AABD-E6C5-4543-A330-788CE2CF10EA}"/>
+                </a:ext>
+              </a:extLst>
+            </p:cNvPr>
+            <p:cNvSpPr/>
+            <p:nvPr/>
+          </p:nvSpPr>
+          <p:spPr>
+            <a:xfrm rot="6870376">
+              <a:off x="6304219" y="1372165"/>
+              <a:ext cx="1149803" cy="1397602"/>
+            </a:xfrm>
+            <a:custGeom>
+              <a:avLst/>
+              <a:gdLst>
+                <a:gd name="connsiteX0" fmla="*/ 974050 w 987405"/>
+                <a:gd name="connsiteY0" fmla="*/ 37228 h 1170790"/>
+                <a:gd name="connsiteX1" fmla="*/ 985561 w 987405"/>
+                <a:gd name="connsiteY1" fmla="*/ 66431 h 1170790"/>
+                <a:gd name="connsiteX2" fmla="*/ 798107 w 987405"/>
+                <a:gd name="connsiteY2" fmla="*/ 497797 h 1170790"/>
+                <a:gd name="connsiteX3" fmla="*/ 847121 w 987405"/>
+                <a:gd name="connsiteY3" fmla="*/ 1149572 h 1170790"/>
+                <a:gd name="connsiteX4" fmla="*/ 832890 w 987405"/>
+                <a:gd name="connsiteY4" fmla="*/ 1166118 h 1170790"/>
+                <a:gd name="connsiteX5" fmla="*/ 771340 w 987405"/>
+                <a:gd name="connsiteY5" fmla="*/ 1170746 h 1170790"/>
+                <a:gd name="connsiteX6" fmla="*/ 754794 w 987405"/>
+                <a:gd name="connsiteY6" fmla="*/ 1156515 h 1170790"/>
+                <a:gd name="connsiteX7" fmla="*/ 718955 w 987405"/>
+                <a:gd name="connsiteY7" fmla="*/ 679940 h 1170790"/>
+                <a:gd name="connsiteX8" fmla="*/ 532521 w 987405"/>
+                <a:gd name="connsiteY8" fmla="*/ 1108957 h 1170790"/>
+                <a:gd name="connsiteX9" fmla="*/ 503317 w 987405"/>
+                <a:gd name="connsiteY9" fmla="*/ 1120467 h 1170790"/>
+                <a:gd name="connsiteX10" fmla="*/ 421892 w 987405"/>
+                <a:gd name="connsiteY10" fmla="*/ 1085083 h 1170790"/>
+                <a:gd name="connsiteX11" fmla="*/ 410380 w 987405"/>
+                <a:gd name="connsiteY11" fmla="*/ 1055880 h 1170790"/>
+                <a:gd name="connsiteX12" fmla="*/ 698388 w 987405"/>
+                <a:gd name="connsiteY12" fmla="*/ 393124 h 1170790"/>
+                <a:gd name="connsiteX13" fmla="*/ 189168 w 987405"/>
+                <a:gd name="connsiteY13" fmla="*/ 707303 h 1170790"/>
+                <a:gd name="connsiteX14" fmla="*/ 126522 w 987405"/>
+                <a:gd name="connsiteY14" fmla="*/ 605767 h 1170790"/>
+                <a:gd name="connsiteX15" fmla="*/ 270067 w 987405"/>
+                <a:gd name="connsiteY15" fmla="*/ 517202 h 1170790"/>
+                <a:gd name="connsiteX16" fmla="*/ 0 w 987405"/>
+                <a:gd name="connsiteY16" fmla="*/ 517202 h 1170790"/>
+                <a:gd name="connsiteX17" fmla="*/ 0 w 987405"/>
+                <a:gd name="connsiteY17" fmla="*/ 436540 h 1170790"/>
+                <a:gd name="connsiteX18" fmla="*/ 380685 w 987405"/>
+                <a:gd name="connsiteY18" fmla="*/ 436540 h 1170790"/>
+                <a:gd name="connsiteX19" fmla="*/ 380685 w 987405"/>
+                <a:gd name="connsiteY19" fmla="*/ 448953 h 1170790"/>
+                <a:gd name="connsiteX20" fmla="*/ 781626 w 987405"/>
+                <a:gd name="connsiteY20" fmla="*/ 201580 h 1170790"/>
+                <a:gd name="connsiteX21" fmla="*/ 863422 w 987405"/>
+                <a:gd name="connsiteY21" fmla="*/ 13354 h 1170790"/>
+                <a:gd name="connsiteX22" fmla="*/ 892625 w 987405"/>
+                <a:gd name="connsiteY22" fmla="*/ 1844 h 1170790"/>
+              </a:gdLst>
+              <a:ahLst/>
+              <a:cxnLst>
+                <a:cxn ang="0">
+                  <a:pos x="connsiteX0" y="connsiteY0"/>
+                </a:cxn>
+                <a:cxn ang="0">
+                  <a:pos x="connsiteX1" y="connsiteY1"/>
+                </a:cxn>
+                <a:cxn ang="0">
+                  <a:pos x="connsiteX2" y="connsiteY2"/>
+                </a:cxn>
+                <a:cxn ang="0">
+                  <a:pos x="connsiteX3" y="connsiteY3"/>
+                </a:cxn>
+                <a:cxn ang="0">
+                  <a:pos x="connsiteX4" y="connsiteY4"/>
+                </a:cxn>
+                <a:cxn ang="0">
+                  <a:pos x="connsiteX5" y="connsiteY5"/>
+                </a:cxn>
+                <a:cxn ang="0">
+                  <a:pos x="connsiteX6" y="connsiteY6"/>
+                </a:cxn>
+                <a:cxn ang="0">
+                  <a:pos x="connsiteX7" y="connsiteY7"/>
+                </a:cxn>
+                <a:cxn ang="0">
+                  <a:pos x="connsiteX8" y="connsiteY8"/>
+                </a:cxn>
+                <a:cxn ang="0">
+                  <a:pos x="connsiteX9" y="connsiteY9"/>
+                </a:cxn>
+                <a:cxn ang="0">
+                  <a:pos x="connsiteX10" y="connsiteY10"/>
+                </a:cxn>
+                <a:cxn ang="0">
+                  <a:pos x="connsiteX11" y="connsiteY11"/>
+                </a:cxn>
+                <a:cxn ang="0">
+                  <a:pos x="connsiteX12" y="connsiteY12"/>
+                </a:cxn>
+                <a:cxn ang="0">
+                  <a:pos x="connsiteX13" y="connsiteY13"/>
+                </a:cxn>
+                <a:cxn ang="0">
+                  <a:pos x="connsiteX14" y="connsiteY14"/>
+                </a:cxn>
+                <a:cxn ang="0">
+                  <a:pos x="connsiteX15" y="connsiteY15"/>
+                </a:cxn>
+                <a:cxn ang="0">
+                  <a:pos x="connsiteX16" y="connsiteY16"/>
+                </a:cxn>
+                <a:cxn ang="0">
+                  <a:pos x="connsiteX17" y="connsiteY17"/>
+                </a:cxn>
+                <a:cxn ang="0">
+                  <a:pos x="connsiteX18" y="connsiteY18"/>
+                </a:cxn>
+                <a:cxn ang="0">
+                  <a:pos x="connsiteX19" y="connsiteY19"/>
+                </a:cxn>
+                <a:cxn ang="0">
+                  <a:pos x="connsiteX20" y="connsiteY20"/>
+                </a:cxn>
+                <a:cxn ang="0">
+                  <a:pos x="connsiteX21" y="connsiteY21"/>
+                </a:cxn>
+                <a:cxn ang="0">
+                  <a:pos x="connsiteX22" y="connsiteY22"/>
+                </a:cxn>
+              </a:cxnLst>
+              <a:rect l="l" t="t" r="r" b="b"/>
+              <a:pathLst>
+                <a:path w="987405" h="1170790">
+                  <a:moveTo>
+                    <a:pt x="974050" y="37228"/>
+                  </a:moveTo>
+                  <a:cubicBezTo>
+                    <a:pt x="985293" y="42114"/>
+                    <a:pt x="990446" y="55188"/>
+                    <a:pt x="985561" y="66431"/>
+                  </a:cubicBezTo>
+                  <a:lnTo>
+                    <a:pt x="798107" y="497797"/>
+                  </a:lnTo>
+                  <a:lnTo>
+                    <a:pt x="847121" y="1149572"/>
+                  </a:lnTo>
+                  <a:cubicBezTo>
+                    <a:pt x="847760" y="1158071"/>
+                    <a:pt x="841389" y="1165478"/>
+                    <a:pt x="832890" y="1166118"/>
+                  </a:cubicBezTo>
+                  <a:lnTo>
+                    <a:pt x="771340" y="1170746"/>
+                  </a:lnTo>
+                  <a:cubicBezTo>
+                    <a:pt x="762840" y="1171385"/>
+                    <a:pt x="755433" y="1165014"/>
+                    <a:pt x="754794" y="1156515"/>
+                  </a:cubicBezTo>
+                  <a:lnTo>
+                    <a:pt x="718955" y="679940"/>
+                  </a:lnTo>
+                  <a:lnTo>
+                    <a:pt x="532521" y="1108957"/>
+                  </a:lnTo>
+                  <a:cubicBezTo>
+                    <a:pt x="527635" y="1120200"/>
+                    <a:pt x="514560" y="1125354"/>
+                    <a:pt x="503317" y="1120467"/>
+                  </a:cubicBezTo>
+                  <a:lnTo>
+                    <a:pt x="421892" y="1085083"/>
+                  </a:lnTo>
+                  <a:cubicBezTo>
+                    <a:pt x="410648" y="1080197"/>
+                    <a:pt x="405495" y="1067123"/>
+                    <a:pt x="410380" y="1055880"/>
+                  </a:cubicBezTo>
+                  <a:lnTo>
+                    <a:pt x="698388" y="393124"/>
+                  </a:lnTo>
+                  <a:lnTo>
+                    <a:pt x="189168" y="707303"/>
+                  </a:lnTo>
+                  <a:lnTo>
+                    <a:pt x="126522" y="605767"/>
+                  </a:lnTo>
+                  <a:lnTo>
+                    <a:pt x="270067" y="517202"/>
+                  </a:lnTo>
+                  <a:lnTo>
+                    <a:pt x="0" y="517202"/>
+                  </a:lnTo>
+                  <a:lnTo>
+                    <a:pt x="0" y="436540"/>
+                  </a:lnTo>
+                  <a:lnTo>
+                    <a:pt x="380685" y="436540"/>
+                  </a:lnTo>
+                  <a:lnTo>
+                    <a:pt x="380685" y="448953"/>
+                  </a:lnTo>
+                  <a:lnTo>
+                    <a:pt x="781626" y="201580"/>
+                  </a:lnTo>
+                  <a:lnTo>
+                    <a:pt x="863422" y="13354"/>
+                  </a:lnTo>
+                  <a:cubicBezTo>
+                    <a:pt x="868307" y="2111"/>
+                    <a:pt x="881382" y="-3042"/>
+                    <a:pt x="892625" y="1844"/>
+                  </a:cubicBezTo>
+                  <a:close/>
+                </a:path>
+              </a:pathLst>
+            </a:custGeom>
+            <a:solidFill>
+              <a:srgbClr val="A67F62"/>
+            </a:solidFill>
+            <a:ln>
+              <a:solidFill>
+                <a:schemeClr val="tx1"/>
+              </a:solidFill>
+            </a:ln>
+          </p:spPr>
+          <p:style>
+            <a:lnRef idx="2">
+              <a:schemeClr val="accent1">
+                <a:shade val="50000"/>
+              </a:schemeClr>
+            </a:lnRef>
+            <a:fillRef idx="1">
+              <a:schemeClr val="accent1"/>
+            </a:fillRef>
+            <a:effectRef idx="0">
+              <a:schemeClr val="accent1"/>
+            </a:effectRef>
+            <a:fontRef idx="minor">
+              <a:schemeClr val="lt1"/>
+            </a:fontRef>
+          </p:style>
+          <p:txBody>
+            <a:bodyPr rtlCol="0" anchor="ctr"/>
+            <a:lstStyle/>
+            <a:p>
+              <a:pPr algn="ctr"/>
+              <a:endParaRPr lang="en-US"/>
+            </a:p>
+          </p:txBody>
+        </p:sp>
+        <p:sp>
+          <p:nvSpPr>
+            <p:cNvPr id="18" name="Freeform: Shape 17">
+              <a:extLst>
+                <a:ext uri="{FF2B5EF4-FFF2-40B4-BE49-F238E27FC236}">
+                  <a16:creationId xmlns:a16="http://schemas.microsoft.com/office/drawing/2014/main" id="{68A86563-68DF-422A-80D2-037C8741D90D}"/>
+                </a:ext>
+              </a:extLst>
+            </p:cNvPr>
+            <p:cNvSpPr/>
+            <p:nvPr/>
+          </p:nvSpPr>
+          <p:spPr>
+            <a:xfrm rot="3347930">
+              <a:off x="5911810" y="2581925"/>
+              <a:ext cx="987405" cy="1170790"/>
+            </a:xfrm>
+            <a:custGeom>
+              <a:avLst/>
+              <a:gdLst>
+                <a:gd name="connsiteX0" fmla="*/ 974050 w 987405"/>
+                <a:gd name="connsiteY0" fmla="*/ 37228 h 1170790"/>
+                <a:gd name="connsiteX1" fmla="*/ 985561 w 987405"/>
+                <a:gd name="connsiteY1" fmla="*/ 66431 h 1170790"/>
+                <a:gd name="connsiteX2" fmla="*/ 798107 w 987405"/>
+                <a:gd name="connsiteY2" fmla="*/ 497797 h 1170790"/>
+                <a:gd name="connsiteX3" fmla="*/ 847121 w 987405"/>
+                <a:gd name="connsiteY3" fmla="*/ 1149572 h 1170790"/>
+                <a:gd name="connsiteX4" fmla="*/ 832890 w 987405"/>
+                <a:gd name="connsiteY4" fmla="*/ 1166118 h 1170790"/>
+                <a:gd name="connsiteX5" fmla="*/ 771340 w 987405"/>
+                <a:gd name="connsiteY5" fmla="*/ 1170746 h 1170790"/>
+                <a:gd name="connsiteX6" fmla="*/ 754794 w 987405"/>
+                <a:gd name="connsiteY6" fmla="*/ 1156515 h 1170790"/>
+                <a:gd name="connsiteX7" fmla="*/ 718955 w 987405"/>
+                <a:gd name="connsiteY7" fmla="*/ 679940 h 1170790"/>
+                <a:gd name="connsiteX8" fmla="*/ 532521 w 987405"/>
+                <a:gd name="connsiteY8" fmla="*/ 1108957 h 1170790"/>
+                <a:gd name="connsiteX9" fmla="*/ 503317 w 987405"/>
+                <a:gd name="connsiteY9" fmla="*/ 1120467 h 1170790"/>
+                <a:gd name="connsiteX10" fmla="*/ 421892 w 987405"/>
+                <a:gd name="connsiteY10" fmla="*/ 1085083 h 1170790"/>
+                <a:gd name="connsiteX11" fmla="*/ 410380 w 987405"/>
+                <a:gd name="connsiteY11" fmla="*/ 1055880 h 1170790"/>
+                <a:gd name="connsiteX12" fmla="*/ 698388 w 987405"/>
+                <a:gd name="connsiteY12" fmla="*/ 393124 h 1170790"/>
+                <a:gd name="connsiteX13" fmla="*/ 189168 w 987405"/>
+                <a:gd name="connsiteY13" fmla="*/ 707303 h 1170790"/>
+                <a:gd name="connsiteX14" fmla="*/ 126522 w 987405"/>
+                <a:gd name="connsiteY14" fmla="*/ 605767 h 1170790"/>
+                <a:gd name="connsiteX15" fmla="*/ 270067 w 987405"/>
+                <a:gd name="connsiteY15" fmla="*/ 517202 h 1170790"/>
+                <a:gd name="connsiteX16" fmla="*/ 0 w 987405"/>
+                <a:gd name="connsiteY16" fmla="*/ 517202 h 1170790"/>
+                <a:gd name="connsiteX17" fmla="*/ 0 w 987405"/>
+                <a:gd name="connsiteY17" fmla="*/ 436540 h 1170790"/>
+                <a:gd name="connsiteX18" fmla="*/ 380685 w 987405"/>
+                <a:gd name="connsiteY18" fmla="*/ 436540 h 1170790"/>
+                <a:gd name="connsiteX19" fmla="*/ 380685 w 987405"/>
+                <a:gd name="connsiteY19" fmla="*/ 448953 h 1170790"/>
+                <a:gd name="connsiteX20" fmla="*/ 781626 w 987405"/>
+                <a:gd name="connsiteY20" fmla="*/ 201580 h 1170790"/>
+                <a:gd name="connsiteX21" fmla="*/ 863422 w 987405"/>
+                <a:gd name="connsiteY21" fmla="*/ 13354 h 1170790"/>
+                <a:gd name="connsiteX22" fmla="*/ 892625 w 987405"/>
+                <a:gd name="connsiteY22" fmla="*/ 1844 h 1170790"/>
+              </a:gdLst>
+              <a:ahLst/>
+              <a:cxnLst>
+                <a:cxn ang="0">
+                  <a:pos x="connsiteX0" y="connsiteY0"/>
+                </a:cxn>
+                <a:cxn ang="0">
+                  <a:pos x="connsiteX1" y="connsiteY1"/>
+                </a:cxn>
+                <a:cxn ang="0">
+                  <a:pos x="connsiteX2" y="connsiteY2"/>
+                </a:cxn>
+                <a:cxn ang="0">
+                  <a:pos x="connsiteX3" y="connsiteY3"/>
+                </a:cxn>
+                <a:cxn ang="0">
+                  <a:pos x="connsiteX4" y="connsiteY4"/>
+                </a:cxn>
+                <a:cxn ang="0">
+                  <a:pos x="connsiteX5" y="connsiteY5"/>
+                </a:cxn>
+                <a:cxn ang="0">
+                  <a:pos x="connsiteX6" y="connsiteY6"/>
+                </a:cxn>
+                <a:cxn ang="0">
+                  <a:pos x="connsiteX7" y="connsiteY7"/>
+                </a:cxn>
+                <a:cxn ang="0">
+                  <a:pos x="connsiteX8" y="connsiteY8"/>
+                </a:cxn>
+                <a:cxn ang="0">
+                  <a:pos x="connsiteX9" y="connsiteY9"/>
+                </a:cxn>
+                <a:cxn ang="0">
+                  <a:pos x="connsiteX10" y="connsiteY10"/>
+                </a:cxn>
+                <a:cxn ang="0">
+                  <a:pos x="connsiteX11" y="connsiteY11"/>
+                </a:cxn>
+                <a:cxn ang="0">
+                  <a:pos x="connsiteX12" y="connsiteY12"/>
+                </a:cxn>
+                <a:cxn ang="0">
+                  <a:pos x="connsiteX13" y="connsiteY13"/>
+                </a:cxn>
+                <a:cxn ang="0">
+                  <a:pos x="connsiteX14" y="connsiteY14"/>
+                </a:cxn>
+                <a:cxn ang="0">
+                  <a:pos x="connsiteX15" y="connsiteY15"/>
+                </a:cxn>
+                <a:cxn ang="0">
+                  <a:pos x="connsiteX16" y="connsiteY16"/>
+                </a:cxn>
+                <a:cxn ang="0">
+                  <a:pos x="connsiteX17" y="connsiteY17"/>
+                </a:cxn>
+                <a:cxn ang="0">
+                  <a:pos x="connsiteX18" y="connsiteY18"/>
+                </a:cxn>
+                <a:cxn ang="0">
+                  <a:pos x="connsiteX19" y="connsiteY19"/>
+                </a:cxn>
+                <a:cxn ang="0">
+                  <a:pos x="connsiteX20" y="connsiteY20"/>
+                </a:cxn>
+                <a:cxn ang="0">
+                  <a:pos x="connsiteX21" y="connsiteY21"/>
+                </a:cxn>
+                <a:cxn ang="0">
+                  <a:pos x="connsiteX22" y="connsiteY22"/>
+                </a:cxn>
+              </a:cxnLst>
+              <a:rect l="l" t="t" r="r" b="b"/>
+              <a:pathLst>
+                <a:path w="987405" h="1170790">
+                  <a:moveTo>
+                    <a:pt x="974050" y="37228"/>
+                  </a:moveTo>
+                  <a:cubicBezTo>
+                    <a:pt x="985293" y="42114"/>
+                    <a:pt x="990446" y="55188"/>
+                    <a:pt x="985561" y="66431"/>
+                  </a:cubicBezTo>
+                  <a:lnTo>
+                    <a:pt x="798107" y="497797"/>
+                  </a:lnTo>
+                  <a:lnTo>
+                    <a:pt x="847121" y="1149572"/>
+                  </a:lnTo>
+                  <a:cubicBezTo>
+                    <a:pt x="847760" y="1158071"/>
+                    <a:pt x="841389" y="1165478"/>
+                    <a:pt x="832890" y="1166118"/>
+                  </a:cubicBezTo>
+                  <a:lnTo>
+                    <a:pt x="771340" y="1170746"/>
+                  </a:lnTo>
+                  <a:cubicBezTo>
+                    <a:pt x="762840" y="1171385"/>
+                    <a:pt x="755433" y="1165014"/>
+                    <a:pt x="754794" y="1156515"/>
+                  </a:cubicBezTo>
+                  <a:lnTo>
+                    <a:pt x="718955" y="679940"/>
+                  </a:lnTo>
+                  <a:lnTo>
+                    <a:pt x="532521" y="1108957"/>
+                  </a:lnTo>
+                  <a:cubicBezTo>
+                    <a:pt x="527635" y="1120200"/>
+                    <a:pt x="514560" y="1125354"/>
+                    <a:pt x="503317" y="1120467"/>
+                  </a:cubicBezTo>
+                  <a:lnTo>
+                    <a:pt x="421892" y="1085083"/>
+                  </a:lnTo>
+                  <a:cubicBezTo>
+                    <a:pt x="410648" y="1080197"/>
+                    <a:pt x="405495" y="1067123"/>
+                    <a:pt x="410380" y="1055880"/>
+                  </a:cubicBezTo>
+                  <a:lnTo>
+                    <a:pt x="698388" y="393124"/>
+                  </a:lnTo>
+                  <a:lnTo>
+                    <a:pt x="189168" y="707303"/>
+                  </a:lnTo>
+                  <a:lnTo>
+                    <a:pt x="126522" y="605767"/>
+                  </a:lnTo>
+                  <a:lnTo>
+                    <a:pt x="270067" y="517202"/>
+                  </a:lnTo>
+                  <a:lnTo>
+                    <a:pt x="0" y="517202"/>
+                  </a:lnTo>
+                  <a:lnTo>
+                    <a:pt x="0" y="436540"/>
+                  </a:lnTo>
+                  <a:lnTo>
+                    <a:pt x="380685" y="436540"/>
+                  </a:lnTo>
+                  <a:lnTo>
+                    <a:pt x="380685" y="448953"/>
+                  </a:lnTo>
+                  <a:lnTo>
+                    <a:pt x="781626" y="201580"/>
+                  </a:lnTo>
+                  <a:lnTo>
+                    <a:pt x="863422" y="13354"/>
+                  </a:lnTo>
+                  <a:cubicBezTo>
+                    <a:pt x="868307" y="2111"/>
+                    <a:pt x="881382" y="-3042"/>
+                    <a:pt x="892625" y="1844"/>
+                  </a:cubicBezTo>
+                  <a:close/>
+                </a:path>
+              </a:pathLst>
+            </a:custGeom>
+            <a:solidFill>
+              <a:srgbClr val="A67F62"/>
+            </a:solidFill>
+            <a:ln>
+              <a:solidFill>
+                <a:schemeClr val="tx1"/>
+              </a:solidFill>
+            </a:ln>
+          </p:spPr>
+          <p:style>
+            <a:lnRef idx="2">
+              <a:schemeClr val="accent1">
+                <a:shade val="50000"/>
+              </a:schemeClr>
+            </a:lnRef>
+            <a:fillRef idx="1">
+              <a:schemeClr val="accent1"/>
+            </a:fillRef>
+            <a:effectRef idx="0">
+              <a:schemeClr val="accent1"/>
+            </a:effectRef>
+            <a:fontRef idx="minor">
+              <a:schemeClr val="lt1"/>
+            </a:fontRef>
+          </p:style>
+          <p:txBody>
+            <a:bodyPr rtlCol="0" anchor="ctr"/>
+            <a:lstStyle/>
+            <a:p>
+              <a:pPr algn="ctr"/>
+              <a:endParaRPr lang="en-US"/>
+            </a:p>
+          </p:txBody>
+        </p:sp>
+        <p:sp>
+          <p:nvSpPr>
+            <p:cNvPr id="2" name="Cloud 1">
+              <a:extLst>
+                <a:ext uri="{FF2B5EF4-FFF2-40B4-BE49-F238E27FC236}">
+                  <a16:creationId xmlns:a16="http://schemas.microsoft.com/office/drawing/2014/main" id="{58599111-2B8F-4572-B152-86C607862BE0}"/>
+                </a:ext>
+              </a:extLst>
+            </p:cNvPr>
+            <p:cNvSpPr/>
+            <p:nvPr/>
+          </p:nvSpPr>
+          <p:spPr>
+            <a:xfrm>
+              <a:off x="5643840" y="1117599"/>
+              <a:ext cx="3614460" cy="3937001"/>
+            </a:xfrm>
+            <a:prstGeom prst="cloud">
+              <a:avLst/>
+            </a:prstGeom>
+            <a:solidFill>
+              <a:srgbClr val="9BBB59">
+                <a:alpha val="96000"/>
+              </a:srgbClr>
+            </a:solidFill>
+            <a:ln w="25400" cap="flat" cmpd="sng" algn="ctr">
+              <a:solidFill>
+                <a:schemeClr val="tx1"/>
+              </a:solidFill>
+              <a:prstDash val="solid"/>
+            </a:ln>
+            <a:effectLst/>
+          </p:spPr>
+          <p:txBody>
+            <a:bodyPr rtlCol="0" anchor="ctr"/>
+            <a:lstStyle/>
+            <a:p>
+              <a:pPr marL="0" marR="0" lvl="0" indent="0" algn="ctr" defTabSz="5852160" eaLnBrk="1" fontAlgn="auto" latinLnBrk="0" hangingPunct="1">
+                <a:lnSpc>
+                  <a:spcPct val="100000"/>
+                </a:lnSpc>
+                <a:spcBef>
+                  <a:spcPts val="0"/>
+                </a:spcBef>
+                <a:spcAft>
+                  <a:spcPts val="0"/>
+                </a:spcAft>
+                <a:buClrTx/>
+                <a:buSzTx/>
+                <a:buFontTx/>
+                <a:buNone/>
+                <a:tabLst/>
+                <a:defRPr/>
+              </a:pPr>
+              <a:endParaRPr kumimoji="0" lang="en-US" sz="11520" b="0" i="0" u="none" strike="noStrike" kern="0" cap="none" spc="0" normalizeH="0" baseline="0" noProof="0" dirty="0">
+                <a:ln>
+                  <a:noFill/>
+                </a:ln>
+                <a:solidFill>
+                  <a:prstClr val="white"/>
+                </a:solidFill>
+                <a:effectLst/>
+                <a:uLnTx/>
+                <a:uFillTx/>
+                <a:latin typeface="Calibri"/>
+                <a:ea typeface="+mn-ea"/>
+                <a:cs typeface="+mn-cs"/>
+              </a:endParaRPr>
+            </a:p>
+          </p:txBody>
+        </p:sp>
+      </p:grpSp>
+    </p:spTree>
+    <p:extLst>
+      <p:ext uri="{BB962C8B-B14F-4D97-AF65-F5344CB8AC3E}">
+        <p14:creationId xmlns:p14="http://schemas.microsoft.com/office/powerpoint/2010/main" val="4164796923"/>
       </p:ext>
     </p:extLst>
   </p:cSld>
